--- a/DIP – Final Project.pptx
+++ b/DIP – Final Project.pptx
@@ -5,15 +5,18 @@
     <p:sldMasterId id="2147483660" r:id="rId1"/>
   </p:sldMasterIdLst>
   <p:notesMasterIdLst>
-    <p:notesMasterId r:id="rId8"/>
+    <p:notesMasterId r:id="rId11"/>
   </p:notesMasterIdLst>
   <p:sldIdLst>
     <p:sldId id="256" r:id="rId2"/>
-    <p:sldId id="257" r:id="rId3"/>
-    <p:sldId id="258" r:id="rId4"/>
-    <p:sldId id="259" r:id="rId5"/>
-    <p:sldId id="261" r:id="rId6"/>
-    <p:sldId id="260" r:id="rId7"/>
+    <p:sldId id="262" r:id="rId3"/>
+    <p:sldId id="257" r:id="rId4"/>
+    <p:sldId id="258" r:id="rId5"/>
+    <p:sldId id="259" r:id="rId6"/>
+    <p:sldId id="261" r:id="rId7"/>
+    <p:sldId id="263" r:id="rId8"/>
+    <p:sldId id="264" r:id="rId9"/>
+    <p:sldId id="260" r:id="rId10"/>
   </p:sldIdLst>
   <p:sldSz cx="12192000" cy="6858000"/>
   <p:notesSz cx="6858000" cy="9144000"/>
@@ -123,11 +126,7 @@
 <file path=ppt/commentAuthors.xml><?xml version="1.0" encoding="utf-8"?>
 <p:cmAuthorLst xmlns:a="http://schemas.openxmlformats.org/drawingml/2006/main" xmlns:r="http://schemas.openxmlformats.org/officeDocument/2006/relationships" xmlns:p="http://schemas.openxmlformats.org/presentationml/2006/main">
   <p:cmAuthor id="1" name="謝承佑" initials="謝承佑" lastIdx="1" clrIdx="0">
-    <p:extLst>
-      <p:ext uri="{19B8F6BF-5375-455C-9EA6-DF929625EA0E}">
-        <p15:presenceInfo xmlns:p15="http://schemas.microsoft.com/office/powerpoint/2012/main" userId="08ee57d722371df4" providerId="Windows Live"/>
-      </p:ext>
-    </p:extLst>
+    <p:extLst/>
   </p:cmAuthor>
 </p:cmAuthorLst>
 </file>
@@ -228,7 +227,7 @@
           <a:p>
             <a:fld id="{466120F5-E4B3-43B3-A31D-5BE791A86142}" type="datetimeFigureOut">
               <a:rPr lang="zh-TW" altLang="en-US" smtClean="0"/>
-              <a:t>2016/12/24</a:t>
+              <a:t>2016/12/25</a:t>
             </a:fld>
             <a:endParaRPr lang="zh-TW" altLang="en-US"/>
           </a:p>
@@ -684,7 +683,7 @@
           <a:p>
             <a:fld id="{9CA43115-D7E0-4DEA-ACDE-924D3D76C597}" type="datetimeFigureOut">
               <a:rPr lang="zh-TW" altLang="en-US" smtClean="0"/>
-              <a:t>2016/12/24</a:t>
+              <a:t>2016/12/25</a:t>
             </a:fld>
             <a:endParaRPr lang="zh-TW" altLang="en-US"/>
           </a:p>
@@ -1022,7 +1021,7 @@
           <a:p>
             <a:fld id="{9CA43115-D7E0-4DEA-ACDE-924D3D76C597}" type="datetimeFigureOut">
               <a:rPr lang="zh-TW" altLang="en-US" smtClean="0"/>
-              <a:t>2016/12/24</a:t>
+              <a:t>2016/12/25</a:t>
             </a:fld>
             <a:endParaRPr lang="zh-TW" altLang="en-US"/>
           </a:p>
@@ -1423,7 +1422,7 @@
           <a:p>
             <a:fld id="{9CA43115-D7E0-4DEA-ACDE-924D3D76C597}" type="datetimeFigureOut">
               <a:rPr lang="zh-TW" altLang="en-US" smtClean="0"/>
-              <a:t>2016/12/24</a:t>
+              <a:t>2016/12/25</a:t>
             </a:fld>
             <a:endParaRPr lang="zh-TW" altLang="en-US"/>
           </a:p>
@@ -1759,7 +1758,7 @@
           <a:p>
             <a:fld id="{9CA43115-D7E0-4DEA-ACDE-924D3D76C597}" type="datetimeFigureOut">
               <a:rPr lang="zh-TW" altLang="en-US" smtClean="0"/>
-              <a:t>2016/12/24</a:t>
+              <a:t>2016/12/25</a:t>
             </a:fld>
             <a:endParaRPr lang="zh-TW" altLang="en-US"/>
           </a:p>
@@ -2079,7 +2078,7 @@
           <a:p>
             <a:fld id="{9CA43115-D7E0-4DEA-ACDE-924D3D76C597}" type="datetimeFigureOut">
               <a:rPr lang="zh-TW" altLang="en-US" smtClean="0"/>
-              <a:t>2016/12/24</a:t>
+              <a:t>2016/12/25</a:t>
             </a:fld>
             <a:endParaRPr lang="zh-TW" altLang="en-US"/>
           </a:p>
@@ -2475,7 +2474,7 @@
           <a:p>
             <a:fld id="{9CA43115-D7E0-4DEA-ACDE-924D3D76C597}" type="datetimeFigureOut">
               <a:rPr lang="zh-TW" altLang="en-US" smtClean="0"/>
-              <a:t>2016/12/24</a:t>
+              <a:t>2016/12/25</a:t>
             </a:fld>
             <a:endParaRPr lang="zh-TW" altLang="en-US"/>
           </a:p>
@@ -2732,7 +2731,7 @@
           <a:p>
             <a:fld id="{9CA43115-D7E0-4DEA-ACDE-924D3D76C597}" type="datetimeFigureOut">
               <a:rPr lang="zh-TW" altLang="en-US" smtClean="0"/>
-              <a:t>2016/12/24</a:t>
+              <a:t>2016/12/25</a:t>
             </a:fld>
             <a:endParaRPr lang="zh-TW" altLang="en-US"/>
           </a:p>
@@ -2994,7 +2993,7 @@
           <a:p>
             <a:fld id="{9CA43115-D7E0-4DEA-ACDE-924D3D76C597}" type="datetimeFigureOut">
               <a:rPr lang="zh-TW" altLang="en-US" smtClean="0"/>
-              <a:t>2016/12/24</a:t>
+              <a:t>2016/12/25</a:t>
             </a:fld>
             <a:endParaRPr lang="zh-TW" altLang="en-US"/>
           </a:p>
@@ -3256,7 +3255,7 @@
           <a:p>
             <a:fld id="{9CA43115-D7E0-4DEA-ACDE-924D3D76C597}" type="datetimeFigureOut">
               <a:rPr lang="zh-TW" altLang="en-US" smtClean="0"/>
-              <a:t>2016/12/24</a:t>
+              <a:t>2016/12/25</a:t>
             </a:fld>
             <a:endParaRPr lang="zh-TW" altLang="en-US"/>
           </a:p>
@@ -3585,7 +3584,7 @@
           <a:p>
             <a:fld id="{9CA43115-D7E0-4DEA-ACDE-924D3D76C597}" type="datetimeFigureOut">
               <a:rPr lang="zh-TW" altLang="en-US" smtClean="0"/>
-              <a:t>2016/12/24</a:t>
+              <a:t>2016/12/25</a:t>
             </a:fld>
             <a:endParaRPr lang="zh-TW" altLang="en-US"/>
           </a:p>
@@ -3908,7 +3907,7 @@
           <a:p>
             <a:fld id="{9CA43115-D7E0-4DEA-ACDE-924D3D76C597}" type="datetimeFigureOut">
               <a:rPr lang="zh-TW" altLang="en-US" smtClean="0"/>
-              <a:t>2016/12/24</a:t>
+              <a:t>2016/12/25</a:t>
             </a:fld>
             <a:endParaRPr lang="zh-TW" altLang="en-US"/>
           </a:p>
@@ -4365,7 +4364,7 @@
           <a:p>
             <a:fld id="{9CA43115-D7E0-4DEA-ACDE-924D3D76C597}" type="datetimeFigureOut">
               <a:rPr lang="zh-TW" altLang="en-US" smtClean="0"/>
-              <a:t>2016/12/24</a:t>
+              <a:t>2016/12/25</a:t>
             </a:fld>
             <a:endParaRPr lang="zh-TW" altLang="en-US"/>
           </a:p>
@@ -4570,7 +4569,7 @@
           <a:p>
             <a:fld id="{9CA43115-D7E0-4DEA-ACDE-924D3D76C597}" type="datetimeFigureOut">
               <a:rPr lang="zh-TW" altLang="en-US" smtClean="0"/>
-              <a:t>2016/12/24</a:t>
+              <a:t>2016/12/25</a:t>
             </a:fld>
             <a:endParaRPr lang="zh-TW" altLang="en-US"/>
           </a:p>
@@ -4747,7 +4746,7 @@
           <a:p>
             <a:fld id="{9CA43115-D7E0-4DEA-ACDE-924D3D76C597}" type="datetimeFigureOut">
               <a:rPr lang="zh-TW" altLang="en-US" smtClean="0"/>
-              <a:t>2016/12/24</a:t>
+              <a:t>2016/12/25</a:t>
             </a:fld>
             <a:endParaRPr lang="zh-TW" altLang="en-US"/>
           </a:p>
@@ -5080,7 +5079,7 @@
           <a:p>
             <a:fld id="{9CA43115-D7E0-4DEA-ACDE-924D3D76C597}" type="datetimeFigureOut">
               <a:rPr lang="zh-TW" altLang="en-US" smtClean="0"/>
-              <a:t>2016/12/24</a:t>
+              <a:t>2016/12/25</a:t>
             </a:fld>
             <a:endParaRPr lang="zh-TW" altLang="en-US"/>
           </a:p>
@@ -5425,7 +5424,7 @@
           <a:p>
             <a:fld id="{9CA43115-D7E0-4DEA-ACDE-924D3D76C597}" type="datetimeFigureOut">
               <a:rPr lang="zh-TW" altLang="en-US" smtClean="0"/>
-              <a:t>2016/12/24</a:t>
+              <a:t>2016/12/25</a:t>
             </a:fld>
             <a:endParaRPr lang="zh-TW" altLang="en-US"/>
           </a:p>
@@ -7542,7 +7541,7 @@
           <a:p>
             <a:fld id="{9CA43115-D7E0-4DEA-ACDE-924D3D76C597}" type="datetimeFigureOut">
               <a:rPr lang="zh-TW" altLang="en-US" smtClean="0"/>
-              <a:t>2016/12/24</a:t>
+              <a:t>2016/12/25</a:t>
             </a:fld>
             <a:endParaRPr lang="zh-TW" altLang="en-US"/>
           </a:p>
@@ -8159,6 +8158,102 @@
 </file>
 
 <file path=ppt/slides/slide2.xml><?xml version="1.0" encoding="utf-8"?>
+<p:sld xmlns:a="http://schemas.openxmlformats.org/drawingml/2006/main" xmlns:r="http://schemas.openxmlformats.org/officeDocument/2006/relationships" xmlns:p="http://schemas.openxmlformats.org/presentationml/2006/main">
+  <p:cSld>
+    <p:spTree>
+      <p:nvGrpSpPr>
+        <p:cNvPr id="1" name=""/>
+        <p:cNvGrpSpPr/>
+        <p:nvPr/>
+      </p:nvGrpSpPr>
+      <p:grpSpPr>
+        <a:xfrm>
+          <a:off x="0" y="0"/>
+          <a:ext cx="0" cy="0"/>
+          <a:chOff x="0" y="0"/>
+          <a:chExt cx="0" cy="0"/>
+        </a:xfrm>
+      </p:grpSpPr>
+      <p:sp>
+        <p:nvSpPr>
+          <p:cNvPr id="2" name="標題 1"/>
+          <p:cNvSpPr>
+            <a:spLocks noGrp="1"/>
+          </p:cNvSpPr>
+          <p:nvPr>
+            <p:ph type="title"/>
+          </p:nvPr>
+        </p:nvSpPr>
+        <p:spPr/>
+        <p:txBody>
+          <a:bodyPr>
+            <a:normAutofit/>
+          </a:bodyPr>
+          <a:lstStyle/>
+          <a:p>
+            <a:r>
+              <a:rPr kumimoji="1" lang="zh-TW" altLang="en-US" sz="4000" dirty="0" smtClean="0"/>
+              <a:t>目標</a:t>
+            </a:r>
+            <a:endParaRPr kumimoji="1" lang="zh-TW" altLang="en-US" sz="4000" dirty="0"/>
+          </a:p>
+        </p:txBody>
+      </p:sp>
+      <p:sp>
+        <p:nvSpPr>
+          <p:cNvPr id="3" name="內容版面配置區 2"/>
+          <p:cNvSpPr>
+            <a:spLocks noGrp="1"/>
+          </p:cNvSpPr>
+          <p:nvPr>
+            <p:ph idx="1"/>
+          </p:nvPr>
+        </p:nvSpPr>
+        <p:spPr/>
+        <p:txBody>
+          <a:bodyPr/>
+          <a:lstStyle/>
+          <a:p>
+            <a:r>
+              <a:rPr kumimoji="1" lang="zh-TW" altLang="en-US" sz="3200" dirty="0" smtClean="0"/>
+              <a:t>人物為主角的背光補償</a:t>
+            </a:r>
+            <a:endParaRPr kumimoji="1" lang="en-US" altLang="zh-TW" sz="3200" dirty="0" smtClean="0"/>
+          </a:p>
+          <a:p>
+            <a:r>
+              <a:rPr kumimoji="1" lang="zh-TW" altLang="en-US" sz="3200" dirty="0" smtClean="0"/>
+              <a:t>避免</a:t>
+            </a:r>
+            <a:r>
+              <a:rPr kumimoji="1" lang="en-US" altLang="zh-TW" sz="3200" dirty="0" smtClean="0"/>
+              <a:t> histogram equalization</a:t>
+            </a:r>
+            <a:r>
+              <a:rPr kumimoji="1" lang="zh-TW" altLang="en-US" sz="3200" dirty="0" smtClean="0"/>
+              <a:t> 造成的過曝</a:t>
+            </a:r>
+            <a:endParaRPr kumimoji="1" lang="en-US" altLang="zh-TW" sz="3200" dirty="0" smtClean="0"/>
+          </a:p>
+          <a:p>
+            <a:endParaRPr kumimoji="1" lang="en-US" altLang="zh-TW" sz="3200" dirty="0"/>
+          </a:p>
+        </p:txBody>
+      </p:sp>
+    </p:spTree>
+    <p:extLst>
+      <p:ext uri="{BB962C8B-B14F-4D97-AF65-F5344CB8AC3E}">
+        <p14:creationId xmlns:p14="http://schemas.microsoft.com/office/powerpoint/2010/main" val="1878134298"/>
+      </p:ext>
+    </p:extLst>
+  </p:cSld>
+  <p:clrMapOvr>
+    <a:masterClrMapping/>
+  </p:clrMapOvr>
+</p:sld>
+</file>
+
+<file path=ppt/slides/slide3.xml><?xml version="1.0" encoding="utf-8"?>
 <p:sld xmlns:a="http://schemas.openxmlformats.org/drawingml/2006/main" xmlns:r="http://schemas.openxmlformats.org/officeDocument/2006/relationships" xmlns:p="http://schemas.openxmlformats.org/presentationml/2006/main">
   <p:cSld>
     <p:spTree>
@@ -9014,7 +9109,7 @@
 </p:sld>
 </file>
 
-<file path=ppt/slides/slide3.xml><?xml version="1.0" encoding="utf-8"?>
+<file path=ppt/slides/slide4.xml><?xml version="1.0" encoding="utf-8"?>
 <p:sld xmlns:a="http://schemas.openxmlformats.org/drawingml/2006/main" xmlns:r="http://schemas.openxmlformats.org/officeDocument/2006/relationships" xmlns:p="http://schemas.openxmlformats.org/presentationml/2006/main">
   <p:cSld>
     <p:spTree>
@@ -10404,7 +10499,7 @@
 </p:sld>
 </file>
 
-<file path=ppt/slides/slide4.xml><?xml version="1.0" encoding="utf-8"?>
+<file path=ppt/slides/slide5.xml><?xml version="1.0" encoding="utf-8"?>
 <p:sld xmlns:a="http://schemas.openxmlformats.org/drawingml/2006/main" xmlns:r="http://schemas.openxmlformats.org/officeDocument/2006/relationships" xmlns:p="http://schemas.openxmlformats.org/presentationml/2006/main">
   <p:cSld>
     <p:spTree>
@@ -10609,16 +10704,10 @@
             <a:p>
               <a:pPr algn="ctr"/>
               <a:r>
-                <a:rPr lang="en-US" altLang="zh-TW" sz="3000" dirty="0" smtClean="0">
-                  <a:latin typeface="BatangChe" panose="02030609000101010101" pitchFamily="49" charset="-127"/>
-                  <a:ea typeface="BatangChe" panose="02030609000101010101" pitchFamily="49" charset="-127"/>
-                </a:rPr>
+                <a:rPr lang="en-US" altLang="zh-TW" sz="3000" dirty="0"/>
                 <a:t>Image</a:t>
               </a:r>
-              <a:endParaRPr lang="zh-TW" altLang="en-US" sz="3000" dirty="0">
-                <a:latin typeface="BatangChe" panose="02030609000101010101" pitchFamily="49" charset="-127"/>
-                <a:ea typeface="BatangChe" panose="02030609000101010101" pitchFamily="49" charset="-127"/>
-              </a:endParaRPr>
+              <a:endParaRPr lang="zh-TW" altLang="en-US" sz="3000" dirty="0"/>
             </a:p>
           </p:txBody>
         </p:sp>
@@ -10954,7 +11043,7 @@
 </p:sld>
 </file>
 
-<file path=ppt/slides/slide5.xml><?xml version="1.0" encoding="utf-8"?>
+<file path=ppt/slides/slide6.xml><?xml version="1.0" encoding="utf-8"?>
 <p:sld xmlns:a="http://schemas.openxmlformats.org/drawingml/2006/main" xmlns:r="http://schemas.openxmlformats.org/officeDocument/2006/relationships" xmlns:p="http://schemas.openxmlformats.org/presentationml/2006/main">
   <p:cSld>
     <p:spTree>
@@ -10986,29 +11075,503 @@
           <a:bodyPr/>
           <a:lstStyle/>
           <a:p>
-            <a:endParaRPr lang="zh-TW" altLang="en-US"/>
+            <a:r>
+              <a:rPr lang="en-US" altLang="zh-TW" dirty="0" smtClean="0"/>
+              <a:t>Transformation Function - 1</a:t>
+            </a:r>
+            <a:endParaRPr lang="zh-TW" altLang="en-US" dirty="0"/>
           </a:p>
         </p:txBody>
       </p:sp>
-      <p:sp>
-        <p:nvSpPr>
-          <p:cNvPr id="3" name="內容版面配置區 2"/>
-          <p:cNvSpPr>
-            <a:spLocks noGrp="1"/>
-          </p:cNvSpPr>
+      <p:pic>
+        <p:nvPicPr>
+          <p:cNvPr id="4" name="內容版面配置區 3"/>
+          <p:cNvPicPr>
+            <a:picLocks noGrp="1" noChangeAspect="1"/>
+          </p:cNvPicPr>
           <p:nvPr>
             <p:ph idx="1"/>
           </p:nvPr>
-        </p:nvSpPr>
-        <p:spPr/>
-        <p:txBody>
-          <a:bodyPr/>
-          <a:lstStyle/>
-          <a:p>
-            <a:endParaRPr lang="zh-TW" altLang="en-US"/>
-          </a:p>
-        </p:txBody>
-      </p:sp>
+        </p:nvPicPr>
+        <p:blipFill>
+          <a:blip r:embed="rId2">
+            <a:extLst>
+              <a:ext uri="{28A0092B-C50C-407E-A947-70E740481C1C}">
+                <a14:useLocalDpi xmlns:a14="http://schemas.microsoft.com/office/drawing/2010/main" val="0"/>
+              </a:ext>
+            </a:extLst>
+          </a:blip>
+          <a:stretch>
+            <a:fillRect/>
+          </a:stretch>
+        </p:blipFill>
+        <p:spPr>
+          <a:xfrm>
+            <a:off x="6489562" y="1507683"/>
+            <a:ext cx="5015050" cy="3446282"/>
+          </a:xfrm>
+          <a:prstGeom prst="rect">
+            <a:avLst/>
+          </a:prstGeom>
+        </p:spPr>
+      </p:pic>
+      <p:cxnSp>
+        <p:nvCxnSpPr>
+          <p:cNvPr id="8" name="直線箭頭接點 7"/>
+          <p:cNvCxnSpPr/>
+          <p:nvPr/>
+        </p:nvCxnSpPr>
+        <p:spPr>
+          <a:xfrm flipH="1">
+            <a:off x="8542116" y="2106592"/>
+            <a:ext cx="243069" cy="752355"/>
+          </a:xfrm>
+          <a:prstGeom prst="straightConnector1">
+            <a:avLst/>
+          </a:prstGeom>
+          <a:ln w="57150">
+            <a:tailEnd type="triangle"/>
+          </a:ln>
+        </p:spPr>
+        <p:style>
+          <a:lnRef idx="1">
+            <a:schemeClr val="accent1"/>
+          </a:lnRef>
+          <a:fillRef idx="0">
+            <a:schemeClr val="accent1"/>
+          </a:fillRef>
+          <a:effectRef idx="0">
+            <a:schemeClr val="accent1"/>
+          </a:effectRef>
+          <a:fontRef idx="minor">
+            <a:schemeClr val="tx1"/>
+          </a:fontRef>
+        </p:style>
+      </p:cxnSp>
+      <mc:AlternateContent xmlns:mc="http://schemas.openxmlformats.org/markup-compatibility/2006">
+        <mc:Choice xmlns:a14="http://schemas.microsoft.com/office/drawing/2010/main" Requires="a14">
+          <p:sp>
+            <p:nvSpPr>
+              <p:cNvPr id="11" name="文字方塊 10"/>
+              <p:cNvSpPr txBox="1"/>
+              <p:nvPr/>
+            </p:nvSpPr>
+            <p:spPr>
+              <a:xfrm>
+                <a:off x="972273" y="1574157"/>
+                <a:ext cx="5822066" cy="2448234"/>
+              </a:xfrm>
+              <a:prstGeom prst="rect">
+                <a:avLst/>
+              </a:prstGeom>
+              <a:noFill/>
+            </p:spPr>
+            <p:txBody>
+              <a:bodyPr wrap="square" rtlCol="0">
+                <a:spAutoFit/>
+              </a:bodyPr>
+              <a:lstStyle/>
+              <a:p>
+                <a14:m>
+                  <m:oMathPara xmlns:m="http://schemas.openxmlformats.org/officeDocument/2006/math">
+                    <m:oMathParaPr>
+                      <m:jc m:val="centerGroup"/>
+                    </m:oMathParaPr>
+                    <m:oMath xmlns:m="http://schemas.openxmlformats.org/officeDocument/2006/math">
+                      <m:sSub>
+                        <m:sSubPr>
+                          <m:ctrlPr>
+                            <a:rPr kumimoji="1" lang="en-US" altLang="zh-TW" sz="2800" i="1" smtClean="0">
+                              <a:latin typeface="Cambria Math" charset="0"/>
+                            </a:rPr>
+                          </m:ctrlPr>
+                        </m:sSubPr>
+                        <m:e>
+                          <m:r>
+                            <a:rPr kumimoji="1" lang="en-US" altLang="zh-TW" sz="2800" b="0" i="1" smtClean="0">
+                              <a:latin typeface="Cambria Math" charset="0"/>
+                            </a:rPr>
+                            <m:t>𝑓</m:t>
+                          </m:r>
+                        </m:e>
+                        <m:sub>
+                          <m:r>
+                            <a:rPr kumimoji="1" lang="en-US" altLang="zh-TW" sz="2800" b="0" i="1" smtClean="0">
+                              <a:latin typeface="Cambria Math" charset="0"/>
+                            </a:rPr>
+                            <m:t>1</m:t>
+                          </m:r>
+                        </m:sub>
+                      </m:sSub>
+                      <m:d>
+                        <m:dPr>
+                          <m:ctrlPr>
+                            <a:rPr kumimoji="1" lang="en-US" altLang="zh-TW" sz="2800" b="0" i="1" smtClean="0">
+                              <a:latin typeface="Cambria Math" charset="0"/>
+                            </a:rPr>
+                          </m:ctrlPr>
+                        </m:dPr>
+                        <m:e>
+                          <m:r>
+                            <a:rPr kumimoji="1" lang="en-US" altLang="zh-TW" sz="2800" b="0" i="1" smtClean="0">
+                              <a:latin typeface="Cambria Math" charset="0"/>
+                            </a:rPr>
+                            <m:t>𝑥</m:t>
+                          </m:r>
+                        </m:e>
+                      </m:d>
+                      <m:r>
+                        <a:rPr kumimoji="1" lang="en-US" altLang="zh-TW" sz="2800" b="0" i="1" smtClean="0">
+                          <a:latin typeface="Cambria Math" charset="0"/>
+                        </a:rPr>
+                        <m:t>=</m:t>
+                      </m:r>
+                      <m:f>
+                        <m:fPr>
+                          <m:ctrlPr>
+                            <a:rPr kumimoji="1" lang="mr-IN" altLang="zh-TW" sz="2800" i="1" dirty="0" smtClean="0">
+                              <a:latin typeface="Cambria Math" charset="0"/>
+                            </a:rPr>
+                          </m:ctrlPr>
+                        </m:fPr>
+                        <m:num>
+                          <m:r>
+                            <a:rPr kumimoji="1" lang="en-US" altLang="zh-TW" sz="2800" b="0" i="1" dirty="0" smtClean="0">
+                              <a:latin typeface="Cambria Math" charset="0"/>
+                            </a:rPr>
+                            <m:t>−</m:t>
+                          </m:r>
+                          <m:r>
+                            <a:rPr kumimoji="1" lang="en-US" altLang="zh-TW" sz="2800" b="0" i="1" dirty="0" smtClean="0">
+                              <a:latin typeface="Cambria Math" charset="0"/>
+                            </a:rPr>
+                            <m:t>𝑏</m:t>
+                          </m:r>
+                        </m:num>
+                        <m:den>
+                          <m:sSup>
+                            <m:sSupPr>
+                              <m:ctrlPr>
+                                <a:rPr kumimoji="1" lang="mr-IN" altLang="zh-TW" sz="2800" i="1" dirty="0" smtClean="0">
+                                  <a:latin typeface="Cambria Math" charset="0"/>
+                                </a:rPr>
+                              </m:ctrlPr>
+                            </m:sSupPr>
+                            <m:e>
+                              <m:r>
+                                <a:rPr kumimoji="1" lang="en-US" altLang="zh-TW" sz="2800" b="0" i="1" dirty="0" smtClean="0">
+                                  <a:latin typeface="Cambria Math" charset="0"/>
+                                </a:rPr>
+                                <m:t>𝑎</m:t>
+                              </m:r>
+                            </m:e>
+                            <m:sup>
+                              <m:r>
+                                <a:rPr kumimoji="1" lang="en-US" altLang="zh-TW" sz="2800" b="0" i="1" dirty="0" smtClean="0">
+                                  <a:latin typeface="Cambria Math" charset="0"/>
+                                </a:rPr>
+                                <m:t>2</m:t>
+                              </m:r>
+                            </m:sup>
+                          </m:sSup>
+                        </m:den>
+                      </m:f>
+                      <m:sSup>
+                        <m:sSupPr>
+                          <m:ctrlPr>
+                            <a:rPr kumimoji="1" lang="en-US" altLang="zh-TW" sz="2800" b="0" i="1" dirty="0" smtClean="0">
+                              <a:latin typeface="Cambria Math" charset="0"/>
+                            </a:rPr>
+                          </m:ctrlPr>
+                        </m:sSupPr>
+                        <m:e>
+                          <m:r>
+                            <a:rPr kumimoji="1" lang="en-US" altLang="zh-TW" sz="2800" i="1" dirty="0">
+                              <a:latin typeface="Cambria Math" charset="0"/>
+                            </a:rPr>
+                            <m:t>(</m:t>
+                          </m:r>
+                          <m:r>
+                            <a:rPr kumimoji="1" lang="en-US" altLang="zh-TW" sz="2800" i="1" dirty="0">
+                              <a:latin typeface="Cambria Math" charset="0"/>
+                            </a:rPr>
+                            <m:t>𝑥</m:t>
+                          </m:r>
+                          <m:r>
+                            <a:rPr kumimoji="1" lang="en-US" altLang="zh-TW" sz="2800" i="1" dirty="0">
+                              <a:latin typeface="Cambria Math" charset="0"/>
+                            </a:rPr>
+                            <m:t>−</m:t>
+                          </m:r>
+                          <m:r>
+                            <a:rPr kumimoji="1" lang="en-US" altLang="zh-TW" sz="2800" i="1" dirty="0">
+                              <a:latin typeface="Cambria Math" charset="0"/>
+                            </a:rPr>
+                            <m:t>𝑎</m:t>
+                          </m:r>
+                          <m:r>
+                            <a:rPr kumimoji="1" lang="en-US" altLang="zh-TW" sz="2800" i="1" dirty="0">
+                              <a:latin typeface="Cambria Math" charset="0"/>
+                            </a:rPr>
+                            <m:t>)</m:t>
+                          </m:r>
+                        </m:e>
+                        <m:sup>
+                          <m:r>
+                            <a:rPr kumimoji="1" lang="en-US" altLang="zh-TW" sz="2800" b="0" i="1" dirty="0" smtClean="0">
+                              <a:latin typeface="Cambria Math" charset="0"/>
+                            </a:rPr>
+                            <m:t>2</m:t>
+                          </m:r>
+                        </m:sup>
+                      </m:sSup>
+                      <m:r>
+                        <a:rPr kumimoji="1" lang="en-US" altLang="zh-TW" sz="2800" b="0" i="1" dirty="0" smtClean="0">
+                          <a:latin typeface="Cambria Math" charset="0"/>
+                        </a:rPr>
+                        <m:t>+</m:t>
+                      </m:r>
+                      <m:r>
+                        <a:rPr kumimoji="1" lang="en-US" altLang="zh-TW" sz="2800" b="0" i="1" dirty="0" smtClean="0">
+                          <a:latin typeface="Cambria Math" charset="0"/>
+                        </a:rPr>
+                        <m:t>𝑏</m:t>
+                      </m:r>
+                    </m:oMath>
+                  </m:oMathPara>
+                </a14:m>
+                <a:endParaRPr kumimoji="1" lang="en-US" altLang="zh-TW" sz="2800" b="0" dirty="0" smtClean="0"/>
+              </a:p>
+              <a:p>
+                <a:endParaRPr kumimoji="1" lang="en-US" altLang="zh-TW" sz="2800" dirty="0" smtClean="0"/>
+              </a:p>
+              <a:p>
+                <a:r>
+                  <a:rPr kumimoji="1" lang="en-US" altLang="zh-TW" sz="2800" dirty="0" smtClean="0"/>
+                  <a:t>	</a:t>
+                </a:r>
+                <a14:m>
+                  <m:oMath xmlns:m="http://schemas.openxmlformats.org/officeDocument/2006/math">
+                    <m:sSub>
+                      <m:sSubPr>
+                        <m:ctrlPr>
+                          <a:rPr kumimoji="1" lang="en-US" altLang="zh-TW" sz="2800" i="1" smtClean="0">
+                            <a:latin typeface="Cambria Math" charset="0"/>
+                          </a:rPr>
+                        </m:ctrlPr>
+                      </m:sSubPr>
+                      <m:e>
+                        <m:r>
+                          <a:rPr kumimoji="1" lang="en-US" altLang="zh-TW" sz="2800" b="0" i="1" smtClean="0">
+                            <a:latin typeface="Cambria Math" charset="0"/>
+                          </a:rPr>
+                          <m:t>𝑓</m:t>
+                        </m:r>
+                      </m:e>
+                      <m:sub>
+                        <m:r>
+                          <a:rPr kumimoji="1" lang="en-US" altLang="zh-TW" sz="2800" b="0" i="1" smtClean="0">
+                            <a:latin typeface="Cambria Math" charset="0"/>
+                          </a:rPr>
+                          <m:t>2</m:t>
+                        </m:r>
+                      </m:sub>
+                    </m:sSub>
+                    <m:d>
+                      <m:dPr>
+                        <m:ctrlPr>
+                          <a:rPr kumimoji="1" lang="en-US" altLang="zh-TW" sz="2800" b="0" i="1" smtClean="0">
+                            <a:latin typeface="Cambria Math" charset="0"/>
+                          </a:rPr>
+                        </m:ctrlPr>
+                      </m:dPr>
+                      <m:e>
+                        <m:r>
+                          <a:rPr kumimoji="1" lang="en-US" altLang="zh-TW" sz="2800" b="0" i="1" smtClean="0">
+                            <a:latin typeface="Cambria Math" charset="0"/>
+                          </a:rPr>
+                          <m:t>𝑥</m:t>
+                        </m:r>
+                      </m:e>
+                    </m:d>
+                    <m:r>
+                      <a:rPr kumimoji="1" lang="en-US" altLang="zh-TW" sz="2800" b="0" i="1" smtClean="0">
+                        <a:latin typeface="Cambria Math" charset="0"/>
+                      </a:rPr>
+                      <m:t>=</m:t>
+                    </m:r>
+                    <m:f>
+                      <m:fPr>
+                        <m:ctrlPr>
+                          <a:rPr kumimoji="1" lang="mr-IN" altLang="zh-TW" sz="2800" b="0" i="1" smtClean="0">
+                            <a:latin typeface="Cambria Math" charset="0"/>
+                          </a:rPr>
+                        </m:ctrlPr>
+                      </m:fPr>
+                      <m:num>
+                        <m:r>
+                          <a:rPr kumimoji="1" lang="en-US" altLang="zh-TW" sz="2800" b="0" i="1" smtClean="0">
+                            <a:latin typeface="Cambria Math" charset="0"/>
+                          </a:rPr>
+                          <m:t>255−</m:t>
+                        </m:r>
+                        <m:r>
+                          <a:rPr kumimoji="1" lang="en-US" altLang="zh-TW" sz="2800" b="0" i="1" smtClean="0">
+                            <a:latin typeface="Cambria Math" charset="0"/>
+                          </a:rPr>
+                          <m:t>𝑏</m:t>
+                        </m:r>
+                      </m:num>
+                      <m:den>
+                        <m:sSup>
+                          <m:sSupPr>
+                            <m:ctrlPr>
+                              <a:rPr kumimoji="1" lang="mr-IN" altLang="zh-TW" sz="2800" b="0" i="1" smtClean="0">
+                                <a:latin typeface="Cambria Math" charset="0"/>
+                              </a:rPr>
+                            </m:ctrlPr>
+                          </m:sSupPr>
+                          <m:e>
+                            <m:r>
+                              <a:rPr kumimoji="1" lang="en-US" altLang="zh-TW" sz="2800" b="0" i="1" smtClean="0">
+                                <a:latin typeface="Cambria Math" charset="0"/>
+                              </a:rPr>
+                              <m:t>(255−</m:t>
+                            </m:r>
+                            <m:r>
+                              <a:rPr kumimoji="1" lang="en-US" altLang="zh-TW" sz="2800" b="0" i="1" smtClean="0">
+                                <a:latin typeface="Cambria Math" charset="0"/>
+                              </a:rPr>
+                              <m:t>𝑎</m:t>
+                            </m:r>
+                            <m:r>
+                              <a:rPr kumimoji="1" lang="en-US" altLang="zh-TW" sz="2800" b="0" i="1" smtClean="0">
+                                <a:latin typeface="Cambria Math" charset="0"/>
+                              </a:rPr>
+                              <m:t>)</m:t>
+                            </m:r>
+                          </m:e>
+                          <m:sup>
+                            <m:r>
+                              <a:rPr kumimoji="1" lang="en-US" altLang="zh-TW" sz="2800" b="0" i="1" smtClean="0">
+                                <a:latin typeface="Cambria Math" charset="0"/>
+                              </a:rPr>
+                              <m:t>2</m:t>
+                            </m:r>
+                          </m:sup>
+                        </m:sSup>
+                      </m:den>
+                    </m:f>
+                    <m:sSup>
+                      <m:sSupPr>
+                        <m:ctrlPr>
+                          <a:rPr kumimoji="1" lang="mr-IN" altLang="zh-TW" sz="2800" b="0" i="1" smtClean="0">
+                            <a:latin typeface="Cambria Math" charset="0"/>
+                          </a:rPr>
+                        </m:ctrlPr>
+                      </m:sSupPr>
+                      <m:e>
+                        <m:r>
+                          <a:rPr kumimoji="1" lang="en-US" altLang="zh-TW" sz="2800" b="0" i="1" smtClean="0">
+                            <a:latin typeface="Cambria Math" charset="0"/>
+                          </a:rPr>
+                          <m:t>(</m:t>
+                        </m:r>
+                        <m:r>
+                          <a:rPr kumimoji="1" lang="en-US" altLang="zh-TW" sz="2800" b="0" i="1" smtClean="0">
+                            <a:latin typeface="Cambria Math" charset="0"/>
+                          </a:rPr>
+                          <m:t>𝑥</m:t>
+                        </m:r>
+                        <m:r>
+                          <a:rPr kumimoji="1" lang="en-US" altLang="zh-TW" sz="2800" b="0" i="1" smtClean="0">
+                            <a:latin typeface="Cambria Math" charset="0"/>
+                          </a:rPr>
+                          <m:t>−</m:t>
+                        </m:r>
+                        <m:r>
+                          <a:rPr kumimoji="1" lang="en-US" altLang="zh-TW" sz="2800" b="0" i="1" smtClean="0">
+                            <a:latin typeface="Cambria Math" charset="0"/>
+                          </a:rPr>
+                          <m:t>𝑎</m:t>
+                        </m:r>
+                        <m:r>
+                          <a:rPr kumimoji="1" lang="en-US" altLang="zh-TW" sz="2800" b="0" i="1" smtClean="0">
+                            <a:latin typeface="Cambria Math" charset="0"/>
+                          </a:rPr>
+                          <m:t>)</m:t>
+                        </m:r>
+                      </m:e>
+                      <m:sup>
+                        <m:r>
+                          <a:rPr kumimoji="1" lang="en-US" altLang="zh-TW" sz="2800" b="0" i="1" smtClean="0">
+                            <a:latin typeface="Cambria Math" charset="0"/>
+                          </a:rPr>
+                          <m:t>2</m:t>
+                        </m:r>
+                      </m:sup>
+                    </m:sSup>
+                    <m:r>
+                      <a:rPr kumimoji="1" lang="en-US" altLang="zh-TW" sz="2800" b="0" i="1" smtClean="0">
+                        <a:latin typeface="Cambria Math" charset="0"/>
+                      </a:rPr>
+                      <m:t>+</m:t>
+                    </m:r>
+                    <m:r>
+                      <a:rPr kumimoji="1" lang="en-US" altLang="zh-TW" sz="2800" b="0" i="1" smtClean="0">
+                        <a:latin typeface="Cambria Math" charset="0"/>
+                      </a:rPr>
+                      <m:t>𝑏</m:t>
+                    </m:r>
+                  </m:oMath>
+                </a14:m>
+                <a:endParaRPr kumimoji="1" lang="en-US" altLang="zh-TW" sz="2800" b="0" dirty="0" smtClean="0"/>
+              </a:p>
+              <a:p>
+                <a:endParaRPr kumimoji="1" lang="en-US" altLang="zh-TW" sz="2800" dirty="0" smtClean="0"/>
+              </a:p>
+            </p:txBody>
+          </p:sp>
+        </mc:Choice>
+        <mc:Fallback>
+          <p:sp>
+            <p:nvSpPr>
+              <p:cNvPr id="11" name="文字方塊 10"/>
+              <p:cNvSpPr txBox="1">
+                <a:spLocks noRot="1" noChangeAspect="1" noMove="1" noResize="1" noEditPoints="1" noAdjustHandles="1" noChangeArrowheads="1" noChangeShapeType="1" noTextEdit="1"/>
+              </p:cNvSpPr>
+              <p:nvPr/>
+            </p:nvSpPr>
+            <p:spPr>
+              <a:xfrm>
+                <a:off x="972273" y="1574157"/>
+                <a:ext cx="5822066" cy="2448234"/>
+              </a:xfrm>
+              <a:prstGeom prst="rect">
+                <a:avLst/>
+              </a:prstGeom>
+              <a:blipFill rotWithShape="0">
+                <a:blip r:embed="rId3"/>
+                <a:stretch>
+                  <a:fillRect/>
+                </a:stretch>
+              </a:blipFill>
+            </p:spPr>
+            <p:txBody>
+              <a:bodyPr/>
+              <a:lstStyle/>
+              <a:p>
+                <a:r>
+                  <a:rPr lang="zh-TW" altLang="en-US">
+                    <a:noFill/>
+                  </a:rPr>
+                  <a:t> </a:t>
+                </a:r>
+              </a:p>
+            </p:txBody>
+          </p:sp>
+        </mc:Fallback>
+      </mc:AlternateContent>
     </p:spTree>
     <p:extLst>
       <p:ext uri="{BB962C8B-B14F-4D97-AF65-F5344CB8AC3E}">
@@ -11019,10 +11582,574 @@
   <p:clrMapOvr>
     <a:masterClrMapping/>
   </p:clrMapOvr>
+  <p:timing>
+    <p:tnLst>
+      <p:par>
+        <p:cTn id="1" dur="indefinite" restart="never" nodeType="tmRoot">
+          <p:childTnLst>
+            <p:seq concurrent="1" nextAc="seek">
+              <p:cTn id="2" dur="indefinite" nodeType="mainSeq">
+                <p:childTnLst>
+                  <p:par>
+                    <p:cTn id="3" fill="hold">
+                      <p:stCondLst>
+                        <p:cond delay="indefinite"/>
+                        <p:cond evt="onBegin" delay="0">
+                          <p:tn val="2"/>
+                        </p:cond>
+                      </p:stCondLst>
+                      <p:childTnLst>
+                        <p:par>
+                          <p:cTn id="4" fill="hold">
+                            <p:stCondLst>
+                              <p:cond delay="0"/>
+                            </p:stCondLst>
+                            <p:childTnLst>
+                              <p:par>
+                                <p:cTn id="5" presetID="6" presetClass="entr" presetSubtype="16" fill="hold" nodeType="withEffect">
+                                  <p:stCondLst>
+                                    <p:cond delay="0"/>
+                                  </p:stCondLst>
+                                  <p:childTnLst>
+                                    <p:set>
+                                      <p:cBhvr>
+                                        <p:cTn id="6" dur="1" fill="hold">
+                                          <p:stCondLst>
+                                            <p:cond delay="0"/>
+                                          </p:stCondLst>
+                                        </p:cTn>
+                                        <p:tgtEl>
+                                          <p:spTgt spid="4"/>
+                                        </p:tgtEl>
+                                        <p:attrNameLst>
+                                          <p:attrName>style.visibility</p:attrName>
+                                        </p:attrNameLst>
+                                      </p:cBhvr>
+                                      <p:to>
+                                        <p:strVal val="visible"/>
+                                      </p:to>
+                                    </p:set>
+                                    <p:animEffect transition="in" filter="circle(in)">
+                                      <p:cBhvr>
+                                        <p:cTn id="7" dur="2000"/>
+                                        <p:tgtEl>
+                                          <p:spTgt spid="4"/>
+                                        </p:tgtEl>
+                                      </p:cBhvr>
+                                    </p:animEffect>
+                                  </p:childTnLst>
+                                </p:cTn>
+                              </p:par>
+                            </p:childTnLst>
+                          </p:cTn>
+                        </p:par>
+                      </p:childTnLst>
+                    </p:cTn>
+                  </p:par>
+                </p:childTnLst>
+              </p:cTn>
+              <p:prevCondLst>
+                <p:cond evt="onPrev" delay="0">
+                  <p:tgtEl>
+                    <p:sldTgt/>
+                  </p:tgtEl>
+                </p:cond>
+              </p:prevCondLst>
+              <p:nextCondLst>
+                <p:cond evt="onNext" delay="0">
+                  <p:tgtEl>
+                    <p:sldTgt/>
+                  </p:tgtEl>
+                </p:cond>
+              </p:nextCondLst>
+            </p:seq>
+          </p:childTnLst>
+        </p:cTn>
+      </p:par>
+    </p:tnLst>
+  </p:timing>
 </p:sld>
 </file>
 
-<file path=ppt/slides/slide6.xml><?xml version="1.0" encoding="utf-8"?>
+<file path=ppt/slides/slide7.xml><?xml version="1.0" encoding="utf-8"?>
+<p:sld xmlns:a="http://schemas.openxmlformats.org/drawingml/2006/main" xmlns:r="http://schemas.openxmlformats.org/officeDocument/2006/relationships" xmlns:p="http://schemas.openxmlformats.org/presentationml/2006/main">
+  <p:cSld>
+    <p:spTree>
+      <p:nvGrpSpPr>
+        <p:cNvPr id="1" name=""/>
+        <p:cNvGrpSpPr/>
+        <p:nvPr/>
+      </p:nvGrpSpPr>
+      <p:grpSpPr>
+        <a:xfrm>
+          <a:off x="0" y="0"/>
+          <a:ext cx="0" cy="0"/>
+          <a:chOff x="0" y="0"/>
+          <a:chExt cx="0" cy="0"/>
+        </a:xfrm>
+      </p:grpSpPr>
+      <p:sp>
+        <p:nvSpPr>
+          <p:cNvPr id="2" name="標題 1"/>
+          <p:cNvSpPr>
+            <a:spLocks noGrp="1"/>
+          </p:cNvSpPr>
+          <p:nvPr>
+            <p:ph type="title"/>
+          </p:nvPr>
+        </p:nvSpPr>
+        <p:spPr/>
+        <p:txBody>
+          <a:bodyPr/>
+          <a:lstStyle/>
+          <a:p>
+            <a:r>
+              <a:rPr kumimoji="1" lang="en-US" altLang="zh-TW" dirty="0" smtClean="0"/>
+              <a:t>Transformation Function - 2</a:t>
+            </a:r>
+            <a:endParaRPr kumimoji="1" lang="zh-TW" altLang="en-US" dirty="0"/>
+          </a:p>
+        </p:txBody>
+      </p:sp>
+      <p:pic>
+        <p:nvPicPr>
+          <p:cNvPr id="5" name="圖片 4"/>
+          <p:cNvPicPr>
+            <a:picLocks noChangeAspect="1"/>
+          </p:cNvPicPr>
+          <p:nvPr/>
+        </p:nvPicPr>
+        <p:blipFill>
+          <a:blip r:embed="rId2">
+            <a:extLst>
+              <a:ext uri="{28A0092B-C50C-407E-A947-70E740481C1C}">
+                <a14:useLocalDpi xmlns:a14="http://schemas.microsoft.com/office/drawing/2010/main" val="0"/>
+              </a:ext>
+            </a:extLst>
+          </a:blip>
+          <a:stretch>
+            <a:fillRect/>
+          </a:stretch>
+        </p:blipFill>
+        <p:spPr>
+          <a:xfrm>
+            <a:off x="6553200" y="4406606"/>
+            <a:ext cx="5638800" cy="2349500"/>
+          </a:xfrm>
+          <a:prstGeom prst="rect">
+            <a:avLst/>
+          </a:prstGeom>
+        </p:spPr>
+      </p:pic>
+      <p:pic>
+        <p:nvPicPr>
+          <p:cNvPr id="7" name="內容版面配置區 3"/>
+          <p:cNvPicPr>
+            <a:picLocks noChangeAspect="1"/>
+          </p:cNvPicPr>
+          <p:nvPr/>
+        </p:nvPicPr>
+        <p:blipFill>
+          <a:blip r:embed="rId3">
+            <a:extLst>
+              <a:ext uri="{28A0092B-C50C-407E-A947-70E740481C1C}">
+                <a14:useLocalDpi xmlns:a14="http://schemas.microsoft.com/office/drawing/2010/main" val="0"/>
+              </a:ext>
+            </a:extLst>
+          </a:blip>
+          <a:stretch>
+            <a:fillRect/>
+          </a:stretch>
+        </p:blipFill>
+        <p:spPr>
+          <a:xfrm>
+            <a:off x="1620453" y="3463584"/>
+            <a:ext cx="4791297" cy="3292522"/>
+          </a:xfrm>
+          <a:prstGeom prst="rect">
+            <a:avLst/>
+          </a:prstGeom>
+        </p:spPr>
+      </p:pic>
+      <mc:AlternateContent xmlns:mc="http://schemas.openxmlformats.org/markup-compatibility/2006">
+        <mc:Choice xmlns:a14="http://schemas.microsoft.com/office/drawing/2010/main" Requires="a14">
+          <p:sp>
+            <p:nvSpPr>
+              <p:cNvPr id="9" name="矩形 8"/>
+              <p:cNvSpPr/>
+              <p:nvPr/>
+            </p:nvSpPr>
+            <p:spPr>
+              <a:xfrm>
+                <a:off x="1620453" y="2099516"/>
+                <a:ext cx="3960275" cy="584775"/>
+              </a:xfrm>
+              <a:prstGeom prst="rect">
+                <a:avLst/>
+              </a:prstGeom>
+            </p:spPr>
+            <p:txBody>
+              <a:bodyPr wrap="square">
+                <a:spAutoFit/>
+              </a:bodyPr>
+              <a:lstStyle/>
+              <a:p>
+                <a:pPr/>
+                <a14:m>
+                  <m:oMathPara xmlns:m="http://schemas.openxmlformats.org/officeDocument/2006/math">
+                    <m:oMathParaPr>
+                      <m:jc m:val="centerGroup"/>
+                    </m:oMathParaPr>
+                    <m:oMath xmlns:m="http://schemas.openxmlformats.org/officeDocument/2006/math">
+                      <m:d>
+                        <m:dPr>
+                          <m:ctrlPr>
+                            <a:rPr kumimoji="1" lang="en-US" altLang="zh-TW" sz="3200" i="1">
+                              <a:latin typeface="Cambria Math" charset="0"/>
+                            </a:rPr>
+                          </m:ctrlPr>
+                        </m:dPr>
+                        <m:e>
+                          <m:r>
+                            <a:rPr kumimoji="1" lang="en-US" altLang="zh-TW" sz="3200" i="1">
+                              <a:latin typeface="Cambria Math" charset="0"/>
+                            </a:rPr>
+                            <m:t>𝑎</m:t>
+                          </m:r>
+                          <m:r>
+                            <a:rPr kumimoji="1" lang="en-US" altLang="zh-TW" sz="3200" i="1">
+                              <a:latin typeface="Cambria Math" charset="0"/>
+                            </a:rPr>
+                            <m:t>, </m:t>
+                          </m:r>
+                          <m:r>
+                            <a:rPr kumimoji="1" lang="en-US" altLang="zh-TW" sz="3200" i="1">
+                              <a:latin typeface="Cambria Math" charset="0"/>
+                            </a:rPr>
+                            <m:t>𝑏</m:t>
+                          </m:r>
+                        </m:e>
+                      </m:d>
+                      <m:r>
+                        <a:rPr kumimoji="1" lang="en-US" altLang="zh-TW" sz="3200" i="1">
+                          <a:latin typeface="Cambria Math" charset="0"/>
+                        </a:rPr>
+                        <m:t>=(</m:t>
+                      </m:r>
+                      <m:sSub>
+                        <m:sSubPr>
+                          <m:ctrlPr>
+                            <a:rPr kumimoji="1" lang="en-US" altLang="zh-TW" sz="3200" i="1">
+                              <a:latin typeface="Cambria Math" charset="0"/>
+                            </a:rPr>
+                          </m:ctrlPr>
+                        </m:sSubPr>
+                        <m:e>
+                          <m:r>
+                            <a:rPr kumimoji="1" lang="en-US" altLang="zh-TW" sz="3200" i="1">
+                              <a:latin typeface="Cambria Math" charset="0"/>
+                            </a:rPr>
+                            <m:t>𝐹𝐿</m:t>
+                          </m:r>
+                        </m:e>
+                        <m:sub>
+                          <m:r>
+                            <a:rPr kumimoji="1" lang="en-US" altLang="zh-TW" sz="3200" i="1">
+                              <a:latin typeface="Cambria Math" charset="0"/>
+                            </a:rPr>
+                            <m:t>𝑚</m:t>
+                          </m:r>
+                        </m:sub>
+                      </m:sSub>
+                      <m:r>
+                        <a:rPr kumimoji="1" lang="en-US" altLang="zh-TW" sz="3200" i="1">
+                          <a:latin typeface="Cambria Math" charset="0"/>
+                        </a:rPr>
+                        <m:t>, </m:t>
+                      </m:r>
+                      <m:sSub>
+                        <m:sSubPr>
+                          <m:ctrlPr>
+                            <a:rPr kumimoji="1" lang="en-US" altLang="zh-TW" sz="3200" i="1">
+                              <a:latin typeface="Cambria Math" charset="0"/>
+                            </a:rPr>
+                          </m:ctrlPr>
+                        </m:sSubPr>
+                        <m:e>
+                          <m:r>
+                            <a:rPr kumimoji="1" lang="en-US" altLang="zh-TW" sz="3200" i="1">
+                              <a:latin typeface="Cambria Math" charset="0"/>
+                            </a:rPr>
+                            <m:t>𝐻</m:t>
+                          </m:r>
+                        </m:e>
+                        <m:sub>
+                          <m:r>
+                            <a:rPr kumimoji="1" lang="en-US" altLang="zh-TW" sz="3200" i="1">
+                              <a:latin typeface="Cambria Math" charset="0"/>
+                            </a:rPr>
+                            <m:t>𝑚</m:t>
+                          </m:r>
+                        </m:sub>
+                      </m:sSub>
+                      <m:r>
+                        <a:rPr kumimoji="1" lang="en-US" altLang="zh-TW" sz="3200" i="1">
+                          <a:latin typeface="Cambria Math" charset="0"/>
+                        </a:rPr>
+                        <m:t>)</m:t>
+                      </m:r>
+                    </m:oMath>
+                  </m:oMathPara>
+                </a14:m>
+                <a:endParaRPr kumimoji="1" lang="zh-TW" altLang="en-US" sz="3200" dirty="0"/>
+              </a:p>
+            </p:txBody>
+          </p:sp>
+        </mc:Choice>
+        <mc:Fallback>
+          <p:sp>
+            <p:nvSpPr>
+              <p:cNvPr id="9" name="矩形 8"/>
+              <p:cNvSpPr>
+                <a:spLocks noRot="1" noChangeAspect="1" noMove="1" noResize="1" noEditPoints="1" noAdjustHandles="1" noChangeArrowheads="1" noChangeShapeType="1" noTextEdit="1"/>
+              </p:cNvSpPr>
+              <p:nvPr/>
+            </p:nvSpPr>
+            <p:spPr>
+              <a:xfrm>
+                <a:off x="1620453" y="2099516"/>
+                <a:ext cx="3960275" cy="584775"/>
+              </a:xfrm>
+              <a:prstGeom prst="rect">
+                <a:avLst/>
+              </a:prstGeom>
+              <a:blipFill rotWithShape="0">
+                <a:blip r:embed="rId4"/>
+                <a:stretch>
+                  <a:fillRect/>
+                </a:stretch>
+              </a:blipFill>
+            </p:spPr>
+            <p:txBody>
+              <a:bodyPr/>
+              <a:lstStyle/>
+              <a:p>
+                <a:r>
+                  <a:rPr lang="zh-TW" altLang="en-US">
+                    <a:noFill/>
+                  </a:rPr>
+                  <a:t> </a:t>
+                </a:r>
+              </a:p>
+            </p:txBody>
+          </p:sp>
+        </mc:Fallback>
+      </mc:AlternateContent>
+      <p:cxnSp>
+        <p:nvCxnSpPr>
+          <p:cNvPr id="10" name="直線箭頭接點 9"/>
+          <p:cNvCxnSpPr/>
+          <p:nvPr/>
+        </p:nvCxnSpPr>
+        <p:spPr>
+          <a:xfrm flipH="1">
+            <a:off x="3600590" y="4030428"/>
+            <a:ext cx="243069" cy="752355"/>
+          </a:xfrm>
+          <a:prstGeom prst="straightConnector1">
+            <a:avLst/>
+          </a:prstGeom>
+          <a:ln w="57150">
+            <a:tailEnd type="triangle"/>
+          </a:ln>
+        </p:spPr>
+        <p:style>
+          <a:lnRef idx="1">
+            <a:schemeClr val="accent1"/>
+          </a:lnRef>
+          <a:fillRef idx="0">
+            <a:schemeClr val="accent1"/>
+          </a:fillRef>
+          <a:effectRef idx="0">
+            <a:schemeClr val="accent1"/>
+          </a:effectRef>
+          <a:fontRef idx="minor">
+            <a:schemeClr val="tx1"/>
+          </a:fontRef>
+        </p:style>
+      </p:cxnSp>
+    </p:spTree>
+    <p:extLst>
+      <p:ext uri="{BB962C8B-B14F-4D97-AF65-F5344CB8AC3E}">
+        <p14:creationId xmlns:p14="http://schemas.microsoft.com/office/powerpoint/2010/main" val="1568649597"/>
+      </p:ext>
+    </p:extLst>
+  </p:cSld>
+  <p:clrMapOvr>
+    <a:masterClrMapping/>
+  </p:clrMapOvr>
+  <p:timing>
+    <p:tnLst>
+      <p:par>
+        <p:cTn id="1" dur="indefinite" restart="never" nodeType="tmRoot">
+          <p:childTnLst>
+            <p:seq concurrent="1" nextAc="seek">
+              <p:cTn id="2" dur="indefinite" nodeType="mainSeq">
+                <p:childTnLst>
+                  <p:par>
+                    <p:cTn id="3" fill="hold">
+                      <p:stCondLst>
+                        <p:cond delay="indefinite"/>
+                        <p:cond evt="onBegin" delay="0">
+                          <p:tn val="2"/>
+                        </p:cond>
+                      </p:stCondLst>
+                      <p:childTnLst>
+                        <p:par>
+                          <p:cTn id="4" fill="hold">
+                            <p:stCondLst>
+                              <p:cond delay="0"/>
+                            </p:stCondLst>
+                            <p:childTnLst>
+                              <p:par>
+                                <p:cTn id="5" presetID="6" presetClass="entr" presetSubtype="16" fill="hold" nodeType="withEffect">
+                                  <p:stCondLst>
+                                    <p:cond delay="0"/>
+                                  </p:stCondLst>
+                                  <p:childTnLst>
+                                    <p:set>
+                                      <p:cBhvr>
+                                        <p:cTn id="6" dur="1" fill="hold">
+                                          <p:stCondLst>
+                                            <p:cond delay="0"/>
+                                          </p:stCondLst>
+                                        </p:cTn>
+                                        <p:tgtEl>
+                                          <p:spTgt spid="7"/>
+                                        </p:tgtEl>
+                                        <p:attrNameLst>
+                                          <p:attrName>style.visibility</p:attrName>
+                                        </p:attrNameLst>
+                                      </p:cBhvr>
+                                      <p:to>
+                                        <p:strVal val="visible"/>
+                                      </p:to>
+                                    </p:set>
+                                    <p:animEffect transition="in" filter="circle(in)">
+                                      <p:cBhvr>
+                                        <p:cTn id="7" dur="2000"/>
+                                        <p:tgtEl>
+                                          <p:spTgt spid="7"/>
+                                        </p:tgtEl>
+                                      </p:cBhvr>
+                                    </p:animEffect>
+                                  </p:childTnLst>
+                                </p:cTn>
+                              </p:par>
+                            </p:childTnLst>
+                          </p:cTn>
+                        </p:par>
+                      </p:childTnLst>
+                    </p:cTn>
+                  </p:par>
+                </p:childTnLst>
+              </p:cTn>
+              <p:prevCondLst>
+                <p:cond evt="onPrev" delay="0">
+                  <p:tgtEl>
+                    <p:sldTgt/>
+                  </p:tgtEl>
+                </p:cond>
+              </p:prevCondLst>
+              <p:nextCondLst>
+                <p:cond evt="onNext" delay="0">
+                  <p:tgtEl>
+                    <p:sldTgt/>
+                  </p:tgtEl>
+                </p:cond>
+              </p:nextCondLst>
+            </p:seq>
+          </p:childTnLst>
+        </p:cTn>
+      </p:par>
+    </p:tnLst>
+  </p:timing>
+</p:sld>
+</file>
+
+<file path=ppt/slides/slide8.xml><?xml version="1.0" encoding="utf-8"?>
+<p:sld xmlns:a="http://schemas.openxmlformats.org/drawingml/2006/main" xmlns:r="http://schemas.openxmlformats.org/officeDocument/2006/relationships" xmlns:p="http://schemas.openxmlformats.org/presentationml/2006/main">
+  <p:cSld>
+    <p:spTree>
+      <p:nvGrpSpPr>
+        <p:cNvPr id="1" name=""/>
+        <p:cNvGrpSpPr/>
+        <p:nvPr/>
+      </p:nvGrpSpPr>
+      <p:grpSpPr>
+        <a:xfrm>
+          <a:off x="0" y="0"/>
+          <a:ext cx="0" cy="0"/>
+          <a:chOff x="0" y="0"/>
+          <a:chExt cx="0" cy="0"/>
+        </a:xfrm>
+      </p:grpSpPr>
+      <p:sp>
+        <p:nvSpPr>
+          <p:cNvPr id="2" name="標題 1"/>
+          <p:cNvSpPr>
+            <a:spLocks noGrp="1"/>
+          </p:cNvSpPr>
+          <p:nvPr>
+            <p:ph type="title"/>
+          </p:nvPr>
+        </p:nvSpPr>
+        <p:spPr/>
+        <p:txBody>
+          <a:bodyPr/>
+          <a:lstStyle/>
+          <a:p>
+            <a:r>
+              <a:rPr kumimoji="1" lang="en-US" altLang="zh-TW" dirty="0" smtClean="0"/>
+              <a:t>Grouping</a:t>
+            </a:r>
+            <a:endParaRPr kumimoji="1" lang="zh-TW" altLang="en-US" dirty="0"/>
+          </a:p>
+        </p:txBody>
+      </p:sp>
+      <p:sp>
+        <p:nvSpPr>
+          <p:cNvPr id="3" name="內容版面配置區 2"/>
+          <p:cNvSpPr>
+            <a:spLocks noGrp="1"/>
+          </p:cNvSpPr>
+          <p:nvPr>
+            <p:ph idx="1"/>
+          </p:nvPr>
+        </p:nvSpPr>
+        <p:spPr/>
+        <p:txBody>
+          <a:bodyPr/>
+          <a:lstStyle/>
+          <a:p>
+            <a:endParaRPr kumimoji="1" lang="zh-TW" altLang="en-US" dirty="0"/>
+          </a:p>
+        </p:txBody>
+      </p:sp>
+    </p:spTree>
+    <p:extLst>
+      <p:ext uri="{BB962C8B-B14F-4D97-AF65-F5344CB8AC3E}">
+        <p14:creationId xmlns:p14="http://schemas.microsoft.com/office/powerpoint/2010/main" val="1393055561"/>
+      </p:ext>
+    </p:extLst>
+  </p:cSld>
+  <p:clrMapOvr>
+    <a:masterClrMapping/>
+  </p:clrMapOvr>
+</p:sld>
+</file>
+
+<file path=ppt/slides/slide9.xml><?xml version="1.0" encoding="utf-8"?>
 <p:sld xmlns:a="http://schemas.openxmlformats.org/drawingml/2006/main" xmlns:r="http://schemas.openxmlformats.org/officeDocument/2006/relationships" xmlns:p="http://schemas.openxmlformats.org/presentationml/2006/main">
   <p:cSld>
     <p:spTree>

--- a/DIP – Final Project.pptx
+++ b/DIP – Final Project.pptx
@@ -8215,8 +8215,46 @@
           <a:lstStyle/>
           <a:p>
             <a:r>
+              <a:rPr kumimoji="1" lang="zh-TW" altLang="en-US" sz="3200" dirty="0" smtClean="0">
+                <a:solidFill>
+                  <a:srgbClr val="FF0000"/>
+                </a:solidFill>
+              </a:rPr>
+              <a:t>人物</a:t>
+            </a:r>
+            <a:r>
               <a:rPr kumimoji="1" lang="zh-TW" altLang="en-US" sz="3200" dirty="0" smtClean="0"/>
-              <a:t>人物為主角的背光補償</a:t>
+              <a:t>為主角的背光</a:t>
+            </a:r>
+            <a:r>
+              <a:rPr kumimoji="1" lang="zh-TW" altLang="en-US" sz="3200" dirty="0" smtClean="0"/>
+              <a:t>補償</a:t>
+            </a:r>
+            <a:endParaRPr kumimoji="1" lang="en-US" altLang="zh-TW" sz="3200" dirty="0" smtClean="0"/>
+          </a:p>
+          <a:p>
+            <a:r>
+              <a:rPr kumimoji="1" lang="zh-TW" altLang="en-US" sz="3200" dirty="0" smtClean="0"/>
+              <a:t>假設</a:t>
+            </a:r>
+            <a:r>
+              <a:rPr kumimoji="1" lang="zh-TW" altLang="en-US" sz="3200" dirty="0" smtClean="0">
+                <a:solidFill>
+                  <a:srgbClr val="FF0000"/>
+                </a:solidFill>
+              </a:rPr>
+              <a:t>光源在後方</a:t>
+            </a:r>
+            <a:endParaRPr kumimoji="1" lang="en-US" altLang="zh-TW" sz="3200" dirty="0" smtClean="0">
+              <a:solidFill>
+                <a:srgbClr val="FF0000"/>
+              </a:solidFill>
+            </a:endParaRPr>
+          </a:p>
+          <a:p>
+            <a:r>
+              <a:rPr kumimoji="1" lang="zh-TW" altLang="en-US" sz="3200" dirty="0" smtClean="0"/>
+              <a:t>假設人物在圖片中央</a:t>
             </a:r>
             <a:endParaRPr kumimoji="1" lang="en-US" altLang="zh-TW" sz="3200" dirty="0" smtClean="0"/>
           </a:p>
@@ -11148,8 +11186,8 @@
           </a:fontRef>
         </p:style>
       </p:cxnSp>
-      <mc:AlternateContent xmlns:mc="http://schemas.openxmlformats.org/markup-compatibility/2006">
-        <mc:Choice xmlns:a14="http://schemas.microsoft.com/office/drawing/2010/main" Requires="a14">
+      <mc:AlternateContent xmlns:mc="http://schemas.openxmlformats.org/markup-compatibility/2006" xmlns:a14="http://schemas.microsoft.com/office/drawing/2010/main">
+        <mc:Choice Requires="a14">
           <p:sp>
             <p:nvSpPr>
               <p:cNvPr id="11" name="文字方塊 10"/>
@@ -11172,6 +11210,7 @@
               </a:bodyPr>
               <a:lstStyle/>
               <a:p>
+                <a:pPr/>
                 <a14:m>
                   <m:oMathPara xmlns:m="http://schemas.openxmlformats.org/officeDocument/2006/math">
                     <m:oMathParaPr>
@@ -11533,7 +11572,7 @@
             </p:txBody>
           </p:sp>
         </mc:Choice>
-        <mc:Fallback>
+        <mc:Fallback xmlns="">
           <p:sp>
             <p:nvSpPr>
               <p:cNvPr id="11" name="文字方塊 10"/>
@@ -11771,8 +11810,8 @@
           </a:prstGeom>
         </p:spPr>
       </p:pic>
-      <mc:AlternateContent xmlns:mc="http://schemas.openxmlformats.org/markup-compatibility/2006">
-        <mc:Choice xmlns:a14="http://schemas.microsoft.com/office/drawing/2010/main" Requires="a14">
+      <mc:AlternateContent xmlns:mc="http://schemas.openxmlformats.org/markup-compatibility/2006" xmlns:a14="http://schemas.microsoft.com/office/drawing/2010/main">
+        <mc:Choice Requires="a14">
           <p:sp>
             <p:nvSpPr>
               <p:cNvPr id="9" name="矩形 8"/>
@@ -11906,7 +11945,7 @@
             </p:txBody>
           </p:sp>
         </mc:Choice>
-        <mc:Fallback>
+        <mc:Fallback xmlns="">
           <p:sp>
             <p:nvSpPr>
               <p:cNvPr id="9" name="矩形 8"/>

--- a/DIP – Final Project.pptx
+++ b/DIP – Final Project.pptx
@@ -5,7 +5,7 @@
     <p:sldMasterId id="2147483660" r:id="rId1"/>
   </p:sldMasterIdLst>
   <p:notesMasterIdLst>
-    <p:notesMasterId r:id="rId11"/>
+    <p:notesMasterId r:id="rId15"/>
   </p:notesMasterIdLst>
   <p:sldIdLst>
     <p:sldId id="256" r:id="rId2"/>
@@ -13,10 +13,14 @@
     <p:sldId id="257" r:id="rId4"/>
     <p:sldId id="258" r:id="rId5"/>
     <p:sldId id="259" r:id="rId6"/>
-    <p:sldId id="261" r:id="rId7"/>
-    <p:sldId id="263" r:id="rId8"/>
-    <p:sldId id="264" r:id="rId9"/>
-    <p:sldId id="260" r:id="rId10"/>
+    <p:sldId id="265" r:id="rId7"/>
+    <p:sldId id="266" r:id="rId8"/>
+    <p:sldId id="267" r:id="rId9"/>
+    <p:sldId id="261" r:id="rId10"/>
+    <p:sldId id="263" r:id="rId11"/>
+    <p:sldId id="264" r:id="rId12"/>
+    <p:sldId id="260" r:id="rId13"/>
+    <p:sldId id="268" r:id="rId14"/>
   </p:sldIdLst>
   <p:sldSz cx="12192000" cy="6858000"/>
   <p:notesSz cx="6858000" cy="9144000"/>
@@ -8157,6 +8161,667 @@
 </p:sld>
 </file>
 
+<file path=ppt/slides/slide10.xml><?xml version="1.0" encoding="utf-8"?>
+<p:sld xmlns:a="http://schemas.openxmlformats.org/drawingml/2006/main" xmlns:r="http://schemas.openxmlformats.org/officeDocument/2006/relationships" xmlns:p="http://schemas.openxmlformats.org/presentationml/2006/main">
+  <p:cSld>
+    <p:spTree>
+      <p:nvGrpSpPr>
+        <p:cNvPr id="1" name=""/>
+        <p:cNvGrpSpPr/>
+        <p:nvPr/>
+      </p:nvGrpSpPr>
+      <p:grpSpPr>
+        <a:xfrm>
+          <a:off x="0" y="0"/>
+          <a:ext cx="0" cy="0"/>
+          <a:chOff x="0" y="0"/>
+          <a:chExt cx="0" cy="0"/>
+        </a:xfrm>
+      </p:grpSpPr>
+      <p:sp>
+        <p:nvSpPr>
+          <p:cNvPr id="2" name="標題 1"/>
+          <p:cNvSpPr>
+            <a:spLocks noGrp="1"/>
+          </p:cNvSpPr>
+          <p:nvPr>
+            <p:ph type="title"/>
+          </p:nvPr>
+        </p:nvSpPr>
+        <p:spPr>
+          <a:xfrm>
+            <a:off x="1955906" y="679778"/>
+            <a:ext cx="8911687" cy="1280890"/>
+          </a:xfrm>
+        </p:spPr>
+        <p:txBody>
+          <a:bodyPr>
+            <a:normAutofit/>
+          </a:bodyPr>
+          <a:lstStyle/>
+          <a:p>
+            <a:r>
+              <a:rPr lang="en-US" altLang="zh-TW" sz="4000" dirty="0"/>
+              <a:t>Tr</a:t>
+            </a:r>
+            <a:r>
+              <a:rPr lang="en-US" altLang="zh-TW" sz="4000" dirty="0"/>
+              <a:t>ansformation Function - 2</a:t>
+            </a:r>
+            <a:endParaRPr lang="zh-TW" altLang="en-US" sz="4000" dirty="0"/>
+          </a:p>
+        </p:txBody>
+      </p:sp>
+      <p:pic>
+        <p:nvPicPr>
+          <p:cNvPr id="5" name="圖片 4"/>
+          <p:cNvPicPr>
+            <a:picLocks noChangeAspect="1"/>
+          </p:cNvPicPr>
+          <p:nvPr/>
+        </p:nvPicPr>
+        <p:blipFill>
+          <a:blip r:embed="rId2">
+            <a:extLst>
+              <a:ext uri="{28A0092B-C50C-407E-A947-70E740481C1C}">
+                <a14:useLocalDpi xmlns:a14="http://schemas.microsoft.com/office/drawing/2010/main" val="0"/>
+              </a:ext>
+            </a:extLst>
+          </a:blip>
+          <a:stretch>
+            <a:fillRect/>
+          </a:stretch>
+        </p:blipFill>
+        <p:spPr>
+          <a:xfrm>
+            <a:off x="6553200" y="4406606"/>
+            <a:ext cx="5638800" cy="2349500"/>
+          </a:xfrm>
+          <a:prstGeom prst="rect">
+            <a:avLst/>
+          </a:prstGeom>
+        </p:spPr>
+      </p:pic>
+      <p:pic>
+        <p:nvPicPr>
+          <p:cNvPr id="7" name="內容版面配置區 3"/>
+          <p:cNvPicPr>
+            <a:picLocks noChangeAspect="1"/>
+          </p:cNvPicPr>
+          <p:nvPr/>
+        </p:nvPicPr>
+        <p:blipFill>
+          <a:blip r:embed="rId3">
+            <a:extLst>
+              <a:ext uri="{28A0092B-C50C-407E-A947-70E740481C1C}">
+                <a14:useLocalDpi xmlns:a14="http://schemas.microsoft.com/office/drawing/2010/main" val="0"/>
+              </a:ext>
+            </a:extLst>
+          </a:blip>
+          <a:stretch>
+            <a:fillRect/>
+          </a:stretch>
+        </p:blipFill>
+        <p:spPr>
+          <a:xfrm>
+            <a:off x="1620453" y="3463584"/>
+            <a:ext cx="4791297" cy="3292522"/>
+          </a:xfrm>
+          <a:prstGeom prst="rect">
+            <a:avLst/>
+          </a:prstGeom>
+        </p:spPr>
+      </p:pic>
+      <mc:AlternateContent xmlns:mc="http://schemas.openxmlformats.org/markup-compatibility/2006" xmlns:a14="http://schemas.microsoft.com/office/drawing/2010/main">
+        <mc:Choice Requires="a14">
+          <p:sp>
+            <p:nvSpPr>
+              <p:cNvPr id="9" name="矩形 8"/>
+              <p:cNvSpPr/>
+              <p:nvPr/>
+            </p:nvSpPr>
+            <p:spPr>
+              <a:xfrm>
+                <a:off x="1620453" y="2099516"/>
+                <a:ext cx="3960275" cy="584775"/>
+              </a:xfrm>
+              <a:prstGeom prst="rect">
+                <a:avLst/>
+              </a:prstGeom>
+            </p:spPr>
+            <p:txBody>
+              <a:bodyPr wrap="square">
+                <a:spAutoFit/>
+              </a:bodyPr>
+              <a:lstStyle/>
+              <a:p>
+                <a:pPr/>
+                <a14:m>
+                  <m:oMathPara xmlns:m="http://schemas.openxmlformats.org/officeDocument/2006/math">
+                    <m:oMathParaPr>
+                      <m:jc m:val="centerGroup"/>
+                    </m:oMathParaPr>
+                    <m:oMath xmlns:m="http://schemas.openxmlformats.org/officeDocument/2006/math">
+                      <m:d>
+                        <m:dPr>
+                          <m:ctrlPr>
+                            <a:rPr kumimoji="1" lang="en-US" altLang="zh-TW" sz="3200" i="1">
+                              <a:latin typeface="Cambria Math" panose="02040503050406030204" pitchFamily="18" charset="0"/>
+                            </a:rPr>
+                          </m:ctrlPr>
+                        </m:dPr>
+                        <m:e>
+                          <m:r>
+                            <a:rPr kumimoji="1" lang="en-US" altLang="zh-TW" sz="3200" i="1">
+                              <a:latin typeface="Cambria Math" charset="0"/>
+                            </a:rPr>
+                            <m:t>𝑎</m:t>
+                          </m:r>
+                          <m:r>
+                            <a:rPr kumimoji="1" lang="en-US" altLang="zh-TW" sz="3200" i="1">
+                              <a:latin typeface="Cambria Math" charset="0"/>
+                            </a:rPr>
+                            <m:t>, </m:t>
+                          </m:r>
+                          <m:r>
+                            <a:rPr kumimoji="1" lang="en-US" altLang="zh-TW" sz="3200" i="1">
+                              <a:latin typeface="Cambria Math" charset="0"/>
+                            </a:rPr>
+                            <m:t>𝑏</m:t>
+                          </m:r>
+                        </m:e>
+                      </m:d>
+                      <m:r>
+                        <a:rPr kumimoji="1" lang="en-US" altLang="zh-TW" sz="3200" i="1">
+                          <a:latin typeface="Cambria Math" charset="0"/>
+                        </a:rPr>
+                        <m:t>=(</m:t>
+                      </m:r>
+                      <m:sSub>
+                        <m:sSubPr>
+                          <m:ctrlPr>
+                            <a:rPr kumimoji="1" lang="en-US" altLang="zh-TW" sz="3200" i="1">
+                              <a:latin typeface="Cambria Math" panose="02040503050406030204" pitchFamily="18" charset="0"/>
+                            </a:rPr>
+                          </m:ctrlPr>
+                        </m:sSubPr>
+                        <m:e>
+                          <m:r>
+                            <a:rPr kumimoji="1" lang="en-US" altLang="zh-TW" sz="3200" i="1">
+                              <a:latin typeface="Cambria Math" charset="0"/>
+                            </a:rPr>
+                            <m:t>𝐹𝐿</m:t>
+                          </m:r>
+                        </m:e>
+                        <m:sub>
+                          <m:r>
+                            <a:rPr kumimoji="1" lang="en-US" altLang="zh-TW" sz="3200" i="1">
+                              <a:latin typeface="Cambria Math" charset="0"/>
+                            </a:rPr>
+                            <m:t>𝑚</m:t>
+                          </m:r>
+                        </m:sub>
+                      </m:sSub>
+                      <m:r>
+                        <a:rPr kumimoji="1" lang="en-US" altLang="zh-TW" sz="3200" i="1">
+                          <a:latin typeface="Cambria Math" charset="0"/>
+                        </a:rPr>
+                        <m:t>, </m:t>
+                      </m:r>
+                      <m:sSub>
+                        <m:sSubPr>
+                          <m:ctrlPr>
+                            <a:rPr kumimoji="1" lang="en-US" altLang="zh-TW" sz="3200" i="1">
+                              <a:latin typeface="Cambria Math" panose="02040503050406030204" pitchFamily="18" charset="0"/>
+                            </a:rPr>
+                          </m:ctrlPr>
+                        </m:sSubPr>
+                        <m:e>
+                          <m:r>
+                            <a:rPr kumimoji="1" lang="en-US" altLang="zh-TW" sz="3200" i="1">
+                              <a:latin typeface="Cambria Math" charset="0"/>
+                            </a:rPr>
+                            <m:t>𝐻</m:t>
+                          </m:r>
+                        </m:e>
+                        <m:sub>
+                          <m:r>
+                            <a:rPr kumimoji="1" lang="en-US" altLang="zh-TW" sz="3200" i="1">
+                              <a:latin typeface="Cambria Math" charset="0"/>
+                            </a:rPr>
+                            <m:t>𝑚</m:t>
+                          </m:r>
+                        </m:sub>
+                      </m:sSub>
+                      <m:r>
+                        <a:rPr kumimoji="1" lang="en-US" altLang="zh-TW" sz="3200" i="1">
+                          <a:latin typeface="Cambria Math" charset="0"/>
+                        </a:rPr>
+                        <m:t>)</m:t>
+                      </m:r>
+                    </m:oMath>
+                  </m:oMathPara>
+                </a14:m>
+                <a:endParaRPr kumimoji="1" lang="zh-TW" altLang="en-US" sz="3200" dirty="0"/>
+              </a:p>
+            </p:txBody>
+          </p:sp>
+        </mc:Choice>
+        <mc:Fallback xmlns="">
+          <p:sp>
+            <p:nvSpPr>
+              <p:cNvPr id="9" name="矩形 8"/>
+              <p:cNvSpPr>
+                <a:spLocks noRot="1" noChangeAspect="1" noMove="1" noResize="1" noEditPoints="1" noAdjustHandles="1" noChangeArrowheads="1" noChangeShapeType="1" noTextEdit="1"/>
+              </p:cNvSpPr>
+              <p:nvPr/>
+            </p:nvSpPr>
+            <p:spPr>
+              <a:xfrm>
+                <a:off x="1620453" y="2099516"/>
+                <a:ext cx="3960275" cy="584775"/>
+              </a:xfrm>
+              <a:prstGeom prst="rect">
+                <a:avLst/>
+              </a:prstGeom>
+              <a:blipFill rotWithShape="0">
+                <a:blip r:embed="rId4"/>
+                <a:stretch>
+                  <a:fillRect/>
+                </a:stretch>
+              </a:blipFill>
+            </p:spPr>
+            <p:txBody>
+              <a:bodyPr/>
+              <a:lstStyle/>
+              <a:p>
+                <a:r>
+                  <a:rPr lang="zh-TW" altLang="en-US">
+                    <a:noFill/>
+                  </a:rPr>
+                  <a:t> </a:t>
+                </a:r>
+              </a:p>
+            </p:txBody>
+          </p:sp>
+        </mc:Fallback>
+      </mc:AlternateContent>
+      <p:cxnSp>
+        <p:nvCxnSpPr>
+          <p:cNvPr id="10" name="直線箭頭接點 9"/>
+          <p:cNvCxnSpPr/>
+          <p:nvPr/>
+        </p:nvCxnSpPr>
+        <p:spPr>
+          <a:xfrm flipH="1">
+            <a:off x="3600590" y="4030428"/>
+            <a:ext cx="243069" cy="752355"/>
+          </a:xfrm>
+          <a:prstGeom prst="straightConnector1">
+            <a:avLst/>
+          </a:prstGeom>
+          <a:ln w="57150">
+            <a:tailEnd type="triangle"/>
+          </a:ln>
+        </p:spPr>
+        <p:style>
+          <a:lnRef idx="1">
+            <a:schemeClr val="accent1"/>
+          </a:lnRef>
+          <a:fillRef idx="0">
+            <a:schemeClr val="accent1"/>
+          </a:fillRef>
+          <a:effectRef idx="0">
+            <a:schemeClr val="accent1"/>
+          </a:effectRef>
+          <a:fontRef idx="minor">
+            <a:schemeClr val="tx1"/>
+          </a:fontRef>
+        </p:style>
+      </p:cxnSp>
+    </p:spTree>
+    <p:extLst>
+      <p:ext uri="{BB962C8B-B14F-4D97-AF65-F5344CB8AC3E}">
+        <p14:creationId xmlns:p14="http://schemas.microsoft.com/office/powerpoint/2010/main" val="1568649597"/>
+      </p:ext>
+    </p:extLst>
+  </p:cSld>
+  <p:clrMapOvr>
+    <a:masterClrMapping/>
+  </p:clrMapOvr>
+  <p:timing>
+    <p:tnLst>
+      <p:par>
+        <p:cTn id="1" dur="indefinite" restart="never" nodeType="tmRoot">
+          <p:childTnLst>
+            <p:seq concurrent="1" nextAc="seek">
+              <p:cTn id="2" dur="indefinite" nodeType="mainSeq">
+                <p:childTnLst>
+                  <p:par>
+                    <p:cTn id="3" fill="hold">
+                      <p:stCondLst>
+                        <p:cond delay="indefinite"/>
+                        <p:cond evt="onBegin" delay="0">
+                          <p:tn val="2"/>
+                        </p:cond>
+                      </p:stCondLst>
+                      <p:childTnLst>
+                        <p:par>
+                          <p:cTn id="4" fill="hold">
+                            <p:stCondLst>
+                              <p:cond delay="0"/>
+                            </p:stCondLst>
+                            <p:childTnLst>
+                              <p:par>
+                                <p:cTn id="5" presetID="6" presetClass="entr" presetSubtype="16" fill="hold" nodeType="withEffect">
+                                  <p:stCondLst>
+                                    <p:cond delay="0"/>
+                                  </p:stCondLst>
+                                  <p:childTnLst>
+                                    <p:set>
+                                      <p:cBhvr>
+                                        <p:cTn id="6" dur="1" fill="hold">
+                                          <p:stCondLst>
+                                            <p:cond delay="0"/>
+                                          </p:stCondLst>
+                                        </p:cTn>
+                                        <p:tgtEl>
+                                          <p:spTgt spid="7"/>
+                                        </p:tgtEl>
+                                        <p:attrNameLst>
+                                          <p:attrName>style.visibility</p:attrName>
+                                        </p:attrNameLst>
+                                      </p:cBhvr>
+                                      <p:to>
+                                        <p:strVal val="visible"/>
+                                      </p:to>
+                                    </p:set>
+                                    <p:animEffect transition="in" filter="circle(in)">
+                                      <p:cBhvr>
+                                        <p:cTn id="7" dur="2000"/>
+                                        <p:tgtEl>
+                                          <p:spTgt spid="7"/>
+                                        </p:tgtEl>
+                                      </p:cBhvr>
+                                    </p:animEffect>
+                                  </p:childTnLst>
+                                </p:cTn>
+                              </p:par>
+                            </p:childTnLst>
+                          </p:cTn>
+                        </p:par>
+                      </p:childTnLst>
+                    </p:cTn>
+                  </p:par>
+                </p:childTnLst>
+              </p:cTn>
+              <p:prevCondLst>
+                <p:cond evt="onPrev" delay="0">
+                  <p:tgtEl>
+                    <p:sldTgt/>
+                  </p:tgtEl>
+                </p:cond>
+              </p:prevCondLst>
+              <p:nextCondLst>
+                <p:cond evt="onNext" delay="0">
+                  <p:tgtEl>
+                    <p:sldTgt/>
+                  </p:tgtEl>
+                </p:cond>
+              </p:nextCondLst>
+            </p:seq>
+          </p:childTnLst>
+        </p:cTn>
+      </p:par>
+    </p:tnLst>
+  </p:timing>
+</p:sld>
+</file>
+
+<file path=ppt/slides/slide11.xml><?xml version="1.0" encoding="utf-8"?>
+<p:sld xmlns:a="http://schemas.openxmlformats.org/drawingml/2006/main" xmlns:r="http://schemas.openxmlformats.org/officeDocument/2006/relationships" xmlns:p="http://schemas.openxmlformats.org/presentationml/2006/main">
+  <p:cSld>
+    <p:spTree>
+      <p:nvGrpSpPr>
+        <p:cNvPr id="1" name=""/>
+        <p:cNvGrpSpPr/>
+        <p:nvPr/>
+      </p:nvGrpSpPr>
+      <p:grpSpPr>
+        <a:xfrm>
+          <a:off x="0" y="0"/>
+          <a:ext cx="0" cy="0"/>
+          <a:chOff x="0" y="0"/>
+          <a:chExt cx="0" cy="0"/>
+        </a:xfrm>
+      </p:grpSpPr>
+      <p:sp>
+        <p:nvSpPr>
+          <p:cNvPr id="2" name="標題 1"/>
+          <p:cNvSpPr>
+            <a:spLocks noGrp="1"/>
+          </p:cNvSpPr>
+          <p:nvPr>
+            <p:ph type="title"/>
+          </p:nvPr>
+        </p:nvSpPr>
+        <p:spPr/>
+        <p:txBody>
+          <a:bodyPr>
+            <a:normAutofit/>
+          </a:bodyPr>
+          <a:lstStyle/>
+          <a:p>
+            <a:r>
+              <a:rPr lang="en-US" altLang="zh-TW" sz="4000" dirty="0"/>
+              <a:t>Grouping</a:t>
+            </a:r>
+            <a:endParaRPr lang="zh-TW" altLang="en-US" sz="4000" dirty="0"/>
+          </a:p>
+        </p:txBody>
+      </p:sp>
+      <p:sp>
+        <p:nvSpPr>
+          <p:cNvPr id="3" name="內容版面配置區 2"/>
+          <p:cNvSpPr>
+            <a:spLocks noGrp="1"/>
+          </p:cNvSpPr>
+          <p:nvPr>
+            <p:ph idx="1"/>
+          </p:nvPr>
+        </p:nvSpPr>
+        <p:spPr/>
+        <p:txBody>
+          <a:bodyPr/>
+          <a:lstStyle/>
+          <a:p>
+            <a:endParaRPr kumimoji="1" lang="zh-TW" altLang="en-US" dirty="0"/>
+          </a:p>
+        </p:txBody>
+      </p:sp>
+    </p:spTree>
+    <p:extLst>
+      <p:ext uri="{BB962C8B-B14F-4D97-AF65-F5344CB8AC3E}">
+        <p14:creationId xmlns:p14="http://schemas.microsoft.com/office/powerpoint/2010/main" val="1393055561"/>
+      </p:ext>
+    </p:extLst>
+  </p:cSld>
+  <p:clrMapOvr>
+    <a:masterClrMapping/>
+  </p:clrMapOvr>
+</p:sld>
+</file>
+
+<file path=ppt/slides/slide12.xml><?xml version="1.0" encoding="utf-8"?>
+<p:sld xmlns:a="http://schemas.openxmlformats.org/drawingml/2006/main" xmlns:r="http://schemas.openxmlformats.org/officeDocument/2006/relationships" xmlns:p="http://schemas.openxmlformats.org/presentationml/2006/main">
+  <p:cSld>
+    <p:spTree>
+      <p:nvGrpSpPr>
+        <p:cNvPr id="1" name=""/>
+        <p:cNvGrpSpPr/>
+        <p:nvPr/>
+      </p:nvGrpSpPr>
+      <p:grpSpPr>
+        <a:xfrm>
+          <a:off x="0" y="0"/>
+          <a:ext cx="0" cy="0"/>
+          <a:chOff x="0" y="0"/>
+          <a:chExt cx="0" cy="0"/>
+        </a:xfrm>
+      </p:grpSpPr>
+      <p:sp>
+        <p:nvSpPr>
+          <p:cNvPr id="2" name="標題 1"/>
+          <p:cNvSpPr>
+            <a:spLocks noGrp="1"/>
+          </p:cNvSpPr>
+          <p:nvPr>
+            <p:ph type="title"/>
+          </p:nvPr>
+        </p:nvSpPr>
+        <p:spPr>
+          <a:xfrm>
+            <a:off x="1948032" y="479731"/>
+            <a:ext cx="8911687" cy="1280890"/>
+          </a:xfrm>
+        </p:spPr>
+        <p:txBody>
+          <a:bodyPr>
+            <a:normAutofit/>
+          </a:bodyPr>
+          <a:lstStyle/>
+          <a:p>
+            <a:pPr algn="ctr"/>
+            <a:r>
+              <a:rPr lang="en-US" altLang="zh-TW" sz="5000" dirty="0" smtClean="0"/>
+              <a:t>It’s DEMO time</a:t>
+            </a:r>
+            <a:r>
+              <a:rPr lang="zh-TW" altLang="en-US" sz="5000" dirty="0" smtClean="0"/>
+              <a:t>！！！</a:t>
+            </a:r>
+            <a:endParaRPr lang="zh-TW" altLang="en-US" sz="5000" dirty="0"/>
+          </a:p>
+        </p:txBody>
+      </p:sp>
+      <p:pic>
+        <p:nvPicPr>
+          <p:cNvPr id="4" name="圖片 3"/>
+          <p:cNvPicPr>
+            <a:picLocks noChangeAspect="1"/>
+          </p:cNvPicPr>
+          <p:nvPr/>
+        </p:nvPicPr>
+        <p:blipFill>
+          <a:blip r:embed="rId2">
+            <a:extLst>
+              <a:ext uri="{28A0092B-C50C-407E-A947-70E740481C1C}">
+                <a14:useLocalDpi xmlns:a14="http://schemas.microsoft.com/office/drawing/2010/main" val="0"/>
+              </a:ext>
+            </a:extLst>
+          </a:blip>
+          <a:stretch>
+            <a:fillRect/>
+          </a:stretch>
+        </p:blipFill>
+        <p:spPr>
+          <a:xfrm>
+            <a:off x="3459480" y="1475874"/>
+            <a:ext cx="4981876" cy="4981876"/>
+          </a:xfrm>
+          <a:prstGeom prst="rect">
+            <a:avLst/>
+          </a:prstGeom>
+        </p:spPr>
+      </p:pic>
+    </p:spTree>
+    <p:extLst>
+      <p:ext uri="{BB962C8B-B14F-4D97-AF65-F5344CB8AC3E}">
+        <p14:creationId xmlns:p14="http://schemas.microsoft.com/office/powerpoint/2010/main" val="1364361242"/>
+      </p:ext>
+    </p:extLst>
+  </p:cSld>
+  <p:clrMapOvr>
+    <a:masterClrMapping/>
+  </p:clrMapOvr>
+  <p:timing>
+    <p:tnLst>
+      <p:par>
+        <p:cTn id="1" dur="indefinite" restart="never" nodeType="tmRoot"/>
+      </p:par>
+    </p:tnLst>
+  </p:timing>
+</p:sld>
+</file>
+
+<file path=ppt/slides/slide13.xml><?xml version="1.0" encoding="utf-8"?>
+<p:sld xmlns:a="http://schemas.openxmlformats.org/drawingml/2006/main" xmlns:r="http://schemas.openxmlformats.org/officeDocument/2006/relationships" xmlns:p="http://schemas.openxmlformats.org/presentationml/2006/main">
+  <p:cSld>
+    <p:spTree>
+      <p:nvGrpSpPr>
+        <p:cNvPr id="1" name=""/>
+        <p:cNvGrpSpPr/>
+        <p:nvPr/>
+      </p:nvGrpSpPr>
+      <p:grpSpPr>
+        <a:xfrm>
+          <a:off x="0" y="0"/>
+          <a:ext cx="0" cy="0"/>
+          <a:chOff x="0" y="0"/>
+          <a:chExt cx="0" cy="0"/>
+        </a:xfrm>
+      </p:grpSpPr>
+      <p:sp>
+        <p:nvSpPr>
+          <p:cNvPr id="2" name="標題 1"/>
+          <p:cNvSpPr>
+            <a:spLocks noGrp="1"/>
+          </p:cNvSpPr>
+          <p:nvPr>
+            <p:ph type="title"/>
+          </p:nvPr>
+        </p:nvSpPr>
+        <p:spPr/>
+        <p:txBody>
+          <a:bodyPr/>
+          <a:lstStyle/>
+          <a:p>
+            <a:endParaRPr lang="zh-TW" altLang="en-US"/>
+          </a:p>
+        </p:txBody>
+      </p:sp>
+      <p:sp>
+        <p:nvSpPr>
+          <p:cNvPr id="3" name="內容版面配置區 2"/>
+          <p:cNvSpPr>
+            <a:spLocks noGrp="1"/>
+          </p:cNvSpPr>
+          <p:nvPr>
+            <p:ph idx="1"/>
+          </p:nvPr>
+        </p:nvSpPr>
+        <p:spPr/>
+        <p:txBody>
+          <a:bodyPr/>
+          <a:lstStyle/>
+          <a:p>
+            <a:endParaRPr lang="zh-TW" altLang="en-US"/>
+          </a:p>
+        </p:txBody>
+      </p:sp>
+    </p:spTree>
+    <p:extLst>
+      <p:ext uri="{BB962C8B-B14F-4D97-AF65-F5344CB8AC3E}">
+        <p14:creationId xmlns:p14="http://schemas.microsoft.com/office/powerpoint/2010/main" val="1230796642"/>
+      </p:ext>
+    </p:extLst>
+  </p:cSld>
+  <p:clrMapOvr>
+    <a:masterClrMapping/>
+  </p:clrMapOvr>
+</p:sld>
+</file>
+
 <file path=ppt/slides/slide2.xml><?xml version="1.0" encoding="utf-8"?>
 <p:sld xmlns:a="http://schemas.openxmlformats.org/drawingml/2006/main" xmlns:r="http://schemas.openxmlformats.org/officeDocument/2006/relationships" xmlns:p="http://schemas.openxmlformats.org/presentationml/2006/main">
   <p:cSld>
@@ -8224,11 +8889,7 @@
             </a:r>
             <a:r>
               <a:rPr kumimoji="1" lang="zh-TW" altLang="en-US" sz="3200" dirty="0" smtClean="0"/>
-              <a:t>為主角的背光</a:t>
-            </a:r>
-            <a:r>
-              <a:rPr kumimoji="1" lang="zh-TW" altLang="en-US" sz="3200" dirty="0" smtClean="0"/>
-              <a:t>補償</a:t>
+              <a:t>為主角的背光補償</a:t>
             </a:r>
             <a:endParaRPr kumimoji="1" lang="en-US" altLang="zh-TW" sz="3200" dirty="0" smtClean="0"/>
           </a:p>
@@ -10870,26 +11531,14 @@
             </a:r>
             <a:r>
               <a:rPr lang="zh-TW" altLang="en-US" sz="2000" dirty="0" smtClean="0"/>
-              <a:t>兩個方向，得出兩個</a:t>
-            </a:r>
-            <a:r>
-              <a:rPr lang="en-US" altLang="zh-TW" sz="2000" dirty="0" smtClean="0"/>
-              <a:t>backlight</a:t>
-            </a:r>
-            <a:r>
-              <a:rPr lang="zh-TW" altLang="en-US" sz="2000" dirty="0" smtClean="0"/>
-              <a:t> </a:t>
-            </a:r>
-            <a:r>
-              <a:rPr lang="en-US" altLang="zh-TW" sz="2000" dirty="0" smtClean="0"/>
-              <a:t>degree</a:t>
-            </a:r>
-            <a:r>
-              <a:rPr lang="zh-TW" altLang="en-US" sz="2000" dirty="0" smtClean="0"/>
-              <a:t>，最後利用</a:t>
-            </a:r>
-            <a:r>
-              <a:rPr lang="en-US" altLang="zh-TW" sz="2000" dirty="0" smtClean="0">
+              <a:t>兩個方向</a:t>
+            </a:r>
+            <a:r>
+              <a:rPr lang="zh-TW" altLang="en-US" sz="2000" dirty="0"/>
+              <a:t>，利用</a:t>
+            </a:r>
+            <a:r>
+              <a:rPr lang="en-US" altLang="zh-TW" sz="2000" dirty="0">
                 <a:solidFill>
                   <a:srgbClr val="FF0000"/>
                 </a:solidFill>
@@ -10898,7 +11547,35 @@
             </a:r>
             <a:r>
               <a:rPr lang="zh-TW" altLang="en-US" sz="2000" dirty="0" smtClean="0"/>
-              <a:t>，歸納出最後的</a:t>
+              <a:t>得出</a:t>
+            </a:r>
+            <a:r>
+              <a:rPr lang="zh-TW" altLang="en-US" sz="2000" dirty="0" smtClean="0"/>
+              <a:t>兩個</a:t>
+            </a:r>
+            <a:r>
+              <a:rPr lang="en-US" altLang="zh-TW" sz="2000" dirty="0" smtClean="0"/>
+              <a:t>backlight</a:t>
+            </a:r>
+            <a:r>
+              <a:rPr lang="zh-TW" altLang="en-US" sz="2000" dirty="0" smtClean="0"/>
+              <a:t> </a:t>
+            </a:r>
+            <a:r>
+              <a:rPr lang="en-US" altLang="zh-TW" sz="2000" dirty="0" smtClean="0"/>
+              <a:t>degree</a:t>
+            </a:r>
+            <a:r>
+              <a:rPr lang="zh-TW" altLang="en-US" sz="2000" dirty="0" smtClean="0"/>
+              <a:t>，</a:t>
+            </a:r>
+            <a:r>
+              <a:rPr lang="zh-TW" altLang="en-US" sz="2000" dirty="0" smtClean="0"/>
+              <a:t>最後歸納</a:t>
+            </a:r>
+            <a:r>
+              <a:rPr lang="zh-TW" altLang="en-US" sz="2000" dirty="0" smtClean="0"/>
+              <a:t>出最後的</a:t>
             </a:r>
             <a:r>
               <a:rPr lang="en-US" altLang="zh-TW" sz="2000" dirty="0" smtClean="0"/>
@@ -11100,27 +11777,1445 @@
       </p:grpSpPr>
       <p:sp>
         <p:nvSpPr>
-          <p:cNvPr id="2" name="標題 1"/>
-          <p:cNvSpPr>
-            <a:spLocks noGrp="1"/>
+          <p:cNvPr id="5" name="標題 1"/>
+          <p:cNvSpPr txBox="1">
+            <a:spLocks/>
           </p:cNvSpPr>
-          <p:nvPr>
-            <p:ph type="title"/>
-          </p:nvPr>
-        </p:nvSpPr>
-        <p:spPr/>
+          <p:nvPr/>
+        </p:nvSpPr>
+        <p:spPr>
+          <a:xfrm>
+            <a:off x="1943701" y="556122"/>
+            <a:ext cx="8911687" cy="724038"/>
+          </a:xfrm>
+          <a:prstGeom prst="rect">
+            <a:avLst/>
+          </a:prstGeom>
+        </p:spPr>
         <p:txBody>
-          <a:bodyPr/>
+          <a:bodyPr vert="horz" lIns="91440" tIns="45720" rIns="91440" bIns="45720" rtlCol="0" anchor="t">
+            <a:normAutofit/>
+          </a:bodyPr>
+          <a:lstStyle>
+            <a:lvl1pPr algn="l" defTabSz="457200" rtl="0" eaLnBrk="1" latinLnBrk="0" hangingPunct="1">
+              <a:spcBef>
+                <a:spcPct val="0"/>
+              </a:spcBef>
+              <a:buNone/>
+              <a:defRPr sz="3600" kern="1200">
+                <a:solidFill>
+                  <a:schemeClr val="tx1">
+                    <a:lumMod val="85000"/>
+                    <a:lumOff val="15000"/>
+                  </a:schemeClr>
+                </a:solidFill>
+                <a:latin typeface="+mj-lt"/>
+                <a:ea typeface="+mj-ea"/>
+                <a:cs typeface="+mj-cs"/>
+              </a:defRPr>
+            </a:lvl1pPr>
+            <a:lvl2pPr eaLnBrk="1" hangingPunct="1">
+              <a:defRPr>
+                <a:solidFill>
+                  <a:schemeClr val="tx2"/>
+                </a:solidFill>
+              </a:defRPr>
+            </a:lvl2pPr>
+            <a:lvl3pPr eaLnBrk="1" hangingPunct="1">
+              <a:defRPr>
+                <a:solidFill>
+                  <a:schemeClr val="tx2"/>
+                </a:solidFill>
+              </a:defRPr>
+            </a:lvl3pPr>
+            <a:lvl4pPr eaLnBrk="1" hangingPunct="1">
+              <a:defRPr>
+                <a:solidFill>
+                  <a:schemeClr val="tx2"/>
+                </a:solidFill>
+              </a:defRPr>
+            </a:lvl4pPr>
+            <a:lvl5pPr eaLnBrk="1" hangingPunct="1">
+              <a:defRPr>
+                <a:solidFill>
+                  <a:schemeClr val="tx2"/>
+                </a:solidFill>
+              </a:defRPr>
+            </a:lvl5pPr>
+            <a:lvl6pPr eaLnBrk="1" hangingPunct="1">
+              <a:defRPr>
+                <a:solidFill>
+                  <a:schemeClr val="tx2"/>
+                </a:solidFill>
+              </a:defRPr>
+            </a:lvl6pPr>
+            <a:lvl7pPr eaLnBrk="1" hangingPunct="1">
+              <a:defRPr>
+                <a:solidFill>
+                  <a:schemeClr val="tx2"/>
+                </a:solidFill>
+              </a:defRPr>
+            </a:lvl7pPr>
+            <a:lvl8pPr eaLnBrk="1" hangingPunct="1">
+              <a:defRPr>
+                <a:solidFill>
+                  <a:schemeClr val="tx2"/>
+                </a:solidFill>
+              </a:defRPr>
+            </a:lvl8pPr>
+            <a:lvl9pPr eaLnBrk="1" hangingPunct="1">
+              <a:defRPr>
+                <a:solidFill>
+                  <a:schemeClr val="tx2"/>
+                </a:solidFill>
+              </a:defRPr>
+            </a:lvl9pPr>
+          </a:lstStyle>
+          <a:p>
+            <a:r>
+              <a:rPr lang="en-US" altLang="zh-TW" sz="4000" dirty="0"/>
+              <a:t>Detection </a:t>
+            </a:r>
+            <a:r>
+              <a:rPr lang="en-US" altLang="zh-TW" sz="4000" dirty="0" smtClean="0"/>
+              <a:t>Phase</a:t>
+            </a:r>
+            <a:r>
+              <a:rPr lang="zh-TW" altLang="en-US" sz="4000" dirty="0" smtClean="0"/>
+              <a:t> </a:t>
+            </a:r>
+            <a:r>
+              <a:rPr lang="en-US" altLang="zh-TW" sz="4000" dirty="0" smtClean="0"/>
+              <a:t>-- </a:t>
+            </a:r>
+            <a:r>
+              <a:rPr lang="en-US" altLang="zh-TW" sz="4000" dirty="0" err="1" smtClean="0"/>
+              <a:t>Bimage</a:t>
+            </a:r>
+            <a:endParaRPr lang="zh-TW" altLang="en-US" sz="4000" dirty="0"/>
+          </a:p>
+        </p:txBody>
+      </p:sp>
+      <p:pic>
+        <p:nvPicPr>
+          <p:cNvPr id="6" name="圖片 5"/>
+          <p:cNvPicPr>
+            <a:picLocks noChangeAspect="1"/>
+          </p:cNvPicPr>
+          <p:nvPr/>
+        </p:nvPicPr>
+        <p:blipFill>
+          <a:blip r:embed="rId2">
+            <a:clrChange>
+              <a:clrFrom>
+                <a:srgbClr val="FFFFFF"/>
+              </a:clrFrom>
+              <a:clrTo>
+                <a:srgbClr val="FFFFFF">
+                  <a:alpha val="0"/>
+                </a:srgbClr>
+              </a:clrTo>
+            </a:clrChange>
+            <a:extLst>
+              <a:ext uri="{28A0092B-C50C-407E-A947-70E740481C1C}">
+                <a14:useLocalDpi xmlns:a14="http://schemas.microsoft.com/office/drawing/2010/main" val="0"/>
+              </a:ext>
+            </a:extLst>
+          </a:blip>
+          <a:stretch>
+            <a:fillRect/>
+          </a:stretch>
+        </p:blipFill>
+        <p:spPr>
+          <a:xfrm>
+            <a:off x="6654426" y="2886583"/>
+            <a:ext cx="4402419" cy="3477273"/>
+          </a:xfrm>
+          <a:prstGeom prst="rect">
+            <a:avLst/>
+          </a:prstGeom>
+        </p:spPr>
+      </p:pic>
+      <p:sp>
+        <p:nvSpPr>
+          <p:cNvPr id="8" name="文字方塊 7"/>
+          <p:cNvSpPr txBox="1"/>
+          <p:nvPr/>
+        </p:nvSpPr>
+        <p:spPr>
+          <a:xfrm>
+            <a:off x="1697124" y="1379017"/>
+            <a:ext cx="9158264" cy="707886"/>
+          </a:xfrm>
+          <a:prstGeom prst="rect">
+            <a:avLst/>
+          </a:prstGeom>
+          <a:noFill/>
+        </p:spPr>
+        <p:txBody>
+          <a:bodyPr wrap="square" rtlCol="0">
+            <a:spAutoFit/>
+          </a:bodyPr>
           <a:lstStyle/>
           <a:p>
-            <a:r>
-              <a:rPr lang="en-US" altLang="zh-TW" dirty="0" smtClean="0"/>
-              <a:t>Transformation Function - 1</a:t>
-            </a:r>
-            <a:endParaRPr lang="zh-TW" altLang="en-US" dirty="0"/>
+            <a:pPr marL="342900" indent="-342900">
+              <a:buFont typeface="Wingdings" panose="05000000000000000000" pitchFamily="2" charset="2"/>
+              <a:buChar char="Ø"/>
+            </a:pPr>
+            <a:r>
+              <a:rPr lang="en-US" altLang="zh-TW" sz="2000" dirty="0" err="1"/>
+              <a:t>MRi</a:t>
+            </a:r>
+            <a:r>
+              <a:rPr lang="en-US" altLang="zh-TW" sz="2000" dirty="0"/>
+              <a:t> is the average value of gray level of each </a:t>
+            </a:r>
+            <a:r>
+              <a:rPr lang="en-US" altLang="zh-TW" sz="2000" dirty="0" smtClean="0"/>
+              <a:t>area</a:t>
+            </a:r>
+          </a:p>
+          <a:p>
+            <a:pPr marL="342900" indent="-342900">
+              <a:buFont typeface="Wingdings" panose="05000000000000000000" pitchFamily="2" charset="2"/>
+              <a:buChar char="Ø"/>
+            </a:pPr>
+            <a:endParaRPr lang="zh-TW" altLang="en-US" sz="2000" dirty="0"/>
           </a:p>
         </p:txBody>
       </p:sp>
+      <p:pic>
+        <p:nvPicPr>
+          <p:cNvPr id="10" name="圖片 9"/>
+          <p:cNvPicPr>
+            <a:picLocks noChangeAspect="1"/>
+          </p:cNvPicPr>
+          <p:nvPr/>
+        </p:nvPicPr>
+        <p:blipFill>
+          <a:blip r:embed="rId3">
+            <a:clrChange>
+              <a:clrFrom>
+                <a:srgbClr val="FFFFFF"/>
+              </a:clrFrom>
+              <a:clrTo>
+                <a:srgbClr val="FFFFFF">
+                  <a:alpha val="0"/>
+                </a:srgbClr>
+              </a:clrTo>
+            </a:clrChange>
+            <a:extLst>
+              <a:ext uri="{28A0092B-C50C-407E-A947-70E740481C1C}">
+                <a14:useLocalDpi xmlns:a14="http://schemas.microsoft.com/office/drawing/2010/main" val="0"/>
+              </a:ext>
+            </a:extLst>
+          </a:blip>
+          <a:stretch>
+            <a:fillRect/>
+          </a:stretch>
+        </p:blipFill>
+        <p:spPr>
+          <a:xfrm>
+            <a:off x="1413660" y="3124326"/>
+            <a:ext cx="4693368" cy="3477273"/>
+          </a:xfrm>
+          <a:prstGeom prst="rect">
+            <a:avLst/>
+          </a:prstGeom>
+        </p:spPr>
+      </p:pic>
+      <mc:AlternateContent xmlns:mc="http://schemas.openxmlformats.org/markup-compatibility/2006">
+        <mc:Choice xmlns:a14="http://schemas.microsoft.com/office/drawing/2010/main" Requires="a14">
+          <p:sp>
+            <p:nvSpPr>
+              <p:cNvPr id="12" name="文字方塊 11"/>
+              <p:cNvSpPr txBox="1"/>
+              <p:nvPr/>
+            </p:nvSpPr>
+            <p:spPr>
+              <a:xfrm>
+                <a:off x="721894" y="1957161"/>
+                <a:ext cx="11470106" cy="929422"/>
+              </a:xfrm>
+              <a:prstGeom prst="rect">
+                <a:avLst/>
+              </a:prstGeom>
+              <a:noFill/>
+            </p:spPr>
+            <p:txBody>
+              <a:bodyPr wrap="square" rtlCol="0">
+                <a:spAutoFit/>
+              </a:bodyPr>
+              <a:lstStyle/>
+              <a:p>
+                <a14:m>
+                  <m:oMathPara xmlns:m="http://schemas.openxmlformats.org/officeDocument/2006/math">
+                    <m:oMathParaPr>
+                      <m:jc m:val="centerGroup"/>
+                    </m:oMathParaPr>
+                    <m:oMath xmlns:m="http://schemas.openxmlformats.org/officeDocument/2006/math">
+                      <m:sSub>
+                        <m:sSubPr>
+                          <m:ctrlPr>
+                            <a:rPr kumimoji="1" lang="en-US" altLang="zh-TW" sz="2800" i="1" smtClean="0">
+                              <a:latin typeface="Cambria Math" panose="02040503050406030204" pitchFamily="18" charset="0"/>
+                            </a:rPr>
+                          </m:ctrlPr>
+                        </m:sSubPr>
+                        <m:e>
+                          <m:r>
+                            <a:rPr kumimoji="1" lang="en-US" altLang="zh-TW" sz="2800" b="0" i="1" smtClean="0">
+                              <a:latin typeface="Cambria Math" panose="02040503050406030204" pitchFamily="18" charset="0"/>
+                            </a:rPr>
+                            <m:t>𝐵</m:t>
+                          </m:r>
+                        </m:e>
+                        <m:sub>
+                          <m:r>
+                            <a:rPr kumimoji="1" lang="en-US" altLang="zh-TW" sz="2800" b="0" i="1" smtClean="0">
+                              <a:latin typeface="Cambria Math" panose="02040503050406030204" pitchFamily="18" charset="0"/>
+                            </a:rPr>
+                            <m:t>𝑖𝑚𝑎𝑔𝑒</m:t>
+                          </m:r>
+                        </m:sub>
+                      </m:sSub>
+                      <m:r>
+                        <a:rPr kumimoji="1" lang="en-US" altLang="zh-TW" sz="2800" b="0" i="1" smtClean="0">
+                          <a:latin typeface="Cambria Math" panose="02040503050406030204" pitchFamily="18" charset="0"/>
+                        </a:rPr>
+                        <m:t>=</m:t>
+                      </m:r>
+                      <m:r>
+                        <a:rPr kumimoji="1" lang="en-US" altLang="zh-TW" sz="2800" b="0" i="1" smtClean="0">
+                          <a:latin typeface="Cambria Math" panose="02040503050406030204" pitchFamily="18" charset="0"/>
+                        </a:rPr>
+                        <m:t>𝑇</m:t>
+                      </m:r>
+                      <m:r>
+                        <a:rPr kumimoji="1" lang="en-US" altLang="zh-TW" sz="2800" b="0" i="1" smtClean="0">
+                          <a:latin typeface="Cambria Math" panose="02040503050406030204" pitchFamily="18" charset="0"/>
+                        </a:rPr>
+                        <m:t>(</m:t>
+                      </m:r>
+                      <m:f>
+                        <m:fPr>
+                          <m:ctrlPr>
+                            <a:rPr kumimoji="1" lang="en-US" altLang="zh-TW" sz="2800" b="0" i="1" smtClean="0">
+                              <a:latin typeface="Cambria Math" panose="02040503050406030204" pitchFamily="18" charset="0"/>
+                            </a:rPr>
+                          </m:ctrlPr>
+                        </m:fPr>
+                        <m:num>
+                          <m:d>
+                            <m:dPr>
+                              <m:begChr m:val="["/>
+                              <m:endChr m:val="]"/>
+                              <m:ctrlPr>
+                                <a:rPr kumimoji="1" lang="en-US" altLang="zh-TW" sz="2800" b="0" i="1" smtClean="0">
+                                  <a:latin typeface="Cambria Math" panose="02040503050406030204" pitchFamily="18" charset="0"/>
+                                </a:rPr>
+                              </m:ctrlPr>
+                            </m:dPr>
+                            <m:e>
+                              <m:sSub>
+                                <m:sSubPr>
+                                  <m:ctrlPr>
+                                    <a:rPr kumimoji="1" lang="en-US" altLang="zh-TW" sz="2800" b="0" i="1" smtClean="0">
+                                      <a:latin typeface="Cambria Math" panose="02040503050406030204" pitchFamily="18" charset="0"/>
+                                    </a:rPr>
+                                  </m:ctrlPr>
+                                </m:sSubPr>
+                                <m:e>
+                                  <m:r>
+                                    <a:rPr kumimoji="1" lang="en-US" altLang="zh-TW" sz="2800" b="0" i="1" smtClean="0">
+                                      <a:latin typeface="Cambria Math" panose="02040503050406030204" pitchFamily="18" charset="0"/>
+                                    </a:rPr>
+                                    <m:t>𝑀𝑅</m:t>
+                                  </m:r>
+                                </m:e>
+                                <m:sub>
+                                  <m:r>
+                                    <a:rPr kumimoji="1" lang="en-US" altLang="zh-TW" sz="2800" b="0" i="1" smtClean="0">
+                                      <a:latin typeface="Cambria Math" panose="02040503050406030204" pitchFamily="18" charset="0"/>
+                                    </a:rPr>
+                                    <m:t>1</m:t>
+                                  </m:r>
+                                </m:sub>
+                              </m:sSub>
+                              <m:r>
+                                <a:rPr kumimoji="1" lang="en-US" altLang="zh-TW" sz="2800" b="0" i="1" smtClean="0">
+                                  <a:latin typeface="Cambria Math" panose="02040503050406030204" pitchFamily="18" charset="0"/>
+                                </a:rPr>
+                                <m:t>+</m:t>
+                              </m:r>
+                              <m:func>
+                                <m:funcPr>
+                                  <m:ctrlPr>
+                                    <a:rPr kumimoji="1" lang="en-US" altLang="zh-TW" sz="2800" b="0" i="1" smtClean="0">
+                                      <a:latin typeface="Cambria Math" panose="02040503050406030204" pitchFamily="18" charset="0"/>
+                                    </a:rPr>
+                                  </m:ctrlPr>
+                                </m:funcPr>
+                                <m:fName>
+                                  <m:r>
+                                    <m:rPr>
+                                      <m:sty m:val="p"/>
+                                    </m:rPr>
+                                    <a:rPr kumimoji="1" lang="en-US" altLang="zh-TW" sz="2800" b="0" i="0" smtClean="0">
+                                      <a:latin typeface="Cambria Math" panose="02040503050406030204" pitchFamily="18" charset="0"/>
+                                    </a:rPr>
+                                    <m:t>max</m:t>
+                                  </m:r>
+                                </m:fName>
+                                <m:e>
+                                  <m:d>
+                                    <m:dPr>
+                                      <m:ctrlPr>
+                                        <a:rPr kumimoji="1" lang="en-US" altLang="zh-TW" sz="2800" b="0" i="1" smtClean="0">
+                                          <a:latin typeface="Cambria Math" panose="02040503050406030204" pitchFamily="18" charset="0"/>
+                                        </a:rPr>
+                                      </m:ctrlPr>
+                                    </m:dPr>
+                                    <m:e>
+                                      <m:sSub>
+                                        <m:sSubPr>
+                                          <m:ctrlPr>
+                                            <a:rPr kumimoji="1" lang="en-US" altLang="zh-TW" sz="2800" i="1">
+                                              <a:latin typeface="Cambria Math" panose="02040503050406030204" pitchFamily="18" charset="0"/>
+                                            </a:rPr>
+                                          </m:ctrlPr>
+                                        </m:sSubPr>
+                                        <m:e>
+                                          <m:r>
+                                            <a:rPr kumimoji="1" lang="en-US" altLang="zh-TW" sz="2800" i="1">
+                                              <a:latin typeface="Cambria Math" panose="02040503050406030204" pitchFamily="18" charset="0"/>
+                                            </a:rPr>
+                                            <m:t>𝑀𝑅</m:t>
+                                          </m:r>
+                                        </m:e>
+                                        <m:sub>
+                                          <m:r>
+                                            <a:rPr kumimoji="1" lang="en-US" altLang="zh-TW" sz="2800" b="0" i="1" smtClean="0">
+                                              <a:latin typeface="Cambria Math" panose="02040503050406030204" pitchFamily="18" charset="0"/>
+                                            </a:rPr>
+                                            <m:t>2</m:t>
+                                          </m:r>
+                                        </m:sub>
+                                      </m:sSub>
+                                      <m:r>
+                                        <a:rPr kumimoji="1" lang="en-US" altLang="zh-TW" sz="2800" b="0" i="1" smtClean="0">
+                                          <a:latin typeface="Cambria Math" panose="02040503050406030204" pitchFamily="18" charset="0"/>
+                                        </a:rPr>
+                                        <m:t>,</m:t>
+                                      </m:r>
+                                      <m:sSub>
+                                        <m:sSubPr>
+                                          <m:ctrlPr>
+                                            <a:rPr kumimoji="1" lang="en-US" altLang="zh-TW" sz="2800" i="1">
+                                              <a:latin typeface="Cambria Math" panose="02040503050406030204" pitchFamily="18" charset="0"/>
+                                            </a:rPr>
+                                          </m:ctrlPr>
+                                        </m:sSubPr>
+                                        <m:e>
+                                          <m:r>
+                                            <a:rPr kumimoji="1" lang="en-US" altLang="zh-TW" sz="2800" i="1">
+                                              <a:latin typeface="Cambria Math" panose="02040503050406030204" pitchFamily="18" charset="0"/>
+                                            </a:rPr>
+                                            <m:t>𝑀𝑅</m:t>
+                                          </m:r>
+                                        </m:e>
+                                        <m:sub>
+                                          <m:r>
+                                            <a:rPr kumimoji="1" lang="en-US" altLang="zh-TW" sz="2800" b="0" i="1" smtClean="0">
+                                              <a:latin typeface="Cambria Math" panose="02040503050406030204" pitchFamily="18" charset="0"/>
+                                            </a:rPr>
+                                            <m:t>4</m:t>
+                                          </m:r>
+                                        </m:sub>
+                                      </m:sSub>
+                                    </m:e>
+                                  </m:d>
+                                </m:e>
+                              </m:func>
+                            </m:e>
+                          </m:d>
+                        </m:num>
+                        <m:den>
+                          <m:r>
+                            <a:rPr kumimoji="1" lang="en-US" altLang="zh-TW" sz="2800" b="0" i="1" smtClean="0">
+                              <a:latin typeface="Cambria Math" panose="02040503050406030204" pitchFamily="18" charset="0"/>
+                            </a:rPr>
+                            <m:t>2</m:t>
+                          </m:r>
+                        </m:den>
+                      </m:f>
+                      <m:r>
+                        <a:rPr kumimoji="1" lang="en-US" altLang="zh-TW" sz="2800" b="0" i="1" smtClean="0">
+                          <a:latin typeface="Cambria Math" panose="02040503050406030204" pitchFamily="18" charset="0"/>
+                        </a:rPr>
+                        <m:t>−</m:t>
+                      </m:r>
+                      <m:f>
+                        <m:fPr>
+                          <m:ctrlPr>
+                            <a:rPr kumimoji="1" lang="en-US" altLang="zh-TW" sz="2800" b="0" i="1" smtClean="0">
+                              <a:latin typeface="Cambria Math" panose="02040503050406030204" pitchFamily="18" charset="0"/>
+                            </a:rPr>
+                          </m:ctrlPr>
+                        </m:fPr>
+                        <m:num>
+                          <m:d>
+                            <m:dPr>
+                              <m:begChr m:val="["/>
+                              <m:endChr m:val="]"/>
+                              <m:ctrlPr>
+                                <a:rPr kumimoji="1" lang="en-US" altLang="zh-TW" sz="2800" b="0" i="1" smtClean="0">
+                                  <a:latin typeface="Cambria Math" panose="02040503050406030204" pitchFamily="18" charset="0"/>
+                                </a:rPr>
+                              </m:ctrlPr>
+                            </m:dPr>
+                            <m:e>
+                              <m:sSub>
+                                <m:sSubPr>
+                                  <m:ctrlPr>
+                                    <a:rPr kumimoji="1" lang="en-US" altLang="zh-TW" sz="2800" i="1">
+                                      <a:latin typeface="Cambria Math" panose="02040503050406030204" pitchFamily="18" charset="0"/>
+                                    </a:rPr>
+                                  </m:ctrlPr>
+                                </m:sSubPr>
+                                <m:e>
+                                  <m:r>
+                                    <a:rPr kumimoji="1" lang="en-US" altLang="zh-TW" sz="2800" i="1">
+                                      <a:latin typeface="Cambria Math" panose="02040503050406030204" pitchFamily="18" charset="0"/>
+                                    </a:rPr>
+                                    <m:t>𝑀𝑅</m:t>
+                                  </m:r>
+                                </m:e>
+                                <m:sub>
+                                  <m:r>
+                                    <a:rPr kumimoji="1" lang="en-US" altLang="zh-TW" sz="2800" b="0" i="1" smtClean="0">
+                                      <a:latin typeface="Cambria Math" panose="02040503050406030204" pitchFamily="18" charset="0"/>
+                                    </a:rPr>
+                                    <m:t>3</m:t>
+                                  </m:r>
+                                </m:sub>
+                              </m:sSub>
+                              <m:r>
+                                <a:rPr kumimoji="1" lang="en-US" altLang="zh-TW" sz="2800" b="0" i="1" smtClean="0">
+                                  <a:latin typeface="Cambria Math" panose="02040503050406030204" pitchFamily="18" charset="0"/>
+                                </a:rPr>
+                                <m:t>+</m:t>
+                              </m:r>
+                              <m:sSub>
+                                <m:sSubPr>
+                                  <m:ctrlPr>
+                                    <a:rPr kumimoji="1" lang="en-US" altLang="zh-TW" sz="2800" i="1">
+                                      <a:latin typeface="Cambria Math" panose="02040503050406030204" pitchFamily="18" charset="0"/>
+                                    </a:rPr>
+                                  </m:ctrlPr>
+                                </m:sSubPr>
+                                <m:e>
+                                  <m:r>
+                                    <a:rPr kumimoji="1" lang="en-US" altLang="zh-TW" sz="2800" i="1">
+                                      <a:latin typeface="Cambria Math" panose="02040503050406030204" pitchFamily="18" charset="0"/>
+                                    </a:rPr>
+                                    <m:t>𝑀𝑅</m:t>
+                                  </m:r>
+                                </m:e>
+                                <m:sub>
+                                  <m:r>
+                                    <a:rPr kumimoji="1" lang="en-US" altLang="zh-TW" sz="2800" b="0" i="1" smtClean="0">
+                                      <a:latin typeface="Cambria Math" panose="02040503050406030204" pitchFamily="18" charset="0"/>
+                                    </a:rPr>
+                                    <m:t>5</m:t>
+                                  </m:r>
+                                </m:sub>
+                              </m:sSub>
+                              <m:r>
+                                <a:rPr kumimoji="1" lang="en-US" altLang="zh-TW" sz="2800" b="0" i="1" smtClean="0">
+                                  <a:latin typeface="Cambria Math" panose="02040503050406030204" pitchFamily="18" charset="0"/>
+                                </a:rPr>
+                                <m:t>+</m:t>
+                              </m:r>
+                              <m:func>
+                                <m:funcPr>
+                                  <m:ctrlPr>
+                                    <a:rPr kumimoji="1" lang="en-US" altLang="zh-TW" sz="2800" b="0" i="1" smtClean="0">
+                                      <a:latin typeface="Cambria Math" panose="02040503050406030204" pitchFamily="18" charset="0"/>
+                                    </a:rPr>
+                                  </m:ctrlPr>
+                                </m:funcPr>
+                                <m:fName>
+                                  <m:r>
+                                    <m:rPr>
+                                      <m:sty m:val="p"/>
+                                    </m:rPr>
+                                    <a:rPr kumimoji="1" lang="en-US" altLang="zh-TW" sz="2800" b="0" i="0" smtClean="0">
+                                      <a:latin typeface="Cambria Math" panose="02040503050406030204" pitchFamily="18" charset="0"/>
+                                    </a:rPr>
+                                    <m:t>min</m:t>
+                                  </m:r>
+                                </m:fName>
+                                <m:e>
+                                  <m:d>
+                                    <m:dPr>
+                                      <m:ctrlPr>
+                                        <a:rPr kumimoji="1" lang="en-US" altLang="zh-TW" sz="2800" b="0" i="1" smtClean="0">
+                                          <a:latin typeface="Cambria Math" panose="02040503050406030204" pitchFamily="18" charset="0"/>
+                                        </a:rPr>
+                                      </m:ctrlPr>
+                                    </m:dPr>
+                                    <m:e>
+                                      <m:sSub>
+                                        <m:sSubPr>
+                                          <m:ctrlPr>
+                                            <a:rPr kumimoji="1" lang="en-US" altLang="zh-TW" sz="2800" i="1">
+                                              <a:latin typeface="Cambria Math" panose="02040503050406030204" pitchFamily="18" charset="0"/>
+                                            </a:rPr>
+                                          </m:ctrlPr>
+                                        </m:sSubPr>
+                                        <m:e>
+                                          <m:r>
+                                            <a:rPr kumimoji="1" lang="en-US" altLang="zh-TW" sz="2800" i="1">
+                                              <a:latin typeface="Cambria Math" panose="02040503050406030204" pitchFamily="18" charset="0"/>
+                                            </a:rPr>
+                                            <m:t>𝑀𝑅</m:t>
+                                          </m:r>
+                                        </m:e>
+                                        <m:sub>
+                                          <m:r>
+                                            <a:rPr kumimoji="1" lang="en-US" altLang="zh-TW" sz="2800" b="0" i="1" smtClean="0">
+                                              <a:latin typeface="Cambria Math" panose="02040503050406030204" pitchFamily="18" charset="0"/>
+                                            </a:rPr>
+                                            <m:t>2</m:t>
+                                          </m:r>
+                                        </m:sub>
+                                      </m:sSub>
+                                      <m:r>
+                                        <a:rPr kumimoji="1" lang="en-US" altLang="zh-TW" sz="2800" b="0" i="1" smtClean="0">
+                                          <a:latin typeface="Cambria Math" panose="02040503050406030204" pitchFamily="18" charset="0"/>
+                                        </a:rPr>
+                                        <m:t>,</m:t>
+                                      </m:r>
+                                      <m:sSub>
+                                        <m:sSubPr>
+                                          <m:ctrlPr>
+                                            <a:rPr kumimoji="1" lang="en-US" altLang="zh-TW" sz="2800" i="1">
+                                              <a:latin typeface="Cambria Math" panose="02040503050406030204" pitchFamily="18" charset="0"/>
+                                            </a:rPr>
+                                          </m:ctrlPr>
+                                        </m:sSubPr>
+                                        <m:e>
+                                          <m:r>
+                                            <a:rPr kumimoji="1" lang="en-US" altLang="zh-TW" sz="2800" i="1">
+                                              <a:latin typeface="Cambria Math" panose="02040503050406030204" pitchFamily="18" charset="0"/>
+                                            </a:rPr>
+                                            <m:t>𝑀𝑅</m:t>
+                                          </m:r>
+                                        </m:e>
+                                        <m:sub>
+                                          <m:r>
+                                            <a:rPr kumimoji="1" lang="en-US" altLang="zh-TW" sz="2800" b="0" i="1" smtClean="0">
+                                              <a:latin typeface="Cambria Math" panose="02040503050406030204" pitchFamily="18" charset="0"/>
+                                            </a:rPr>
+                                            <m:t>4</m:t>
+                                          </m:r>
+                                        </m:sub>
+                                      </m:sSub>
+                                    </m:e>
+                                  </m:d>
+                                </m:e>
+                              </m:func>
+                            </m:e>
+                          </m:d>
+                        </m:num>
+                        <m:den>
+                          <m:r>
+                            <a:rPr kumimoji="1" lang="en-US" altLang="zh-TW" sz="2800" b="0" i="1" smtClean="0">
+                              <a:latin typeface="Cambria Math" panose="02040503050406030204" pitchFamily="18" charset="0"/>
+                            </a:rPr>
+                            <m:t>3</m:t>
+                          </m:r>
+                        </m:den>
+                      </m:f>
+                      <m:r>
+                        <a:rPr kumimoji="1" lang="en-US" altLang="zh-TW" sz="2800" b="0" i="1" smtClean="0">
+                          <a:latin typeface="Cambria Math" panose="02040503050406030204" pitchFamily="18" charset="0"/>
+                        </a:rPr>
+                        <m:t>)</m:t>
+                      </m:r>
+                    </m:oMath>
+                  </m:oMathPara>
+                </a14:m>
+                <a:endParaRPr kumimoji="1" lang="en-US" altLang="zh-TW" sz="2800" dirty="0" smtClean="0"/>
+              </a:p>
+            </p:txBody>
+          </p:sp>
+        </mc:Choice>
+        <mc:Fallback>
+          <p:sp>
+            <p:nvSpPr>
+              <p:cNvPr id="12" name="文字方塊 11"/>
+              <p:cNvSpPr txBox="1">
+                <a:spLocks noRot="1" noChangeAspect="1" noMove="1" noResize="1" noEditPoints="1" noAdjustHandles="1" noChangeArrowheads="1" noChangeShapeType="1" noTextEdit="1"/>
+              </p:cNvSpPr>
+              <p:nvPr/>
+            </p:nvSpPr>
+            <p:spPr>
+              <a:xfrm>
+                <a:off x="721894" y="1957161"/>
+                <a:ext cx="11470106" cy="929422"/>
+              </a:xfrm>
+              <a:prstGeom prst="rect">
+                <a:avLst/>
+              </a:prstGeom>
+              <a:blipFill rotWithShape="0">
+                <a:blip r:embed="rId4"/>
+                <a:stretch>
+                  <a:fillRect/>
+                </a:stretch>
+              </a:blipFill>
+            </p:spPr>
+            <p:txBody>
+              <a:bodyPr/>
+              <a:lstStyle/>
+              <a:p>
+                <a:r>
+                  <a:rPr lang="zh-TW" altLang="en-US">
+                    <a:noFill/>
+                  </a:rPr>
+                  <a:t> </a:t>
+                </a:r>
+              </a:p>
+            </p:txBody>
+          </p:sp>
+        </mc:Fallback>
+      </mc:AlternateContent>
+    </p:spTree>
+    <p:extLst>
+      <p:ext uri="{BB962C8B-B14F-4D97-AF65-F5344CB8AC3E}">
+        <p14:creationId xmlns:p14="http://schemas.microsoft.com/office/powerpoint/2010/main" val="1529071192"/>
+      </p:ext>
+    </p:extLst>
+  </p:cSld>
+  <p:clrMapOvr>
+    <a:masterClrMapping/>
+  </p:clrMapOvr>
+  <p:timing>
+    <p:tnLst>
+      <p:par>
+        <p:cTn id="1" dur="indefinite" restart="never" nodeType="tmRoot">
+          <p:childTnLst>
+            <p:seq concurrent="1" nextAc="seek">
+              <p:cTn id="2" dur="indefinite" nodeType="mainSeq">
+                <p:childTnLst>
+                  <p:par>
+                    <p:cTn id="3" fill="hold">
+                      <p:stCondLst>
+                        <p:cond delay="indefinite"/>
+                        <p:cond evt="onBegin" delay="0">
+                          <p:tn val="2"/>
+                        </p:cond>
+                      </p:stCondLst>
+                      <p:childTnLst>
+                        <p:par>
+                          <p:cTn id="4" fill="hold">
+                            <p:stCondLst>
+                              <p:cond delay="0"/>
+                            </p:stCondLst>
+                            <p:childTnLst>
+                              <p:par>
+                                <p:cTn id="5" presetID="21" presetClass="entr" presetSubtype="1" fill="hold" grpId="0" nodeType="withEffect">
+                                  <p:stCondLst>
+                                    <p:cond delay="0"/>
+                                  </p:stCondLst>
+                                  <p:childTnLst>
+                                    <p:set>
+                                      <p:cBhvr>
+                                        <p:cTn id="6" dur="1" fill="hold">
+                                          <p:stCondLst>
+                                            <p:cond delay="0"/>
+                                          </p:stCondLst>
+                                        </p:cTn>
+                                        <p:tgtEl>
+                                          <p:spTgt spid="8"/>
+                                        </p:tgtEl>
+                                        <p:attrNameLst>
+                                          <p:attrName>style.visibility</p:attrName>
+                                        </p:attrNameLst>
+                                      </p:cBhvr>
+                                      <p:to>
+                                        <p:strVal val="visible"/>
+                                      </p:to>
+                                    </p:set>
+                                    <p:animEffect transition="in" filter="wheel(1)">
+                                      <p:cBhvr>
+                                        <p:cTn id="7" dur="2000"/>
+                                        <p:tgtEl>
+                                          <p:spTgt spid="8"/>
+                                        </p:tgtEl>
+                                      </p:cBhvr>
+                                    </p:animEffect>
+                                  </p:childTnLst>
+                                </p:cTn>
+                              </p:par>
+                            </p:childTnLst>
+                          </p:cTn>
+                        </p:par>
+                      </p:childTnLst>
+                    </p:cTn>
+                  </p:par>
+                </p:childTnLst>
+              </p:cTn>
+              <p:prevCondLst>
+                <p:cond evt="onPrev" delay="0">
+                  <p:tgtEl>
+                    <p:sldTgt/>
+                  </p:tgtEl>
+                </p:cond>
+              </p:prevCondLst>
+              <p:nextCondLst>
+                <p:cond evt="onNext" delay="0">
+                  <p:tgtEl>
+                    <p:sldTgt/>
+                  </p:tgtEl>
+                </p:cond>
+              </p:nextCondLst>
+            </p:seq>
+          </p:childTnLst>
+        </p:cTn>
+      </p:par>
+    </p:tnLst>
+    <p:bldLst>
+      <p:bldP spid="8" grpId="0"/>
+    </p:bldLst>
+  </p:timing>
+</p:sld>
+</file>
+
+<file path=ppt/slides/slide7.xml><?xml version="1.0" encoding="utf-8"?>
+<p:sld xmlns:a="http://schemas.openxmlformats.org/drawingml/2006/main" xmlns:r="http://schemas.openxmlformats.org/officeDocument/2006/relationships" xmlns:p="http://schemas.openxmlformats.org/presentationml/2006/main">
+  <p:cSld>
+    <p:spTree>
+      <p:nvGrpSpPr>
+        <p:cNvPr id="1" name=""/>
+        <p:cNvGrpSpPr/>
+        <p:nvPr/>
+      </p:nvGrpSpPr>
+      <p:grpSpPr>
+        <a:xfrm>
+          <a:off x="0" y="0"/>
+          <a:ext cx="0" cy="0"/>
+          <a:chOff x="0" y="0"/>
+          <a:chExt cx="0" cy="0"/>
+        </a:xfrm>
+      </p:grpSpPr>
+      <p:sp>
+        <p:nvSpPr>
+          <p:cNvPr id="4" name="標題 1"/>
+          <p:cNvSpPr txBox="1">
+            <a:spLocks/>
+          </p:cNvSpPr>
+          <p:nvPr/>
+        </p:nvSpPr>
+        <p:spPr>
+          <a:xfrm>
+            <a:off x="1943701" y="556122"/>
+            <a:ext cx="8911687" cy="724038"/>
+          </a:xfrm>
+          <a:prstGeom prst="rect">
+            <a:avLst/>
+          </a:prstGeom>
+        </p:spPr>
+        <p:txBody>
+          <a:bodyPr vert="horz" lIns="91440" tIns="45720" rIns="91440" bIns="45720" rtlCol="0" anchor="t">
+            <a:normAutofit/>
+          </a:bodyPr>
+          <a:lstStyle>
+            <a:lvl1pPr algn="l" defTabSz="457200" rtl="0" eaLnBrk="1" latinLnBrk="0" hangingPunct="1">
+              <a:spcBef>
+                <a:spcPct val="0"/>
+              </a:spcBef>
+              <a:buNone/>
+              <a:defRPr sz="3600" kern="1200">
+                <a:solidFill>
+                  <a:schemeClr val="tx1">
+                    <a:lumMod val="85000"/>
+                    <a:lumOff val="15000"/>
+                  </a:schemeClr>
+                </a:solidFill>
+                <a:latin typeface="+mj-lt"/>
+                <a:ea typeface="+mj-ea"/>
+                <a:cs typeface="+mj-cs"/>
+              </a:defRPr>
+            </a:lvl1pPr>
+            <a:lvl2pPr eaLnBrk="1" hangingPunct="1">
+              <a:defRPr>
+                <a:solidFill>
+                  <a:schemeClr val="tx2"/>
+                </a:solidFill>
+              </a:defRPr>
+            </a:lvl2pPr>
+            <a:lvl3pPr eaLnBrk="1" hangingPunct="1">
+              <a:defRPr>
+                <a:solidFill>
+                  <a:schemeClr val="tx2"/>
+                </a:solidFill>
+              </a:defRPr>
+            </a:lvl3pPr>
+            <a:lvl4pPr eaLnBrk="1" hangingPunct="1">
+              <a:defRPr>
+                <a:solidFill>
+                  <a:schemeClr val="tx2"/>
+                </a:solidFill>
+              </a:defRPr>
+            </a:lvl4pPr>
+            <a:lvl5pPr eaLnBrk="1" hangingPunct="1">
+              <a:defRPr>
+                <a:solidFill>
+                  <a:schemeClr val="tx2"/>
+                </a:solidFill>
+              </a:defRPr>
+            </a:lvl5pPr>
+            <a:lvl6pPr eaLnBrk="1" hangingPunct="1">
+              <a:defRPr>
+                <a:solidFill>
+                  <a:schemeClr val="tx2"/>
+                </a:solidFill>
+              </a:defRPr>
+            </a:lvl6pPr>
+            <a:lvl7pPr eaLnBrk="1" hangingPunct="1">
+              <a:defRPr>
+                <a:solidFill>
+                  <a:schemeClr val="tx2"/>
+                </a:solidFill>
+              </a:defRPr>
+            </a:lvl7pPr>
+            <a:lvl8pPr eaLnBrk="1" hangingPunct="1">
+              <a:defRPr>
+                <a:solidFill>
+                  <a:schemeClr val="tx2"/>
+                </a:solidFill>
+              </a:defRPr>
+            </a:lvl8pPr>
+            <a:lvl9pPr eaLnBrk="1" hangingPunct="1">
+              <a:defRPr>
+                <a:solidFill>
+                  <a:schemeClr val="tx2"/>
+                </a:solidFill>
+              </a:defRPr>
+            </a:lvl9pPr>
+          </a:lstStyle>
+          <a:p>
+            <a:r>
+              <a:rPr lang="en-US" altLang="zh-TW" sz="4000" dirty="0"/>
+              <a:t>Detection </a:t>
+            </a:r>
+            <a:r>
+              <a:rPr lang="en-US" altLang="zh-TW" sz="4000" dirty="0" smtClean="0"/>
+              <a:t>Phase</a:t>
+            </a:r>
+            <a:r>
+              <a:rPr lang="zh-TW" altLang="en-US" sz="4000" dirty="0" smtClean="0"/>
+              <a:t> </a:t>
+            </a:r>
+            <a:r>
+              <a:rPr lang="en-US" altLang="zh-TW" sz="4000" dirty="0" smtClean="0"/>
+              <a:t>-- </a:t>
+            </a:r>
+            <a:r>
+              <a:rPr lang="en-US" altLang="zh-TW" sz="4000" dirty="0" err="1" smtClean="0"/>
+              <a:t>Bhist</a:t>
+            </a:r>
+            <a:endParaRPr lang="zh-TW" altLang="en-US" sz="4000" dirty="0"/>
+          </a:p>
+        </p:txBody>
+      </p:sp>
+      <p:pic>
+        <p:nvPicPr>
+          <p:cNvPr id="5" name="圖片 4"/>
+          <p:cNvPicPr>
+            <a:picLocks noChangeAspect="1"/>
+          </p:cNvPicPr>
+          <p:nvPr/>
+        </p:nvPicPr>
+        <p:blipFill>
+          <a:blip r:embed="rId2">
+            <a:clrChange>
+              <a:clrFrom>
+                <a:srgbClr val="FFFFFF"/>
+              </a:clrFrom>
+              <a:clrTo>
+                <a:srgbClr val="FFFFFF">
+                  <a:alpha val="0"/>
+                </a:srgbClr>
+              </a:clrTo>
+            </a:clrChange>
+            <a:extLst>
+              <a:ext uri="{28A0092B-C50C-407E-A947-70E740481C1C}">
+                <a14:useLocalDpi xmlns:a14="http://schemas.microsoft.com/office/drawing/2010/main" val="0"/>
+              </a:ext>
+            </a:extLst>
+          </a:blip>
+          <a:stretch>
+            <a:fillRect/>
+          </a:stretch>
+        </p:blipFill>
+        <p:spPr>
+          <a:xfrm>
+            <a:off x="3900734" y="1844448"/>
+            <a:ext cx="4997619" cy="1540436"/>
+          </a:xfrm>
+          <a:prstGeom prst="rect">
+            <a:avLst/>
+          </a:prstGeom>
+        </p:spPr>
+      </p:pic>
+      <p:pic>
+        <p:nvPicPr>
+          <p:cNvPr id="6" name="圖片 5"/>
+          <p:cNvPicPr>
+            <a:picLocks noChangeAspect="1"/>
+          </p:cNvPicPr>
+          <p:nvPr/>
+        </p:nvPicPr>
+        <p:blipFill>
+          <a:blip r:embed="rId3">
+            <a:clrChange>
+              <a:clrFrom>
+                <a:srgbClr val="FDFDFD"/>
+              </a:clrFrom>
+              <a:clrTo>
+                <a:srgbClr val="FDFDFD">
+                  <a:alpha val="0"/>
+                </a:srgbClr>
+              </a:clrTo>
+            </a:clrChange>
+            <a:extLst>
+              <a:ext uri="{28A0092B-C50C-407E-A947-70E740481C1C}">
+                <a14:useLocalDpi xmlns:a14="http://schemas.microsoft.com/office/drawing/2010/main" val="0"/>
+              </a:ext>
+            </a:extLst>
+          </a:blip>
+          <a:stretch>
+            <a:fillRect/>
+          </a:stretch>
+        </p:blipFill>
+        <p:spPr>
+          <a:xfrm>
+            <a:off x="3287473" y="4106780"/>
+            <a:ext cx="6224139" cy="2190296"/>
+          </a:xfrm>
+          <a:prstGeom prst="rect">
+            <a:avLst/>
+          </a:prstGeom>
+        </p:spPr>
+      </p:pic>
+    </p:spTree>
+    <p:extLst>
+      <p:ext uri="{BB962C8B-B14F-4D97-AF65-F5344CB8AC3E}">
+        <p14:creationId xmlns:p14="http://schemas.microsoft.com/office/powerpoint/2010/main" val="2390800934"/>
+      </p:ext>
+    </p:extLst>
+  </p:cSld>
+  <p:clrMapOvr>
+    <a:masterClrMapping/>
+  </p:clrMapOvr>
+  <p:timing>
+    <p:tnLst>
+      <p:par>
+        <p:cTn id="1" dur="indefinite" restart="never" nodeType="tmRoot"/>
+      </p:par>
+    </p:tnLst>
+  </p:timing>
+</p:sld>
+</file>
+
+<file path=ppt/slides/slide8.xml><?xml version="1.0" encoding="utf-8"?>
+<p:sld xmlns:a="http://schemas.openxmlformats.org/drawingml/2006/main" xmlns:r="http://schemas.openxmlformats.org/officeDocument/2006/relationships" xmlns:p="http://schemas.openxmlformats.org/presentationml/2006/main">
+  <p:cSld>
+    <p:spTree>
+      <p:nvGrpSpPr>
+        <p:cNvPr id="1" name=""/>
+        <p:cNvGrpSpPr/>
+        <p:nvPr/>
+      </p:nvGrpSpPr>
+      <p:grpSpPr>
+        <a:xfrm>
+          <a:off x="0" y="0"/>
+          <a:ext cx="0" cy="0"/>
+          <a:chOff x="0" y="0"/>
+          <a:chExt cx="0" cy="0"/>
+        </a:xfrm>
+      </p:grpSpPr>
+      <p:sp>
+        <p:nvSpPr>
+          <p:cNvPr id="4" name="標題 1"/>
+          <p:cNvSpPr txBox="1">
+            <a:spLocks/>
+          </p:cNvSpPr>
+          <p:nvPr/>
+        </p:nvSpPr>
+        <p:spPr>
+          <a:xfrm>
+            <a:off x="1943701" y="556122"/>
+            <a:ext cx="8911687" cy="724038"/>
+          </a:xfrm>
+          <a:prstGeom prst="rect">
+            <a:avLst/>
+          </a:prstGeom>
+        </p:spPr>
+        <p:txBody>
+          <a:bodyPr vert="horz" lIns="91440" tIns="45720" rIns="91440" bIns="45720" rtlCol="0" anchor="t">
+            <a:normAutofit/>
+          </a:bodyPr>
+          <a:lstStyle>
+            <a:lvl1pPr algn="l" defTabSz="457200" rtl="0" eaLnBrk="1" latinLnBrk="0" hangingPunct="1">
+              <a:spcBef>
+                <a:spcPct val="0"/>
+              </a:spcBef>
+              <a:buNone/>
+              <a:defRPr sz="3600" kern="1200">
+                <a:solidFill>
+                  <a:schemeClr val="tx1">
+                    <a:lumMod val="85000"/>
+                    <a:lumOff val="15000"/>
+                  </a:schemeClr>
+                </a:solidFill>
+                <a:latin typeface="+mj-lt"/>
+                <a:ea typeface="+mj-ea"/>
+                <a:cs typeface="+mj-cs"/>
+              </a:defRPr>
+            </a:lvl1pPr>
+            <a:lvl2pPr eaLnBrk="1" hangingPunct="1">
+              <a:defRPr>
+                <a:solidFill>
+                  <a:schemeClr val="tx2"/>
+                </a:solidFill>
+              </a:defRPr>
+            </a:lvl2pPr>
+            <a:lvl3pPr eaLnBrk="1" hangingPunct="1">
+              <a:defRPr>
+                <a:solidFill>
+                  <a:schemeClr val="tx2"/>
+                </a:solidFill>
+              </a:defRPr>
+            </a:lvl3pPr>
+            <a:lvl4pPr eaLnBrk="1" hangingPunct="1">
+              <a:defRPr>
+                <a:solidFill>
+                  <a:schemeClr val="tx2"/>
+                </a:solidFill>
+              </a:defRPr>
+            </a:lvl4pPr>
+            <a:lvl5pPr eaLnBrk="1" hangingPunct="1">
+              <a:defRPr>
+                <a:solidFill>
+                  <a:schemeClr val="tx2"/>
+                </a:solidFill>
+              </a:defRPr>
+            </a:lvl5pPr>
+            <a:lvl6pPr eaLnBrk="1" hangingPunct="1">
+              <a:defRPr>
+                <a:solidFill>
+                  <a:schemeClr val="tx2"/>
+                </a:solidFill>
+              </a:defRPr>
+            </a:lvl6pPr>
+            <a:lvl7pPr eaLnBrk="1" hangingPunct="1">
+              <a:defRPr>
+                <a:solidFill>
+                  <a:schemeClr val="tx2"/>
+                </a:solidFill>
+              </a:defRPr>
+            </a:lvl7pPr>
+            <a:lvl8pPr eaLnBrk="1" hangingPunct="1">
+              <a:defRPr>
+                <a:solidFill>
+                  <a:schemeClr val="tx2"/>
+                </a:solidFill>
+              </a:defRPr>
+            </a:lvl8pPr>
+            <a:lvl9pPr eaLnBrk="1" hangingPunct="1">
+              <a:defRPr>
+                <a:solidFill>
+                  <a:schemeClr val="tx2"/>
+                </a:solidFill>
+              </a:defRPr>
+            </a:lvl9pPr>
+          </a:lstStyle>
+          <a:p>
+            <a:r>
+              <a:rPr lang="en-US" altLang="zh-TW" sz="4000" dirty="0"/>
+              <a:t>Detection </a:t>
+            </a:r>
+            <a:r>
+              <a:rPr lang="en-US" altLang="zh-TW" sz="4000" dirty="0" smtClean="0"/>
+              <a:t>Phase</a:t>
+            </a:r>
+            <a:r>
+              <a:rPr lang="zh-TW" altLang="en-US" sz="4000" dirty="0" smtClean="0"/>
+              <a:t> </a:t>
+            </a:r>
+            <a:r>
+              <a:rPr lang="en-US" altLang="zh-TW" sz="4000" dirty="0" smtClean="0"/>
+              <a:t>-- Bf</a:t>
+            </a:r>
+            <a:endParaRPr lang="zh-TW" altLang="en-US" sz="4000" dirty="0"/>
+          </a:p>
+        </p:txBody>
+      </p:sp>
+      <p:pic>
+        <p:nvPicPr>
+          <p:cNvPr id="5" name="圖片 4"/>
+          <p:cNvPicPr>
+            <a:picLocks noChangeAspect="1"/>
+          </p:cNvPicPr>
+          <p:nvPr/>
+        </p:nvPicPr>
+        <p:blipFill>
+          <a:blip r:embed="rId2">
+            <a:clrChange>
+              <a:clrFrom>
+                <a:srgbClr val="FFFFFF"/>
+              </a:clrFrom>
+              <a:clrTo>
+                <a:srgbClr val="FFFFFF">
+                  <a:alpha val="0"/>
+                </a:srgbClr>
+              </a:clrTo>
+            </a:clrChange>
+            <a:extLst>
+              <a:ext uri="{28A0092B-C50C-407E-A947-70E740481C1C}">
+                <a14:useLocalDpi xmlns:a14="http://schemas.microsoft.com/office/drawing/2010/main" val="0"/>
+              </a:ext>
+            </a:extLst>
+          </a:blip>
+          <a:stretch>
+            <a:fillRect/>
+          </a:stretch>
+        </p:blipFill>
+        <p:spPr>
+          <a:xfrm>
+            <a:off x="3002800" y="3410251"/>
+            <a:ext cx="5957414" cy="2493244"/>
+          </a:xfrm>
+          <a:prstGeom prst="rect">
+            <a:avLst/>
+          </a:prstGeom>
+        </p:spPr>
+      </p:pic>
+      <p:sp>
+        <p:nvSpPr>
+          <p:cNvPr id="6" name="文字方塊 5"/>
+          <p:cNvSpPr txBox="1"/>
+          <p:nvPr/>
+        </p:nvSpPr>
+        <p:spPr>
+          <a:xfrm>
+            <a:off x="1697124" y="1443185"/>
+            <a:ext cx="9158264" cy="1246495"/>
+          </a:xfrm>
+          <a:prstGeom prst="rect">
+            <a:avLst/>
+          </a:prstGeom>
+          <a:noFill/>
+        </p:spPr>
+        <p:txBody>
+          <a:bodyPr wrap="square" rtlCol="0">
+            <a:spAutoFit/>
+          </a:bodyPr>
+          <a:lstStyle/>
+          <a:p>
+            <a:pPr marL="342900" indent="-342900">
+              <a:buFont typeface="Wingdings" panose="05000000000000000000" pitchFamily="2" charset="2"/>
+              <a:buChar char="Ø"/>
+            </a:pPr>
+            <a:r>
+              <a:rPr lang="zh-TW" altLang="en-US" sz="2500" dirty="0" smtClean="0"/>
+              <a:t>利用</a:t>
+            </a:r>
+            <a:r>
+              <a:rPr lang="en-US" altLang="zh-TW" sz="2500" dirty="0" smtClean="0"/>
+              <a:t>fuzzy set</a:t>
+            </a:r>
+            <a:r>
+              <a:rPr lang="zh-TW" altLang="en-US" sz="2500" dirty="0" smtClean="0"/>
+              <a:t>統整</a:t>
+            </a:r>
+            <a:r>
+              <a:rPr lang="en-US" altLang="zh-TW" sz="2500" dirty="0" err="1" smtClean="0"/>
+              <a:t>Bimage</a:t>
+            </a:r>
+            <a:r>
+              <a:rPr lang="zh-TW" altLang="en-US" sz="2500" dirty="0" smtClean="0"/>
+              <a:t>和</a:t>
+            </a:r>
+            <a:r>
+              <a:rPr lang="en-US" altLang="zh-TW" sz="2500" dirty="0" err="1" smtClean="0"/>
+              <a:t>Bhist</a:t>
+            </a:r>
+            <a:r>
+              <a:rPr lang="zh-TW" altLang="en-US" sz="2500" dirty="0" smtClean="0"/>
+              <a:t>得到的結果。</a:t>
+            </a:r>
+            <a:endParaRPr lang="en-US" altLang="zh-TW" sz="2500" dirty="0" smtClean="0"/>
+          </a:p>
+          <a:p>
+            <a:pPr marL="342900" indent="-342900">
+              <a:buFont typeface="Wingdings" panose="05000000000000000000" pitchFamily="2" charset="2"/>
+              <a:buChar char="Ø"/>
+            </a:pPr>
+            <a:endParaRPr lang="en-US" altLang="zh-TW" sz="2500" dirty="0" smtClean="0"/>
+          </a:p>
+          <a:p>
+            <a:pPr marL="342900" indent="-342900">
+              <a:buFont typeface="Wingdings" panose="05000000000000000000" pitchFamily="2" charset="2"/>
+              <a:buChar char="Ø"/>
+            </a:pPr>
+            <a:r>
+              <a:rPr lang="zh-TW" altLang="en-US" sz="2500" dirty="0" smtClean="0"/>
+              <a:t>利用</a:t>
+            </a:r>
+            <a:r>
+              <a:rPr lang="en-US" altLang="zh-TW" sz="2500" dirty="0" smtClean="0"/>
+              <a:t>COA</a:t>
+            </a:r>
+            <a:r>
+              <a:rPr lang="zh-TW" altLang="en-US" sz="2500" dirty="0" smtClean="0"/>
+              <a:t>得出最後的</a:t>
+            </a:r>
+            <a:r>
+              <a:rPr lang="en-US" altLang="zh-TW" sz="2500" dirty="0" smtClean="0"/>
+              <a:t>Bf</a:t>
+            </a:r>
+            <a:r>
+              <a:rPr lang="zh-TW" altLang="en-US" sz="2500" dirty="0" smtClean="0"/>
+              <a:t>。</a:t>
+            </a:r>
+            <a:endParaRPr lang="en-US" altLang="zh-TW" sz="2500" dirty="0" smtClean="0"/>
+          </a:p>
+        </p:txBody>
+      </p:sp>
+    </p:spTree>
+    <p:extLst>
+      <p:ext uri="{BB962C8B-B14F-4D97-AF65-F5344CB8AC3E}">
+        <p14:creationId xmlns:p14="http://schemas.microsoft.com/office/powerpoint/2010/main" val="2506588059"/>
+      </p:ext>
+    </p:extLst>
+  </p:cSld>
+  <p:clrMapOvr>
+    <a:masterClrMapping/>
+  </p:clrMapOvr>
+  <p:timing>
+    <p:tnLst>
+      <p:par>
+        <p:cTn id="1" dur="indefinite" restart="never" nodeType="tmRoot">
+          <p:childTnLst>
+            <p:seq concurrent="1" nextAc="seek">
+              <p:cTn id="2" dur="indefinite" nodeType="mainSeq">
+                <p:childTnLst>
+                  <p:par>
+                    <p:cTn id="3" fill="hold">
+                      <p:stCondLst>
+                        <p:cond delay="indefinite"/>
+                        <p:cond evt="onBegin" delay="0">
+                          <p:tn val="2"/>
+                        </p:cond>
+                      </p:stCondLst>
+                      <p:childTnLst>
+                        <p:par>
+                          <p:cTn id="4" fill="hold">
+                            <p:stCondLst>
+                              <p:cond delay="0"/>
+                            </p:stCondLst>
+                            <p:childTnLst>
+                              <p:par>
+                                <p:cTn id="5" presetID="21" presetClass="entr" presetSubtype="1" fill="hold" grpId="0" nodeType="withEffect">
+                                  <p:stCondLst>
+                                    <p:cond delay="0"/>
+                                  </p:stCondLst>
+                                  <p:childTnLst>
+                                    <p:set>
+                                      <p:cBhvr>
+                                        <p:cTn id="6" dur="1" fill="hold">
+                                          <p:stCondLst>
+                                            <p:cond delay="0"/>
+                                          </p:stCondLst>
+                                        </p:cTn>
+                                        <p:tgtEl>
+                                          <p:spTgt spid="6"/>
+                                        </p:tgtEl>
+                                        <p:attrNameLst>
+                                          <p:attrName>style.visibility</p:attrName>
+                                        </p:attrNameLst>
+                                      </p:cBhvr>
+                                      <p:to>
+                                        <p:strVal val="visible"/>
+                                      </p:to>
+                                    </p:set>
+                                    <p:animEffect transition="in" filter="wheel(1)">
+                                      <p:cBhvr>
+                                        <p:cTn id="7" dur="2000"/>
+                                        <p:tgtEl>
+                                          <p:spTgt spid="6"/>
+                                        </p:tgtEl>
+                                      </p:cBhvr>
+                                    </p:animEffect>
+                                  </p:childTnLst>
+                                </p:cTn>
+                              </p:par>
+                            </p:childTnLst>
+                          </p:cTn>
+                        </p:par>
+                      </p:childTnLst>
+                    </p:cTn>
+                  </p:par>
+                </p:childTnLst>
+              </p:cTn>
+              <p:prevCondLst>
+                <p:cond evt="onPrev" delay="0">
+                  <p:tgtEl>
+                    <p:sldTgt/>
+                  </p:tgtEl>
+                </p:cond>
+              </p:prevCondLst>
+              <p:nextCondLst>
+                <p:cond evt="onNext" delay="0">
+                  <p:tgtEl>
+                    <p:sldTgt/>
+                  </p:tgtEl>
+                </p:cond>
+              </p:nextCondLst>
+            </p:seq>
+          </p:childTnLst>
+        </p:cTn>
+      </p:par>
+    </p:tnLst>
+    <p:bldLst>
+      <p:bldP spid="6" grpId="0"/>
+    </p:bldLst>
+  </p:timing>
+</p:sld>
+</file>
+
+<file path=ppt/slides/slide9.xml><?xml version="1.0" encoding="utf-8"?>
+<p:sld xmlns:a="http://schemas.openxmlformats.org/drawingml/2006/main" xmlns:r="http://schemas.openxmlformats.org/officeDocument/2006/relationships" xmlns:p="http://schemas.openxmlformats.org/presentationml/2006/main">
+  <p:cSld>
+    <p:spTree>
+      <p:nvGrpSpPr>
+        <p:cNvPr id="1" name=""/>
+        <p:cNvGrpSpPr/>
+        <p:nvPr/>
+      </p:nvGrpSpPr>
+      <p:grpSpPr>
+        <a:xfrm>
+          <a:off x="0" y="0"/>
+          <a:ext cx="0" cy="0"/>
+          <a:chOff x="0" y="0"/>
+          <a:chExt cx="0" cy="0"/>
+        </a:xfrm>
+      </p:grpSpPr>
       <p:pic>
         <p:nvPicPr>
           <p:cNvPr id="4" name="內容版面配置區 3"/>
@@ -11145,7 +13240,7 @@
         </p:blipFill>
         <p:spPr>
           <a:xfrm>
-            <a:off x="6489562" y="1507683"/>
+            <a:off x="6649983" y="2106592"/>
             <a:ext cx="5015050" cy="3446282"/>
           </a:xfrm>
           <a:prstGeom prst="rect">
@@ -11161,7 +13256,7 @@
         </p:nvCxnSpPr>
         <p:spPr>
           <a:xfrm flipH="1">
-            <a:off x="8542116" y="2106592"/>
+            <a:off x="8736452" y="2578354"/>
             <a:ext cx="243069" cy="752355"/>
           </a:xfrm>
           <a:prstGeom prst="straightConnector1">
@@ -11186,8 +13281,8 @@
           </a:fontRef>
         </p:style>
       </p:cxnSp>
-      <mc:AlternateContent xmlns:mc="http://schemas.openxmlformats.org/markup-compatibility/2006" xmlns:a14="http://schemas.microsoft.com/office/drawing/2010/main">
-        <mc:Choice Requires="a14">
+      <mc:AlternateContent xmlns:mc="http://schemas.openxmlformats.org/markup-compatibility/2006">
+        <mc:Choice xmlns:a14="http://schemas.microsoft.com/office/drawing/2010/main" Requires="a14">
           <p:sp>
             <p:nvSpPr>
               <p:cNvPr id="11" name="文字方塊 10"/>
@@ -11196,7 +13291,7 @@
             </p:nvSpPr>
             <p:spPr>
               <a:xfrm>
-                <a:off x="972273" y="1574157"/>
+                <a:off x="827917" y="2106592"/>
                 <a:ext cx="5822066" cy="2448234"/>
               </a:xfrm>
               <a:prstGeom prst="rect">
@@ -11221,7 +13316,7 @@
                         <m:sSubPr>
                           <m:ctrlPr>
                             <a:rPr kumimoji="1" lang="en-US" altLang="zh-TW" sz="2800" i="1" smtClean="0">
-                              <a:latin typeface="Cambria Math" charset="0"/>
+                              <a:latin typeface="Cambria Math" panose="02040503050406030204" pitchFamily="18" charset="0"/>
                             </a:rPr>
                           </m:ctrlPr>
                         </m:sSubPr>
@@ -11246,7 +13341,7 @@
                         <m:dPr>
                           <m:ctrlPr>
                             <a:rPr kumimoji="1" lang="en-US" altLang="zh-TW" sz="2800" b="0" i="1" smtClean="0">
-                              <a:latin typeface="Cambria Math" charset="0"/>
+                              <a:latin typeface="Cambria Math" panose="02040503050406030204" pitchFamily="18" charset="0"/>
                             </a:rPr>
                           </m:ctrlPr>
                         </m:dPr>
@@ -11269,7 +13364,7 @@
                         <m:fPr>
                           <m:ctrlPr>
                             <a:rPr kumimoji="1" lang="mr-IN" altLang="zh-TW" sz="2800" i="1" dirty="0" smtClean="0">
-                              <a:latin typeface="Cambria Math" charset="0"/>
+                              <a:latin typeface="Cambria Math" panose="02040503050406030204" pitchFamily="18" charset="0"/>
                             </a:rPr>
                           </m:ctrlPr>
                         </m:fPr>
@@ -11292,7 +13387,7 @@
                             <m:sSupPr>
                               <m:ctrlPr>
                                 <a:rPr kumimoji="1" lang="mr-IN" altLang="zh-TW" sz="2800" i="1" dirty="0" smtClean="0">
-                                  <a:latin typeface="Cambria Math" charset="0"/>
+                                  <a:latin typeface="Cambria Math" panose="02040503050406030204" pitchFamily="18" charset="0"/>
                                 </a:rPr>
                               </m:ctrlPr>
                             </m:sSupPr>
@@ -11319,7 +13414,7 @@
                         <m:sSupPr>
                           <m:ctrlPr>
                             <a:rPr kumimoji="1" lang="en-US" altLang="zh-TW" sz="2800" b="0" i="1" dirty="0" smtClean="0">
-                              <a:latin typeface="Cambria Math" charset="0"/>
+                              <a:latin typeface="Cambria Math" panose="02040503050406030204" pitchFamily="18" charset="0"/>
                             </a:rPr>
                           </m:ctrlPr>
                         </m:sSupPr>
@@ -11395,7 +13490,7 @@
                       <m:sSubPr>
                         <m:ctrlPr>
                           <a:rPr kumimoji="1" lang="en-US" altLang="zh-TW" sz="2800" i="1" smtClean="0">
-                            <a:latin typeface="Cambria Math" charset="0"/>
+                            <a:latin typeface="Cambria Math" panose="02040503050406030204" pitchFamily="18" charset="0"/>
                           </a:rPr>
                         </m:ctrlPr>
                       </m:sSubPr>
@@ -11420,7 +13515,7 @@
                       <m:dPr>
                         <m:ctrlPr>
                           <a:rPr kumimoji="1" lang="en-US" altLang="zh-TW" sz="2800" b="0" i="1" smtClean="0">
-                            <a:latin typeface="Cambria Math" charset="0"/>
+                            <a:latin typeface="Cambria Math" panose="02040503050406030204" pitchFamily="18" charset="0"/>
                           </a:rPr>
                         </m:ctrlPr>
                       </m:dPr>
@@ -11443,7 +13538,7 @@
                       <m:fPr>
                         <m:ctrlPr>
                           <a:rPr kumimoji="1" lang="mr-IN" altLang="zh-TW" sz="2800" b="0" i="1" smtClean="0">
-                            <a:latin typeface="Cambria Math" charset="0"/>
+                            <a:latin typeface="Cambria Math" panose="02040503050406030204" pitchFamily="18" charset="0"/>
                           </a:rPr>
                         </m:ctrlPr>
                       </m:fPr>
@@ -11466,7 +13561,7 @@
                           <m:sSupPr>
                             <m:ctrlPr>
                               <a:rPr kumimoji="1" lang="mr-IN" altLang="zh-TW" sz="2800" b="0" i="1" smtClean="0">
-                                <a:latin typeface="Cambria Math" charset="0"/>
+                                <a:latin typeface="Cambria Math" panose="02040503050406030204" pitchFamily="18" charset="0"/>
                               </a:rPr>
                             </m:ctrlPr>
                           </m:sSupPr>
@@ -11505,7 +13600,7 @@
                       <m:sSupPr>
                         <m:ctrlPr>
                           <a:rPr kumimoji="1" lang="mr-IN" altLang="zh-TW" sz="2800" b="0" i="1" smtClean="0">
-                            <a:latin typeface="Cambria Math" charset="0"/>
+                            <a:latin typeface="Cambria Math" panose="02040503050406030204" pitchFamily="18" charset="0"/>
                           </a:rPr>
                         </m:ctrlPr>
                       </m:sSupPr>
@@ -11572,7 +13667,7 @@
             </p:txBody>
           </p:sp>
         </mc:Choice>
-        <mc:Fallback xmlns="">
+        <mc:Fallback>
           <p:sp>
             <p:nvSpPr>
               <p:cNvPr id="11" name="文字方塊 10"/>
@@ -11583,7 +13678,7 @@
             </p:nvSpPr>
             <p:spPr>
               <a:xfrm>
-                <a:off x="972273" y="1574157"/>
+                <a:off x="827917" y="2106592"/>
                 <a:ext cx="5822066" cy="2448234"/>
               </a:xfrm>
               <a:prstGeom prst="rect">
@@ -11611,6 +13706,111 @@
           </p:sp>
         </mc:Fallback>
       </mc:AlternateContent>
+      <p:sp>
+        <p:nvSpPr>
+          <p:cNvPr id="6" name="標題 1"/>
+          <p:cNvSpPr txBox="1">
+            <a:spLocks/>
+          </p:cNvSpPr>
+          <p:nvPr/>
+        </p:nvSpPr>
+        <p:spPr>
+          <a:xfrm>
+            <a:off x="1943701" y="556122"/>
+            <a:ext cx="8911687" cy="724038"/>
+          </a:xfrm>
+          <a:prstGeom prst="rect">
+            <a:avLst/>
+          </a:prstGeom>
+        </p:spPr>
+        <p:txBody>
+          <a:bodyPr vert="horz" lIns="91440" tIns="45720" rIns="91440" bIns="45720" rtlCol="0" anchor="t">
+            <a:normAutofit/>
+          </a:bodyPr>
+          <a:lstStyle>
+            <a:lvl1pPr algn="l" defTabSz="457200" rtl="0" eaLnBrk="1" latinLnBrk="0" hangingPunct="1">
+              <a:spcBef>
+                <a:spcPct val="0"/>
+              </a:spcBef>
+              <a:buNone/>
+              <a:defRPr sz="3600" kern="1200">
+                <a:solidFill>
+                  <a:schemeClr val="tx1">
+                    <a:lumMod val="85000"/>
+                    <a:lumOff val="15000"/>
+                  </a:schemeClr>
+                </a:solidFill>
+                <a:latin typeface="+mj-lt"/>
+                <a:ea typeface="+mj-ea"/>
+                <a:cs typeface="+mj-cs"/>
+              </a:defRPr>
+            </a:lvl1pPr>
+            <a:lvl2pPr eaLnBrk="1" hangingPunct="1">
+              <a:defRPr>
+                <a:solidFill>
+                  <a:schemeClr val="tx2"/>
+                </a:solidFill>
+              </a:defRPr>
+            </a:lvl2pPr>
+            <a:lvl3pPr eaLnBrk="1" hangingPunct="1">
+              <a:defRPr>
+                <a:solidFill>
+                  <a:schemeClr val="tx2"/>
+                </a:solidFill>
+              </a:defRPr>
+            </a:lvl3pPr>
+            <a:lvl4pPr eaLnBrk="1" hangingPunct="1">
+              <a:defRPr>
+                <a:solidFill>
+                  <a:schemeClr val="tx2"/>
+                </a:solidFill>
+              </a:defRPr>
+            </a:lvl4pPr>
+            <a:lvl5pPr eaLnBrk="1" hangingPunct="1">
+              <a:defRPr>
+                <a:solidFill>
+                  <a:schemeClr val="tx2"/>
+                </a:solidFill>
+              </a:defRPr>
+            </a:lvl5pPr>
+            <a:lvl6pPr eaLnBrk="1" hangingPunct="1">
+              <a:defRPr>
+                <a:solidFill>
+                  <a:schemeClr val="tx2"/>
+                </a:solidFill>
+              </a:defRPr>
+            </a:lvl6pPr>
+            <a:lvl7pPr eaLnBrk="1" hangingPunct="1">
+              <a:defRPr>
+                <a:solidFill>
+                  <a:schemeClr val="tx2"/>
+                </a:solidFill>
+              </a:defRPr>
+            </a:lvl7pPr>
+            <a:lvl8pPr eaLnBrk="1" hangingPunct="1">
+              <a:defRPr>
+                <a:solidFill>
+                  <a:schemeClr val="tx2"/>
+                </a:solidFill>
+              </a:defRPr>
+            </a:lvl8pPr>
+            <a:lvl9pPr eaLnBrk="1" hangingPunct="1">
+              <a:defRPr>
+                <a:solidFill>
+                  <a:schemeClr val="tx2"/>
+                </a:solidFill>
+              </a:defRPr>
+            </a:lvl9pPr>
+          </a:lstStyle>
+          <a:p>
+            <a:r>
+              <a:rPr lang="en-US" altLang="zh-TW" sz="4000" dirty="0"/>
+              <a:t>Transformation Function - 1</a:t>
+            </a:r>
+            <a:endParaRPr lang="zh-TW" altLang="en-US" sz="4000" dirty="0"/>
+          </a:p>
+        </p:txBody>
+      </p:sp>
     </p:spTree>
     <p:extLst>
       <p:ext uri="{BB962C8B-B14F-4D97-AF65-F5344CB8AC3E}">
@@ -11704,586 +13904,6 @@
             </p:seq>
           </p:childTnLst>
         </p:cTn>
-      </p:par>
-    </p:tnLst>
-  </p:timing>
-</p:sld>
-</file>
-
-<file path=ppt/slides/slide7.xml><?xml version="1.0" encoding="utf-8"?>
-<p:sld xmlns:a="http://schemas.openxmlformats.org/drawingml/2006/main" xmlns:r="http://schemas.openxmlformats.org/officeDocument/2006/relationships" xmlns:p="http://schemas.openxmlformats.org/presentationml/2006/main">
-  <p:cSld>
-    <p:spTree>
-      <p:nvGrpSpPr>
-        <p:cNvPr id="1" name=""/>
-        <p:cNvGrpSpPr/>
-        <p:nvPr/>
-      </p:nvGrpSpPr>
-      <p:grpSpPr>
-        <a:xfrm>
-          <a:off x="0" y="0"/>
-          <a:ext cx="0" cy="0"/>
-          <a:chOff x="0" y="0"/>
-          <a:chExt cx="0" cy="0"/>
-        </a:xfrm>
-      </p:grpSpPr>
-      <p:sp>
-        <p:nvSpPr>
-          <p:cNvPr id="2" name="標題 1"/>
-          <p:cNvSpPr>
-            <a:spLocks noGrp="1"/>
-          </p:cNvSpPr>
-          <p:nvPr>
-            <p:ph type="title"/>
-          </p:nvPr>
-        </p:nvSpPr>
-        <p:spPr/>
-        <p:txBody>
-          <a:bodyPr/>
-          <a:lstStyle/>
-          <a:p>
-            <a:r>
-              <a:rPr kumimoji="1" lang="en-US" altLang="zh-TW" dirty="0" smtClean="0"/>
-              <a:t>Transformation Function - 2</a:t>
-            </a:r>
-            <a:endParaRPr kumimoji="1" lang="zh-TW" altLang="en-US" dirty="0"/>
-          </a:p>
-        </p:txBody>
-      </p:sp>
-      <p:pic>
-        <p:nvPicPr>
-          <p:cNvPr id="5" name="圖片 4"/>
-          <p:cNvPicPr>
-            <a:picLocks noChangeAspect="1"/>
-          </p:cNvPicPr>
-          <p:nvPr/>
-        </p:nvPicPr>
-        <p:blipFill>
-          <a:blip r:embed="rId2">
-            <a:extLst>
-              <a:ext uri="{28A0092B-C50C-407E-A947-70E740481C1C}">
-                <a14:useLocalDpi xmlns:a14="http://schemas.microsoft.com/office/drawing/2010/main" val="0"/>
-              </a:ext>
-            </a:extLst>
-          </a:blip>
-          <a:stretch>
-            <a:fillRect/>
-          </a:stretch>
-        </p:blipFill>
-        <p:spPr>
-          <a:xfrm>
-            <a:off x="6553200" y="4406606"/>
-            <a:ext cx="5638800" cy="2349500"/>
-          </a:xfrm>
-          <a:prstGeom prst="rect">
-            <a:avLst/>
-          </a:prstGeom>
-        </p:spPr>
-      </p:pic>
-      <p:pic>
-        <p:nvPicPr>
-          <p:cNvPr id="7" name="內容版面配置區 3"/>
-          <p:cNvPicPr>
-            <a:picLocks noChangeAspect="1"/>
-          </p:cNvPicPr>
-          <p:nvPr/>
-        </p:nvPicPr>
-        <p:blipFill>
-          <a:blip r:embed="rId3">
-            <a:extLst>
-              <a:ext uri="{28A0092B-C50C-407E-A947-70E740481C1C}">
-                <a14:useLocalDpi xmlns:a14="http://schemas.microsoft.com/office/drawing/2010/main" val="0"/>
-              </a:ext>
-            </a:extLst>
-          </a:blip>
-          <a:stretch>
-            <a:fillRect/>
-          </a:stretch>
-        </p:blipFill>
-        <p:spPr>
-          <a:xfrm>
-            <a:off x="1620453" y="3463584"/>
-            <a:ext cx="4791297" cy="3292522"/>
-          </a:xfrm>
-          <a:prstGeom prst="rect">
-            <a:avLst/>
-          </a:prstGeom>
-        </p:spPr>
-      </p:pic>
-      <mc:AlternateContent xmlns:mc="http://schemas.openxmlformats.org/markup-compatibility/2006" xmlns:a14="http://schemas.microsoft.com/office/drawing/2010/main">
-        <mc:Choice Requires="a14">
-          <p:sp>
-            <p:nvSpPr>
-              <p:cNvPr id="9" name="矩形 8"/>
-              <p:cNvSpPr/>
-              <p:nvPr/>
-            </p:nvSpPr>
-            <p:spPr>
-              <a:xfrm>
-                <a:off x="1620453" y="2099516"/>
-                <a:ext cx="3960275" cy="584775"/>
-              </a:xfrm>
-              <a:prstGeom prst="rect">
-                <a:avLst/>
-              </a:prstGeom>
-            </p:spPr>
-            <p:txBody>
-              <a:bodyPr wrap="square">
-                <a:spAutoFit/>
-              </a:bodyPr>
-              <a:lstStyle/>
-              <a:p>
-                <a:pPr/>
-                <a14:m>
-                  <m:oMathPara xmlns:m="http://schemas.openxmlformats.org/officeDocument/2006/math">
-                    <m:oMathParaPr>
-                      <m:jc m:val="centerGroup"/>
-                    </m:oMathParaPr>
-                    <m:oMath xmlns:m="http://schemas.openxmlformats.org/officeDocument/2006/math">
-                      <m:d>
-                        <m:dPr>
-                          <m:ctrlPr>
-                            <a:rPr kumimoji="1" lang="en-US" altLang="zh-TW" sz="3200" i="1">
-                              <a:latin typeface="Cambria Math" charset="0"/>
-                            </a:rPr>
-                          </m:ctrlPr>
-                        </m:dPr>
-                        <m:e>
-                          <m:r>
-                            <a:rPr kumimoji="1" lang="en-US" altLang="zh-TW" sz="3200" i="1">
-                              <a:latin typeface="Cambria Math" charset="0"/>
-                            </a:rPr>
-                            <m:t>𝑎</m:t>
-                          </m:r>
-                          <m:r>
-                            <a:rPr kumimoji="1" lang="en-US" altLang="zh-TW" sz="3200" i="1">
-                              <a:latin typeface="Cambria Math" charset="0"/>
-                            </a:rPr>
-                            <m:t>, </m:t>
-                          </m:r>
-                          <m:r>
-                            <a:rPr kumimoji="1" lang="en-US" altLang="zh-TW" sz="3200" i="1">
-                              <a:latin typeface="Cambria Math" charset="0"/>
-                            </a:rPr>
-                            <m:t>𝑏</m:t>
-                          </m:r>
-                        </m:e>
-                      </m:d>
-                      <m:r>
-                        <a:rPr kumimoji="1" lang="en-US" altLang="zh-TW" sz="3200" i="1">
-                          <a:latin typeface="Cambria Math" charset="0"/>
-                        </a:rPr>
-                        <m:t>=(</m:t>
-                      </m:r>
-                      <m:sSub>
-                        <m:sSubPr>
-                          <m:ctrlPr>
-                            <a:rPr kumimoji="1" lang="en-US" altLang="zh-TW" sz="3200" i="1">
-                              <a:latin typeface="Cambria Math" charset="0"/>
-                            </a:rPr>
-                          </m:ctrlPr>
-                        </m:sSubPr>
-                        <m:e>
-                          <m:r>
-                            <a:rPr kumimoji="1" lang="en-US" altLang="zh-TW" sz="3200" i="1">
-                              <a:latin typeface="Cambria Math" charset="0"/>
-                            </a:rPr>
-                            <m:t>𝐹𝐿</m:t>
-                          </m:r>
-                        </m:e>
-                        <m:sub>
-                          <m:r>
-                            <a:rPr kumimoji="1" lang="en-US" altLang="zh-TW" sz="3200" i="1">
-                              <a:latin typeface="Cambria Math" charset="0"/>
-                            </a:rPr>
-                            <m:t>𝑚</m:t>
-                          </m:r>
-                        </m:sub>
-                      </m:sSub>
-                      <m:r>
-                        <a:rPr kumimoji="1" lang="en-US" altLang="zh-TW" sz="3200" i="1">
-                          <a:latin typeface="Cambria Math" charset="0"/>
-                        </a:rPr>
-                        <m:t>, </m:t>
-                      </m:r>
-                      <m:sSub>
-                        <m:sSubPr>
-                          <m:ctrlPr>
-                            <a:rPr kumimoji="1" lang="en-US" altLang="zh-TW" sz="3200" i="1">
-                              <a:latin typeface="Cambria Math" charset="0"/>
-                            </a:rPr>
-                          </m:ctrlPr>
-                        </m:sSubPr>
-                        <m:e>
-                          <m:r>
-                            <a:rPr kumimoji="1" lang="en-US" altLang="zh-TW" sz="3200" i="1">
-                              <a:latin typeface="Cambria Math" charset="0"/>
-                            </a:rPr>
-                            <m:t>𝐻</m:t>
-                          </m:r>
-                        </m:e>
-                        <m:sub>
-                          <m:r>
-                            <a:rPr kumimoji="1" lang="en-US" altLang="zh-TW" sz="3200" i="1">
-                              <a:latin typeface="Cambria Math" charset="0"/>
-                            </a:rPr>
-                            <m:t>𝑚</m:t>
-                          </m:r>
-                        </m:sub>
-                      </m:sSub>
-                      <m:r>
-                        <a:rPr kumimoji="1" lang="en-US" altLang="zh-TW" sz="3200" i="1">
-                          <a:latin typeface="Cambria Math" charset="0"/>
-                        </a:rPr>
-                        <m:t>)</m:t>
-                      </m:r>
-                    </m:oMath>
-                  </m:oMathPara>
-                </a14:m>
-                <a:endParaRPr kumimoji="1" lang="zh-TW" altLang="en-US" sz="3200" dirty="0"/>
-              </a:p>
-            </p:txBody>
-          </p:sp>
-        </mc:Choice>
-        <mc:Fallback xmlns="">
-          <p:sp>
-            <p:nvSpPr>
-              <p:cNvPr id="9" name="矩形 8"/>
-              <p:cNvSpPr>
-                <a:spLocks noRot="1" noChangeAspect="1" noMove="1" noResize="1" noEditPoints="1" noAdjustHandles="1" noChangeArrowheads="1" noChangeShapeType="1" noTextEdit="1"/>
-              </p:cNvSpPr>
-              <p:nvPr/>
-            </p:nvSpPr>
-            <p:spPr>
-              <a:xfrm>
-                <a:off x="1620453" y="2099516"/>
-                <a:ext cx="3960275" cy="584775"/>
-              </a:xfrm>
-              <a:prstGeom prst="rect">
-                <a:avLst/>
-              </a:prstGeom>
-              <a:blipFill rotWithShape="0">
-                <a:blip r:embed="rId4"/>
-                <a:stretch>
-                  <a:fillRect/>
-                </a:stretch>
-              </a:blipFill>
-            </p:spPr>
-            <p:txBody>
-              <a:bodyPr/>
-              <a:lstStyle/>
-              <a:p>
-                <a:r>
-                  <a:rPr lang="zh-TW" altLang="en-US">
-                    <a:noFill/>
-                  </a:rPr>
-                  <a:t> </a:t>
-                </a:r>
-              </a:p>
-            </p:txBody>
-          </p:sp>
-        </mc:Fallback>
-      </mc:AlternateContent>
-      <p:cxnSp>
-        <p:nvCxnSpPr>
-          <p:cNvPr id="10" name="直線箭頭接點 9"/>
-          <p:cNvCxnSpPr/>
-          <p:nvPr/>
-        </p:nvCxnSpPr>
-        <p:spPr>
-          <a:xfrm flipH="1">
-            <a:off x="3600590" y="4030428"/>
-            <a:ext cx="243069" cy="752355"/>
-          </a:xfrm>
-          <a:prstGeom prst="straightConnector1">
-            <a:avLst/>
-          </a:prstGeom>
-          <a:ln w="57150">
-            <a:tailEnd type="triangle"/>
-          </a:ln>
-        </p:spPr>
-        <p:style>
-          <a:lnRef idx="1">
-            <a:schemeClr val="accent1"/>
-          </a:lnRef>
-          <a:fillRef idx="0">
-            <a:schemeClr val="accent1"/>
-          </a:fillRef>
-          <a:effectRef idx="0">
-            <a:schemeClr val="accent1"/>
-          </a:effectRef>
-          <a:fontRef idx="minor">
-            <a:schemeClr val="tx1"/>
-          </a:fontRef>
-        </p:style>
-      </p:cxnSp>
-    </p:spTree>
-    <p:extLst>
-      <p:ext uri="{BB962C8B-B14F-4D97-AF65-F5344CB8AC3E}">
-        <p14:creationId xmlns:p14="http://schemas.microsoft.com/office/powerpoint/2010/main" val="1568649597"/>
-      </p:ext>
-    </p:extLst>
-  </p:cSld>
-  <p:clrMapOvr>
-    <a:masterClrMapping/>
-  </p:clrMapOvr>
-  <p:timing>
-    <p:tnLst>
-      <p:par>
-        <p:cTn id="1" dur="indefinite" restart="never" nodeType="tmRoot">
-          <p:childTnLst>
-            <p:seq concurrent="1" nextAc="seek">
-              <p:cTn id="2" dur="indefinite" nodeType="mainSeq">
-                <p:childTnLst>
-                  <p:par>
-                    <p:cTn id="3" fill="hold">
-                      <p:stCondLst>
-                        <p:cond delay="indefinite"/>
-                        <p:cond evt="onBegin" delay="0">
-                          <p:tn val="2"/>
-                        </p:cond>
-                      </p:stCondLst>
-                      <p:childTnLst>
-                        <p:par>
-                          <p:cTn id="4" fill="hold">
-                            <p:stCondLst>
-                              <p:cond delay="0"/>
-                            </p:stCondLst>
-                            <p:childTnLst>
-                              <p:par>
-                                <p:cTn id="5" presetID="6" presetClass="entr" presetSubtype="16" fill="hold" nodeType="withEffect">
-                                  <p:stCondLst>
-                                    <p:cond delay="0"/>
-                                  </p:stCondLst>
-                                  <p:childTnLst>
-                                    <p:set>
-                                      <p:cBhvr>
-                                        <p:cTn id="6" dur="1" fill="hold">
-                                          <p:stCondLst>
-                                            <p:cond delay="0"/>
-                                          </p:stCondLst>
-                                        </p:cTn>
-                                        <p:tgtEl>
-                                          <p:spTgt spid="7"/>
-                                        </p:tgtEl>
-                                        <p:attrNameLst>
-                                          <p:attrName>style.visibility</p:attrName>
-                                        </p:attrNameLst>
-                                      </p:cBhvr>
-                                      <p:to>
-                                        <p:strVal val="visible"/>
-                                      </p:to>
-                                    </p:set>
-                                    <p:animEffect transition="in" filter="circle(in)">
-                                      <p:cBhvr>
-                                        <p:cTn id="7" dur="2000"/>
-                                        <p:tgtEl>
-                                          <p:spTgt spid="7"/>
-                                        </p:tgtEl>
-                                      </p:cBhvr>
-                                    </p:animEffect>
-                                  </p:childTnLst>
-                                </p:cTn>
-                              </p:par>
-                            </p:childTnLst>
-                          </p:cTn>
-                        </p:par>
-                      </p:childTnLst>
-                    </p:cTn>
-                  </p:par>
-                </p:childTnLst>
-              </p:cTn>
-              <p:prevCondLst>
-                <p:cond evt="onPrev" delay="0">
-                  <p:tgtEl>
-                    <p:sldTgt/>
-                  </p:tgtEl>
-                </p:cond>
-              </p:prevCondLst>
-              <p:nextCondLst>
-                <p:cond evt="onNext" delay="0">
-                  <p:tgtEl>
-                    <p:sldTgt/>
-                  </p:tgtEl>
-                </p:cond>
-              </p:nextCondLst>
-            </p:seq>
-          </p:childTnLst>
-        </p:cTn>
-      </p:par>
-    </p:tnLst>
-  </p:timing>
-</p:sld>
-</file>
-
-<file path=ppt/slides/slide8.xml><?xml version="1.0" encoding="utf-8"?>
-<p:sld xmlns:a="http://schemas.openxmlformats.org/drawingml/2006/main" xmlns:r="http://schemas.openxmlformats.org/officeDocument/2006/relationships" xmlns:p="http://schemas.openxmlformats.org/presentationml/2006/main">
-  <p:cSld>
-    <p:spTree>
-      <p:nvGrpSpPr>
-        <p:cNvPr id="1" name=""/>
-        <p:cNvGrpSpPr/>
-        <p:nvPr/>
-      </p:nvGrpSpPr>
-      <p:grpSpPr>
-        <a:xfrm>
-          <a:off x="0" y="0"/>
-          <a:ext cx="0" cy="0"/>
-          <a:chOff x="0" y="0"/>
-          <a:chExt cx="0" cy="0"/>
-        </a:xfrm>
-      </p:grpSpPr>
-      <p:sp>
-        <p:nvSpPr>
-          <p:cNvPr id="2" name="標題 1"/>
-          <p:cNvSpPr>
-            <a:spLocks noGrp="1"/>
-          </p:cNvSpPr>
-          <p:nvPr>
-            <p:ph type="title"/>
-          </p:nvPr>
-        </p:nvSpPr>
-        <p:spPr/>
-        <p:txBody>
-          <a:bodyPr/>
-          <a:lstStyle/>
-          <a:p>
-            <a:r>
-              <a:rPr kumimoji="1" lang="en-US" altLang="zh-TW" dirty="0" smtClean="0"/>
-              <a:t>Grouping</a:t>
-            </a:r>
-            <a:endParaRPr kumimoji="1" lang="zh-TW" altLang="en-US" dirty="0"/>
-          </a:p>
-        </p:txBody>
-      </p:sp>
-      <p:sp>
-        <p:nvSpPr>
-          <p:cNvPr id="3" name="內容版面配置區 2"/>
-          <p:cNvSpPr>
-            <a:spLocks noGrp="1"/>
-          </p:cNvSpPr>
-          <p:nvPr>
-            <p:ph idx="1"/>
-          </p:nvPr>
-        </p:nvSpPr>
-        <p:spPr/>
-        <p:txBody>
-          <a:bodyPr/>
-          <a:lstStyle/>
-          <a:p>
-            <a:endParaRPr kumimoji="1" lang="zh-TW" altLang="en-US" dirty="0"/>
-          </a:p>
-        </p:txBody>
-      </p:sp>
-    </p:spTree>
-    <p:extLst>
-      <p:ext uri="{BB962C8B-B14F-4D97-AF65-F5344CB8AC3E}">
-        <p14:creationId xmlns:p14="http://schemas.microsoft.com/office/powerpoint/2010/main" val="1393055561"/>
-      </p:ext>
-    </p:extLst>
-  </p:cSld>
-  <p:clrMapOvr>
-    <a:masterClrMapping/>
-  </p:clrMapOvr>
-</p:sld>
-</file>
-
-<file path=ppt/slides/slide9.xml><?xml version="1.0" encoding="utf-8"?>
-<p:sld xmlns:a="http://schemas.openxmlformats.org/drawingml/2006/main" xmlns:r="http://schemas.openxmlformats.org/officeDocument/2006/relationships" xmlns:p="http://schemas.openxmlformats.org/presentationml/2006/main">
-  <p:cSld>
-    <p:spTree>
-      <p:nvGrpSpPr>
-        <p:cNvPr id="1" name=""/>
-        <p:cNvGrpSpPr/>
-        <p:nvPr/>
-      </p:nvGrpSpPr>
-      <p:grpSpPr>
-        <a:xfrm>
-          <a:off x="0" y="0"/>
-          <a:ext cx="0" cy="0"/>
-          <a:chOff x="0" y="0"/>
-          <a:chExt cx="0" cy="0"/>
-        </a:xfrm>
-      </p:grpSpPr>
-      <p:sp>
-        <p:nvSpPr>
-          <p:cNvPr id="2" name="標題 1"/>
-          <p:cNvSpPr>
-            <a:spLocks noGrp="1"/>
-          </p:cNvSpPr>
-          <p:nvPr>
-            <p:ph type="title"/>
-          </p:nvPr>
-        </p:nvSpPr>
-        <p:spPr>
-          <a:xfrm>
-            <a:off x="1948032" y="479731"/>
-            <a:ext cx="8911687" cy="1280890"/>
-          </a:xfrm>
-        </p:spPr>
-        <p:txBody>
-          <a:bodyPr>
-            <a:normAutofit/>
-          </a:bodyPr>
-          <a:lstStyle/>
-          <a:p>
-            <a:pPr algn="ctr"/>
-            <a:r>
-              <a:rPr lang="en-US" altLang="zh-TW" sz="5000" dirty="0" smtClean="0"/>
-              <a:t>It’s DEMO time</a:t>
-            </a:r>
-            <a:r>
-              <a:rPr lang="zh-TW" altLang="en-US" sz="5000" dirty="0" smtClean="0"/>
-              <a:t>！！！</a:t>
-            </a:r>
-            <a:endParaRPr lang="zh-TW" altLang="en-US" sz="5000" dirty="0"/>
-          </a:p>
-        </p:txBody>
-      </p:sp>
-      <p:pic>
-        <p:nvPicPr>
-          <p:cNvPr id="4" name="圖片 3"/>
-          <p:cNvPicPr>
-            <a:picLocks noChangeAspect="1"/>
-          </p:cNvPicPr>
-          <p:nvPr/>
-        </p:nvPicPr>
-        <p:blipFill>
-          <a:blip r:embed="rId2">
-            <a:extLst>
-              <a:ext uri="{28A0092B-C50C-407E-A947-70E740481C1C}">
-                <a14:useLocalDpi xmlns:a14="http://schemas.microsoft.com/office/drawing/2010/main" val="0"/>
-              </a:ext>
-            </a:extLst>
-          </a:blip>
-          <a:stretch>
-            <a:fillRect/>
-          </a:stretch>
-        </p:blipFill>
-        <p:spPr>
-          <a:xfrm>
-            <a:off x="3459480" y="1475874"/>
-            <a:ext cx="4981876" cy="4981876"/>
-          </a:xfrm>
-          <a:prstGeom prst="rect">
-            <a:avLst/>
-          </a:prstGeom>
-        </p:spPr>
-      </p:pic>
-    </p:spTree>
-    <p:extLst>
-      <p:ext uri="{BB962C8B-B14F-4D97-AF65-F5344CB8AC3E}">
-        <p14:creationId xmlns:p14="http://schemas.microsoft.com/office/powerpoint/2010/main" val="1364361242"/>
-      </p:ext>
-    </p:extLst>
-  </p:cSld>
-  <p:clrMapOvr>
-    <a:masterClrMapping/>
-  </p:clrMapOvr>
-  <p:timing>
-    <p:tnLst>
-      <p:par>
-        <p:cTn id="1" dur="indefinite" restart="never" nodeType="tmRoot"/>
       </p:par>
     </p:tnLst>
   </p:timing>

--- a/DIP – Final Project.pptx
+++ b/DIP – Final Project.pptx
@@ -5,7 +5,7 @@
     <p:sldMasterId id="2147483660" r:id="rId1"/>
   </p:sldMasterIdLst>
   <p:notesMasterIdLst>
-    <p:notesMasterId r:id="rId15"/>
+    <p:notesMasterId r:id="rId16"/>
   </p:notesMasterIdLst>
   <p:sldIdLst>
     <p:sldId id="256" r:id="rId2"/>
@@ -19,8 +19,9 @@
     <p:sldId id="261" r:id="rId10"/>
     <p:sldId id="263" r:id="rId11"/>
     <p:sldId id="264" r:id="rId12"/>
-    <p:sldId id="260" r:id="rId13"/>
-    <p:sldId id="268" r:id="rId14"/>
+    <p:sldId id="270" r:id="rId13"/>
+    <p:sldId id="260" r:id="rId14"/>
+    <p:sldId id="268" r:id="rId15"/>
   </p:sldIdLst>
   <p:sldSz cx="12192000" cy="6858000"/>
   <p:notesSz cx="6858000" cy="9144000"/>
@@ -8202,11 +8203,7 @@
           <a:p>
             <a:r>
               <a:rPr lang="en-US" altLang="zh-TW" sz="4000" dirty="0"/>
-              <a:t>Tr</a:t>
-            </a:r>
-            <a:r>
-              <a:rPr lang="en-US" altLang="zh-TW" sz="4000" dirty="0"/>
-              <a:t>ansformation Function - 2</a:t>
+              <a:t>Transformation Function - 2</a:t>
             </a:r>
             <a:endParaRPr lang="zh-TW" altLang="en-US" sz="4000" dirty="0"/>
           </a:p>
@@ -8234,7 +8231,7 @@
         </p:blipFill>
         <p:spPr>
           <a:xfrm>
-            <a:off x="6553200" y="4406606"/>
+            <a:off x="6553200" y="4030428"/>
             <a:ext cx="5638800" cy="2349500"/>
           </a:xfrm>
           <a:prstGeom prst="rect">
@@ -8264,7 +8261,7 @@
         </p:blipFill>
         <p:spPr>
           <a:xfrm>
-            <a:off x="1620453" y="3463584"/>
+            <a:off x="1326475" y="3353525"/>
             <a:ext cx="4791297" cy="3292522"/>
           </a:xfrm>
           <a:prstGeom prst="rect">
@@ -8454,7 +8451,7 @@
         </p:nvCxnSpPr>
         <p:spPr>
           <a:xfrm flipH="1">
-            <a:off x="3600590" y="4030428"/>
+            <a:off x="3282538" y="3871402"/>
             <a:ext cx="243069" cy="752355"/>
           </a:xfrm>
           <a:prstGeom prst="straightConnector1">
@@ -8492,6 +8489,489 @@
   <p:timing>
     <p:tnLst>
       <p:par>
+        <p:cTn id="1" dur="indefinite" restart="never" nodeType="tmRoot"/>
+      </p:par>
+    </p:tnLst>
+  </p:timing>
+</p:sld>
+</file>
+
+<file path=ppt/slides/slide11.xml><?xml version="1.0" encoding="utf-8"?>
+<p:sld xmlns:a="http://schemas.openxmlformats.org/drawingml/2006/main" xmlns:r="http://schemas.openxmlformats.org/officeDocument/2006/relationships" xmlns:p="http://schemas.openxmlformats.org/presentationml/2006/main">
+  <p:cSld>
+    <p:spTree>
+      <p:nvGrpSpPr>
+        <p:cNvPr id="1" name=""/>
+        <p:cNvGrpSpPr/>
+        <p:nvPr/>
+      </p:nvGrpSpPr>
+      <p:grpSpPr>
+        <a:xfrm>
+          <a:off x="0" y="0"/>
+          <a:ext cx="0" cy="0"/>
+          <a:chOff x="0" y="0"/>
+          <a:chExt cx="0" cy="0"/>
+        </a:xfrm>
+      </p:grpSpPr>
+      <p:sp>
+        <p:nvSpPr>
+          <p:cNvPr id="2" name="標題 1"/>
+          <p:cNvSpPr>
+            <a:spLocks noGrp="1"/>
+          </p:cNvSpPr>
+          <p:nvPr>
+            <p:ph type="title"/>
+          </p:nvPr>
+        </p:nvSpPr>
+        <p:spPr>
+          <a:xfrm>
+            <a:off x="8004048" y="4119164"/>
+            <a:ext cx="4187952" cy="2347921"/>
+          </a:xfrm>
+        </p:spPr>
+        <p:txBody>
+          <a:bodyPr>
+            <a:normAutofit fontScale="90000"/>
+          </a:bodyPr>
+          <a:lstStyle/>
+          <a:p>
+            <a:r>
+              <a:rPr lang="en-US" altLang="zh-TW" sz="4000" dirty="0"/>
+              <a:t>Threshold= 0.0022</a:t>
+            </a:r>
+            <a:br>
+              <a:rPr lang="en-US" altLang="zh-TW" sz="4000" dirty="0"/>
+            </a:br>
+            <a:r>
+              <a:rPr lang="en-US" altLang="zh-TW" sz="4000" dirty="0"/>
+              <a:t>Lm =  7.6984</a:t>
+            </a:r>
+            <a:r>
+              <a:rPr lang="en-US" altLang="zh-TW" sz="4000" dirty="0" smtClean="0"/>
+              <a:t/>
+            </a:r>
+            <a:br>
+              <a:rPr lang="en-US" altLang="zh-TW" sz="4000" dirty="0" smtClean="0"/>
+            </a:br>
+            <a:r>
+              <a:rPr lang="en-US" altLang="zh-TW" sz="4000" dirty="0" err="1" smtClean="0"/>
+              <a:t>Hm</a:t>
+            </a:r>
+            <a:r>
+              <a:rPr lang="en-US" altLang="zh-TW" sz="4000" dirty="0" smtClean="0"/>
+              <a:t> =</a:t>
+            </a:r>
+            <a:r>
+              <a:rPr lang="en-US" altLang="zh-TW" sz="4000" dirty="0"/>
+              <a:t>122.6605</a:t>
+            </a:r>
+            <a:r>
+              <a:rPr lang="en-US" altLang="zh-TW" sz="4000" dirty="0" smtClean="0"/>
+              <a:t/>
+            </a:r>
+            <a:br>
+              <a:rPr lang="en-US" altLang="zh-TW" sz="4000" dirty="0" smtClean="0"/>
+            </a:br>
+            <a:r>
+              <a:rPr lang="en-US" altLang="zh-TW" sz="4000" dirty="0" err="1" smtClean="0"/>
+              <a:t>FLm</a:t>
+            </a:r>
+            <a:r>
+              <a:rPr lang="en-US" altLang="zh-TW" sz="4000" dirty="0"/>
+              <a:t> =12.3142</a:t>
+            </a:r>
+            <a:endParaRPr lang="zh-TW" altLang="en-US" sz="4000" dirty="0"/>
+          </a:p>
+        </p:txBody>
+      </p:sp>
+      <p:pic>
+        <p:nvPicPr>
+          <p:cNvPr id="4" name="內容版面配置區 3"/>
+          <p:cNvPicPr>
+            <a:picLocks noGrp="1" noChangeAspect="1"/>
+          </p:cNvPicPr>
+          <p:nvPr>
+            <p:ph idx="1"/>
+          </p:nvPr>
+        </p:nvPicPr>
+        <p:blipFill>
+          <a:blip r:embed="rId2">
+            <a:clrChange>
+              <a:clrFrom>
+                <a:srgbClr val="FFFFFF"/>
+              </a:clrFrom>
+              <a:clrTo>
+                <a:srgbClr val="FFFFFF">
+                  <a:alpha val="0"/>
+                </a:srgbClr>
+              </a:clrTo>
+            </a:clrChange>
+            <a:extLst>
+              <a:ext uri="{28A0092B-C50C-407E-A947-70E740481C1C}">
+                <a14:useLocalDpi xmlns:a14="http://schemas.microsoft.com/office/drawing/2010/main" val="0"/>
+              </a:ext>
+            </a:extLst>
+          </a:blip>
+          <a:stretch>
+            <a:fillRect/>
+          </a:stretch>
+        </p:blipFill>
+        <p:spPr>
+          <a:xfrm>
+            <a:off x="1149137" y="1512372"/>
+            <a:ext cx="6963861" cy="5213585"/>
+          </a:xfrm>
+        </p:spPr>
+      </p:pic>
+      <p:sp>
+        <p:nvSpPr>
+          <p:cNvPr id="5" name="標題 1"/>
+          <p:cNvSpPr txBox="1">
+            <a:spLocks/>
+          </p:cNvSpPr>
+          <p:nvPr/>
+        </p:nvSpPr>
+        <p:spPr>
+          <a:xfrm>
+            <a:off x="2151767" y="632131"/>
+            <a:ext cx="8911687" cy="1280890"/>
+          </a:xfrm>
+          <a:prstGeom prst="rect">
+            <a:avLst/>
+          </a:prstGeom>
+        </p:spPr>
+        <p:txBody>
+          <a:bodyPr vert="horz" lIns="91440" tIns="45720" rIns="91440" bIns="45720" rtlCol="0" anchor="t">
+            <a:normAutofit/>
+          </a:bodyPr>
+          <a:lstStyle>
+            <a:lvl1pPr algn="l" defTabSz="457200" rtl="0" eaLnBrk="1" latinLnBrk="0" hangingPunct="1">
+              <a:spcBef>
+                <a:spcPct val="0"/>
+              </a:spcBef>
+              <a:buNone/>
+              <a:defRPr sz="3600" kern="1200">
+                <a:solidFill>
+                  <a:schemeClr val="tx1">
+                    <a:lumMod val="85000"/>
+                    <a:lumOff val="15000"/>
+                  </a:schemeClr>
+                </a:solidFill>
+                <a:latin typeface="+mj-lt"/>
+                <a:ea typeface="+mj-ea"/>
+                <a:cs typeface="+mj-cs"/>
+              </a:defRPr>
+            </a:lvl1pPr>
+            <a:lvl2pPr eaLnBrk="1" hangingPunct="1">
+              <a:defRPr>
+                <a:solidFill>
+                  <a:schemeClr val="tx2"/>
+                </a:solidFill>
+              </a:defRPr>
+            </a:lvl2pPr>
+            <a:lvl3pPr eaLnBrk="1" hangingPunct="1">
+              <a:defRPr>
+                <a:solidFill>
+                  <a:schemeClr val="tx2"/>
+                </a:solidFill>
+              </a:defRPr>
+            </a:lvl3pPr>
+            <a:lvl4pPr eaLnBrk="1" hangingPunct="1">
+              <a:defRPr>
+                <a:solidFill>
+                  <a:schemeClr val="tx2"/>
+                </a:solidFill>
+              </a:defRPr>
+            </a:lvl4pPr>
+            <a:lvl5pPr eaLnBrk="1" hangingPunct="1">
+              <a:defRPr>
+                <a:solidFill>
+                  <a:schemeClr val="tx2"/>
+                </a:solidFill>
+              </a:defRPr>
+            </a:lvl5pPr>
+            <a:lvl6pPr eaLnBrk="1" hangingPunct="1">
+              <a:defRPr>
+                <a:solidFill>
+                  <a:schemeClr val="tx2"/>
+                </a:solidFill>
+              </a:defRPr>
+            </a:lvl6pPr>
+            <a:lvl7pPr eaLnBrk="1" hangingPunct="1">
+              <a:defRPr>
+                <a:solidFill>
+                  <a:schemeClr val="tx2"/>
+                </a:solidFill>
+              </a:defRPr>
+            </a:lvl7pPr>
+            <a:lvl8pPr eaLnBrk="1" hangingPunct="1">
+              <a:defRPr>
+                <a:solidFill>
+                  <a:schemeClr val="tx2"/>
+                </a:solidFill>
+              </a:defRPr>
+            </a:lvl8pPr>
+            <a:lvl9pPr eaLnBrk="1" hangingPunct="1">
+              <a:defRPr>
+                <a:solidFill>
+                  <a:schemeClr val="tx2"/>
+                </a:solidFill>
+              </a:defRPr>
+            </a:lvl9pPr>
+          </a:lstStyle>
+          <a:p>
+            <a:r>
+              <a:rPr lang="en-US" altLang="zh-TW" sz="4000" dirty="0" smtClean="0"/>
+              <a:t>Grouping</a:t>
+            </a:r>
+            <a:endParaRPr lang="zh-TW" altLang="en-US" sz="4000" dirty="0"/>
+          </a:p>
+        </p:txBody>
+      </p:sp>
+    </p:spTree>
+    <p:extLst>
+      <p:ext uri="{BB962C8B-B14F-4D97-AF65-F5344CB8AC3E}">
+        <p14:creationId xmlns:p14="http://schemas.microsoft.com/office/powerpoint/2010/main" val="1393055561"/>
+      </p:ext>
+    </p:extLst>
+  </p:cSld>
+  <p:clrMapOvr>
+    <a:masterClrMapping/>
+  </p:clrMapOvr>
+  <p:timing>
+    <p:tnLst>
+      <p:par>
+        <p:cTn id="1" dur="indefinite" restart="never" nodeType="tmRoot"/>
+      </p:par>
+    </p:tnLst>
+  </p:timing>
+</p:sld>
+</file>
+
+<file path=ppt/slides/slide12.xml><?xml version="1.0" encoding="utf-8"?>
+<p:sld xmlns:a="http://schemas.openxmlformats.org/drawingml/2006/main" xmlns:r="http://schemas.openxmlformats.org/officeDocument/2006/relationships" xmlns:p="http://schemas.openxmlformats.org/presentationml/2006/main">
+  <p:cSld>
+    <p:spTree>
+      <p:nvGrpSpPr>
+        <p:cNvPr id="1" name=""/>
+        <p:cNvGrpSpPr/>
+        <p:nvPr/>
+      </p:nvGrpSpPr>
+      <p:grpSpPr>
+        <a:xfrm>
+          <a:off x="0" y="0"/>
+          <a:ext cx="0" cy="0"/>
+          <a:chOff x="0" y="0"/>
+          <a:chExt cx="0" cy="0"/>
+        </a:xfrm>
+      </p:grpSpPr>
+      <p:sp>
+        <p:nvSpPr>
+          <p:cNvPr id="2" name="標題 1"/>
+          <p:cNvSpPr>
+            <a:spLocks noGrp="1"/>
+          </p:cNvSpPr>
+          <p:nvPr>
+            <p:ph type="title"/>
+          </p:nvPr>
+        </p:nvSpPr>
+        <p:spPr/>
+        <p:txBody>
+          <a:bodyPr/>
+          <a:lstStyle/>
+          <a:p>
+            <a:r>
+              <a:rPr lang="en-US" altLang="zh-TW" dirty="0"/>
+              <a:t>Grouping</a:t>
+            </a:r>
+            <a:r>
+              <a:rPr lang="zh-TW" altLang="en-US" dirty="0"/>
+              <a:t/>
+            </a:r>
+            <a:br>
+              <a:rPr lang="zh-TW" altLang="en-US" dirty="0"/>
+            </a:br>
+            <a:endParaRPr lang="zh-TW" altLang="en-US" dirty="0"/>
+          </a:p>
+        </p:txBody>
+      </p:sp>
+      <p:sp>
+        <p:nvSpPr>
+          <p:cNvPr id="3" name="內容版面配置區 2"/>
+          <p:cNvSpPr>
+            <a:spLocks noGrp="1"/>
+          </p:cNvSpPr>
+          <p:nvPr>
+            <p:ph idx="1"/>
+          </p:nvPr>
+        </p:nvSpPr>
+        <p:spPr>
+          <a:xfrm>
+            <a:off x="1610804" y="1685544"/>
+            <a:ext cx="8915400" cy="3777622"/>
+          </a:xfrm>
+        </p:spPr>
+        <p:txBody>
+          <a:bodyPr>
+            <a:normAutofit/>
+          </a:bodyPr>
+          <a:lstStyle/>
+          <a:p>
+            <a:r>
+              <a:rPr lang="zh-TW" altLang="en-US" sz="3600" dirty="0" smtClean="0"/>
+              <a:t>規則</a:t>
+            </a:r>
+            <a:r>
+              <a:rPr lang="en-US" altLang="zh-TW" sz="3600" dirty="0" smtClean="0"/>
+              <a:t>:</a:t>
+            </a:r>
+          </a:p>
+          <a:p>
+            <a:pPr lvl="1"/>
+            <a:r>
+              <a:rPr lang="en-US" altLang="zh-TW" sz="3400" dirty="0" smtClean="0"/>
+              <a:t>(start, end) </a:t>
+            </a:r>
+            <a:r>
+              <a:rPr lang="zh-TW" altLang="en-US" sz="3400" dirty="0" smtClean="0"/>
+              <a:t>組數不能太多</a:t>
+            </a:r>
+            <a:r>
+              <a:rPr lang="en-US" altLang="zh-TW" sz="3400" dirty="0" smtClean="0"/>
+              <a:t>(2~3</a:t>
+            </a:r>
+            <a:r>
+              <a:rPr lang="zh-TW" altLang="en-US" sz="3400" dirty="0" smtClean="0"/>
+              <a:t>組</a:t>
+            </a:r>
+            <a:r>
+              <a:rPr lang="en-US" altLang="zh-TW" sz="3400" dirty="0" smtClean="0"/>
+              <a:t>)</a:t>
+            </a:r>
+          </a:p>
+          <a:p>
+            <a:pPr lvl="1"/>
+            <a:r>
+              <a:rPr lang="zh-TW" altLang="en-US" sz="3400" dirty="0" smtClean="0"/>
+              <a:t>組不能太小</a:t>
+            </a:r>
+            <a:endParaRPr lang="en-US" altLang="zh-TW" sz="3400" dirty="0" smtClean="0"/>
+          </a:p>
+          <a:p>
+            <a:pPr lvl="1"/>
+            <a:r>
+              <a:rPr lang="zh-TW" altLang="en-US" sz="3400" dirty="0" smtClean="0"/>
+              <a:t>組之間不能太近</a:t>
+            </a:r>
+            <a:endParaRPr lang="zh-TW" altLang="en-US" sz="3400" dirty="0"/>
+          </a:p>
+        </p:txBody>
+      </p:sp>
+      <p:pic>
+        <p:nvPicPr>
+          <p:cNvPr id="4" name="圖片 3"/>
+          <p:cNvPicPr>
+            <a:picLocks noChangeAspect="1"/>
+          </p:cNvPicPr>
+          <p:nvPr/>
+        </p:nvPicPr>
+        <p:blipFill rotWithShape="1">
+          <a:blip r:embed="rId2">
+            <a:extLst>
+              <a:ext uri="{28A0092B-C50C-407E-A947-70E740481C1C}">
+                <a14:useLocalDpi xmlns:a14="http://schemas.microsoft.com/office/drawing/2010/main" val="0"/>
+              </a:ext>
+            </a:extLst>
+          </a:blip>
+          <a:srcRect l="31840" t="50343" r="41072" b="6176"/>
+          <a:stretch/>
+        </p:blipFill>
+        <p:spPr>
+          <a:xfrm>
+            <a:off x="6790880" y="3655361"/>
+            <a:ext cx="2386584" cy="2868088"/>
+          </a:xfrm>
+          <a:prstGeom prst="rect">
+            <a:avLst/>
+          </a:prstGeom>
+        </p:spPr>
+      </p:pic>
+      <p:pic>
+        <p:nvPicPr>
+          <p:cNvPr id="5" name="圖片 4"/>
+          <p:cNvPicPr>
+            <a:picLocks noChangeAspect="1"/>
+          </p:cNvPicPr>
+          <p:nvPr/>
+        </p:nvPicPr>
+        <p:blipFill rotWithShape="1">
+          <a:blip r:embed="rId3">
+            <a:extLst>
+              <a:ext uri="{28A0092B-C50C-407E-A947-70E740481C1C}">
+                <a14:useLocalDpi xmlns:a14="http://schemas.microsoft.com/office/drawing/2010/main" val="0"/>
+              </a:ext>
+            </a:extLst>
+          </a:blip>
+          <a:srcRect l="12752" t="58914" r="27355" b="1"/>
+          <a:stretch/>
+        </p:blipFill>
+        <p:spPr>
+          <a:xfrm>
+            <a:off x="2441448" y="4760943"/>
+            <a:ext cx="3200400" cy="1643634"/>
+          </a:xfrm>
+          <a:prstGeom prst="rect">
+            <a:avLst/>
+          </a:prstGeom>
+        </p:spPr>
+      </p:pic>
+      <p:cxnSp>
+        <p:nvCxnSpPr>
+          <p:cNvPr id="7" name="直線單箭頭接點 6"/>
+          <p:cNvCxnSpPr/>
+          <p:nvPr/>
+        </p:nvCxnSpPr>
+        <p:spPr>
+          <a:xfrm>
+            <a:off x="3291840" y="5724144"/>
+            <a:ext cx="1490472" cy="18288"/>
+          </a:xfrm>
+          <a:prstGeom prst="straightConnector1">
+            <a:avLst/>
+          </a:prstGeom>
+          <a:ln>
+            <a:headEnd type="triangle"/>
+            <a:tailEnd type="triangle"/>
+          </a:ln>
+        </p:spPr>
+        <p:style>
+          <a:lnRef idx="3">
+            <a:schemeClr val="accent1"/>
+          </a:lnRef>
+          <a:fillRef idx="0">
+            <a:schemeClr val="accent1"/>
+          </a:fillRef>
+          <a:effectRef idx="2">
+            <a:schemeClr val="accent1"/>
+          </a:effectRef>
+          <a:fontRef idx="minor">
+            <a:schemeClr val="tx1"/>
+          </a:fontRef>
+        </p:style>
+      </p:cxnSp>
+    </p:spTree>
+    <p:extLst>
+      <p:ext uri="{BB962C8B-B14F-4D97-AF65-F5344CB8AC3E}">
+        <p14:creationId xmlns:p14="http://schemas.microsoft.com/office/powerpoint/2010/main" val="3913221022"/>
+      </p:ext>
+    </p:extLst>
+  </p:cSld>
+  <p:clrMapOvr>
+    <a:masterClrMapping/>
+  </p:clrMapOvr>
+  <p:timing>
+    <p:tnLst>
+      <p:par>
         <p:cTn id="1" dur="indefinite" restart="never" nodeType="tmRoot">
           <p:childTnLst>
             <p:seq concurrent="1" nextAc="seek">
@@ -8501,9 +8981,6 @@
                     <p:cTn id="3" fill="hold">
                       <p:stCondLst>
                         <p:cond delay="indefinite"/>
-                        <p:cond evt="onBegin" delay="0">
-                          <p:tn val="2"/>
-                        </p:cond>
                       </p:stCondLst>
                       <p:childTnLst>
                         <p:par>
@@ -8513,7 +8990,7 @@
                             </p:stCondLst>
                             <p:childTnLst>
                               <p:par>
-                                <p:cTn id="5" presetID="6" presetClass="entr" presetSubtype="16" fill="hold" nodeType="withEffect">
+                                <p:cTn id="5" presetID="10" presetClass="entr" presetSubtype="0" fill="hold" nodeType="clickEffect">
                                   <p:stCondLst>
                                     <p:cond delay="0"/>
                                   </p:stCondLst>
@@ -8521,6 +8998,241 @@
                                     <p:set>
                                       <p:cBhvr>
                                         <p:cTn id="6" dur="1" fill="hold">
+                                          <p:stCondLst>
+                                            <p:cond delay="0"/>
+                                          </p:stCondLst>
+                                        </p:cTn>
+                                        <p:tgtEl>
+                                          <p:spTgt spid="3">
+                                            <p:txEl>
+                                              <p:pRg st="1" end="1"/>
+                                            </p:txEl>
+                                          </p:spTgt>
+                                        </p:tgtEl>
+                                        <p:attrNameLst>
+                                          <p:attrName>style.visibility</p:attrName>
+                                        </p:attrNameLst>
+                                      </p:cBhvr>
+                                      <p:to>
+                                        <p:strVal val="visible"/>
+                                      </p:to>
+                                    </p:set>
+                                    <p:animEffect transition="in" filter="fade">
+                                      <p:cBhvr>
+                                        <p:cTn id="7" dur="500"/>
+                                        <p:tgtEl>
+                                          <p:spTgt spid="3">
+                                            <p:txEl>
+                                              <p:pRg st="1" end="1"/>
+                                            </p:txEl>
+                                          </p:spTgt>
+                                        </p:tgtEl>
+                                      </p:cBhvr>
+                                    </p:animEffect>
+                                  </p:childTnLst>
+                                </p:cTn>
+                              </p:par>
+                            </p:childTnLst>
+                          </p:cTn>
+                        </p:par>
+                      </p:childTnLst>
+                    </p:cTn>
+                  </p:par>
+                  <p:par>
+                    <p:cTn id="8" fill="hold">
+                      <p:stCondLst>
+                        <p:cond delay="indefinite"/>
+                      </p:stCondLst>
+                      <p:childTnLst>
+                        <p:par>
+                          <p:cTn id="9" fill="hold">
+                            <p:stCondLst>
+                              <p:cond delay="0"/>
+                            </p:stCondLst>
+                            <p:childTnLst>
+                              <p:par>
+                                <p:cTn id="10" presetID="10" presetClass="entr" presetSubtype="0" fill="hold" nodeType="clickEffect">
+                                  <p:stCondLst>
+                                    <p:cond delay="0"/>
+                                  </p:stCondLst>
+                                  <p:childTnLst>
+                                    <p:set>
+                                      <p:cBhvr>
+                                        <p:cTn id="11" dur="1" fill="hold">
+                                          <p:stCondLst>
+                                            <p:cond delay="0"/>
+                                          </p:stCondLst>
+                                        </p:cTn>
+                                        <p:tgtEl>
+                                          <p:spTgt spid="3">
+                                            <p:txEl>
+                                              <p:pRg st="2" end="2"/>
+                                            </p:txEl>
+                                          </p:spTgt>
+                                        </p:tgtEl>
+                                        <p:attrNameLst>
+                                          <p:attrName>style.visibility</p:attrName>
+                                        </p:attrNameLst>
+                                      </p:cBhvr>
+                                      <p:to>
+                                        <p:strVal val="visible"/>
+                                      </p:to>
+                                    </p:set>
+                                    <p:animEffect transition="in" filter="fade">
+                                      <p:cBhvr>
+                                        <p:cTn id="12" dur="500"/>
+                                        <p:tgtEl>
+                                          <p:spTgt spid="3">
+                                            <p:txEl>
+                                              <p:pRg st="2" end="2"/>
+                                            </p:txEl>
+                                          </p:spTgt>
+                                        </p:tgtEl>
+                                      </p:cBhvr>
+                                    </p:animEffect>
+                                  </p:childTnLst>
+                                </p:cTn>
+                              </p:par>
+                              <p:par>
+                                <p:cTn id="13" presetID="22" presetClass="entr" presetSubtype="4" fill="hold" nodeType="withEffect">
+                                  <p:stCondLst>
+                                    <p:cond delay="0"/>
+                                  </p:stCondLst>
+                                  <p:childTnLst>
+                                    <p:set>
+                                      <p:cBhvr>
+                                        <p:cTn id="14" dur="1" fill="hold">
+                                          <p:stCondLst>
+                                            <p:cond delay="0"/>
+                                          </p:stCondLst>
+                                        </p:cTn>
+                                        <p:tgtEl>
+                                          <p:spTgt spid="4"/>
+                                        </p:tgtEl>
+                                        <p:attrNameLst>
+                                          <p:attrName>style.visibility</p:attrName>
+                                        </p:attrNameLst>
+                                      </p:cBhvr>
+                                      <p:to>
+                                        <p:strVal val="visible"/>
+                                      </p:to>
+                                    </p:set>
+                                    <p:animEffect transition="in" filter="wipe(down)">
+                                      <p:cBhvr>
+                                        <p:cTn id="15" dur="500"/>
+                                        <p:tgtEl>
+                                          <p:spTgt spid="4"/>
+                                        </p:tgtEl>
+                                      </p:cBhvr>
+                                    </p:animEffect>
+                                  </p:childTnLst>
+                                </p:cTn>
+                              </p:par>
+                            </p:childTnLst>
+                          </p:cTn>
+                        </p:par>
+                      </p:childTnLst>
+                    </p:cTn>
+                  </p:par>
+                  <p:par>
+                    <p:cTn id="16" fill="hold">
+                      <p:stCondLst>
+                        <p:cond delay="indefinite"/>
+                      </p:stCondLst>
+                      <p:childTnLst>
+                        <p:par>
+                          <p:cTn id="17" fill="hold">
+                            <p:stCondLst>
+                              <p:cond delay="0"/>
+                            </p:stCondLst>
+                            <p:childTnLst>
+                              <p:par>
+                                <p:cTn id="18" presetID="10" presetClass="entr" presetSubtype="0" fill="hold" nodeType="clickEffect">
+                                  <p:stCondLst>
+                                    <p:cond delay="0"/>
+                                  </p:stCondLst>
+                                  <p:childTnLst>
+                                    <p:set>
+                                      <p:cBhvr>
+                                        <p:cTn id="19" dur="1" fill="hold">
+                                          <p:stCondLst>
+                                            <p:cond delay="0"/>
+                                          </p:stCondLst>
+                                        </p:cTn>
+                                        <p:tgtEl>
+                                          <p:spTgt spid="3">
+                                            <p:txEl>
+                                              <p:pRg st="3" end="3"/>
+                                            </p:txEl>
+                                          </p:spTgt>
+                                        </p:tgtEl>
+                                        <p:attrNameLst>
+                                          <p:attrName>style.visibility</p:attrName>
+                                        </p:attrNameLst>
+                                      </p:cBhvr>
+                                      <p:to>
+                                        <p:strVal val="visible"/>
+                                      </p:to>
+                                    </p:set>
+                                    <p:animEffect transition="in" filter="fade">
+                                      <p:cBhvr>
+                                        <p:cTn id="20" dur="500"/>
+                                        <p:tgtEl>
+                                          <p:spTgt spid="3">
+                                            <p:txEl>
+                                              <p:pRg st="3" end="3"/>
+                                            </p:txEl>
+                                          </p:spTgt>
+                                        </p:tgtEl>
+                                      </p:cBhvr>
+                                    </p:animEffect>
+                                  </p:childTnLst>
+                                </p:cTn>
+                              </p:par>
+                              <p:par>
+                                <p:cTn id="21" presetID="10" presetClass="entr" presetSubtype="0" fill="hold" nodeType="withEffect">
+                                  <p:stCondLst>
+                                    <p:cond delay="0"/>
+                                  </p:stCondLst>
+                                  <p:childTnLst>
+                                    <p:set>
+                                      <p:cBhvr>
+                                        <p:cTn id="22" dur="1" fill="hold">
+                                          <p:stCondLst>
+                                            <p:cond delay="0"/>
+                                          </p:stCondLst>
+                                        </p:cTn>
+                                        <p:tgtEl>
+                                          <p:spTgt spid="5"/>
+                                        </p:tgtEl>
+                                        <p:attrNameLst>
+                                          <p:attrName>style.visibility</p:attrName>
+                                        </p:attrNameLst>
+                                      </p:cBhvr>
+                                      <p:to>
+                                        <p:strVal val="visible"/>
+                                      </p:to>
+                                    </p:set>
+                                    <p:animEffect transition="in" filter="fade">
+                                      <p:cBhvr>
+                                        <p:cTn id="23" dur="500"/>
+                                        <p:tgtEl>
+                                          <p:spTgt spid="5"/>
+                                        </p:tgtEl>
+                                      </p:cBhvr>
+                                    </p:animEffect>
+                                  </p:childTnLst>
+                                </p:cTn>
+                              </p:par>
+                              <p:par>
+                                <p:cTn id="24" presetID="10" presetClass="entr" presetSubtype="0" fill="hold" nodeType="withEffect">
+                                  <p:stCondLst>
+                                    <p:cond delay="0"/>
+                                  </p:stCondLst>
+                                  <p:childTnLst>
+                                    <p:set>
+                                      <p:cBhvr>
+                                        <p:cTn id="25" dur="1" fill="hold">
                                           <p:stCondLst>
                                             <p:cond delay="0"/>
                                           </p:stCondLst>
@@ -8536,9 +9248,9 @@
                                         <p:strVal val="visible"/>
                                       </p:to>
                                     </p:set>
-                                    <p:animEffect transition="in" filter="circle(in)">
+                                    <p:animEffect transition="in" filter="fade">
                                       <p:cBhvr>
-                                        <p:cTn id="7" dur="2000"/>
+                                        <p:cTn id="26" dur="500"/>
                                         <p:tgtEl>
                                           <p:spTgt spid="7"/>
                                         </p:tgtEl>
@@ -8578,81 +9290,7 @@
 </p:sld>
 </file>
 
-<file path=ppt/slides/slide11.xml><?xml version="1.0" encoding="utf-8"?>
-<p:sld xmlns:a="http://schemas.openxmlformats.org/drawingml/2006/main" xmlns:r="http://schemas.openxmlformats.org/officeDocument/2006/relationships" xmlns:p="http://schemas.openxmlformats.org/presentationml/2006/main">
-  <p:cSld>
-    <p:spTree>
-      <p:nvGrpSpPr>
-        <p:cNvPr id="1" name=""/>
-        <p:cNvGrpSpPr/>
-        <p:nvPr/>
-      </p:nvGrpSpPr>
-      <p:grpSpPr>
-        <a:xfrm>
-          <a:off x="0" y="0"/>
-          <a:ext cx="0" cy="0"/>
-          <a:chOff x="0" y="0"/>
-          <a:chExt cx="0" cy="0"/>
-        </a:xfrm>
-      </p:grpSpPr>
-      <p:sp>
-        <p:nvSpPr>
-          <p:cNvPr id="2" name="標題 1"/>
-          <p:cNvSpPr>
-            <a:spLocks noGrp="1"/>
-          </p:cNvSpPr>
-          <p:nvPr>
-            <p:ph type="title"/>
-          </p:nvPr>
-        </p:nvSpPr>
-        <p:spPr/>
-        <p:txBody>
-          <a:bodyPr>
-            <a:normAutofit/>
-          </a:bodyPr>
-          <a:lstStyle/>
-          <a:p>
-            <a:r>
-              <a:rPr lang="en-US" altLang="zh-TW" sz="4000" dirty="0"/>
-              <a:t>Grouping</a:t>
-            </a:r>
-            <a:endParaRPr lang="zh-TW" altLang="en-US" sz="4000" dirty="0"/>
-          </a:p>
-        </p:txBody>
-      </p:sp>
-      <p:sp>
-        <p:nvSpPr>
-          <p:cNvPr id="3" name="內容版面配置區 2"/>
-          <p:cNvSpPr>
-            <a:spLocks noGrp="1"/>
-          </p:cNvSpPr>
-          <p:nvPr>
-            <p:ph idx="1"/>
-          </p:nvPr>
-        </p:nvSpPr>
-        <p:spPr/>
-        <p:txBody>
-          <a:bodyPr/>
-          <a:lstStyle/>
-          <a:p>
-            <a:endParaRPr kumimoji="1" lang="zh-TW" altLang="en-US" dirty="0"/>
-          </a:p>
-        </p:txBody>
-      </p:sp>
-    </p:spTree>
-    <p:extLst>
-      <p:ext uri="{BB962C8B-B14F-4D97-AF65-F5344CB8AC3E}">
-        <p14:creationId xmlns:p14="http://schemas.microsoft.com/office/powerpoint/2010/main" val="1393055561"/>
-      </p:ext>
-    </p:extLst>
-  </p:cSld>
-  <p:clrMapOvr>
-    <a:masterClrMapping/>
-  </p:clrMapOvr>
-</p:sld>
-</file>
-
-<file path=ppt/slides/slide12.xml><?xml version="1.0" encoding="utf-8"?>
+<file path=ppt/slides/slide13.xml><?xml version="1.0" encoding="utf-8"?>
 <p:sld xmlns:a="http://schemas.openxmlformats.org/drawingml/2006/main" xmlns:r="http://schemas.openxmlformats.org/officeDocument/2006/relationships" xmlns:p="http://schemas.openxmlformats.org/presentationml/2006/main">
   <p:cSld>
     <p:spTree>
@@ -8754,7 +9392,7 @@
 </p:sld>
 </file>
 
-<file path=ppt/slides/slide13.xml><?xml version="1.0" encoding="utf-8"?>
+<file path=ppt/slides/slide14.xml><?xml version="1.0" encoding="utf-8"?>
 <p:sld xmlns:a="http://schemas.openxmlformats.org/drawingml/2006/main" xmlns:r="http://schemas.openxmlformats.org/officeDocument/2006/relationships" xmlns:p="http://schemas.openxmlformats.org/presentationml/2006/main">
   <p:cSld>
     <p:spTree>
@@ -8819,6 +9457,13 @@
   <p:clrMapOvr>
     <a:masterClrMapping/>
   </p:clrMapOvr>
+  <p:timing>
+    <p:tnLst>
+      <p:par>
+        <p:cTn id="1" dur="indefinite" restart="never" nodeType="tmRoot"/>
+      </p:par>
+    </p:tnLst>
+  </p:timing>
 </p:sld>
 </file>
 
@@ -8949,6 +9594,13 @@
   <p:clrMapOvr>
     <a:masterClrMapping/>
   </p:clrMapOvr>
+  <p:timing>
+    <p:tnLst>
+      <p:par>
+        <p:cTn id="1" dur="indefinite" restart="never" nodeType="tmRoot"/>
+      </p:par>
+    </p:tnLst>
+  </p:timing>
 </p:sld>
 </file>
 
@@ -9268,33 +9920,15 @@
                                   </p:childTnLst>
                                 </p:cTn>
                               </p:par>
-                            </p:childTnLst>
-                          </p:cTn>
-                        </p:par>
-                      </p:childTnLst>
-                    </p:cTn>
-                  </p:par>
-                  <p:par>
-                    <p:cTn id="8" fill="hold">
-                      <p:stCondLst>
-                        <p:cond delay="indefinite"/>
-                      </p:stCondLst>
-                      <p:childTnLst>
-                        <p:par>
-                          <p:cTn id="9" fill="hold">
-                            <p:stCondLst>
-                              <p:cond delay="0"/>
-                            </p:stCondLst>
-                            <p:childTnLst>
                               <p:par>
-                                <p:cTn id="10" presetID="10" presetClass="entr" presetSubtype="0" fill="hold" nodeType="clickEffect">
+                                <p:cTn id="8" presetID="10" presetClass="entr" presetSubtype="0" fill="hold" nodeType="withEffect">
                                   <p:stCondLst>
                                     <p:cond delay="0"/>
                                   </p:stCondLst>
                                   <p:childTnLst>
                                     <p:set>
                                       <p:cBhvr>
-                                        <p:cTn id="11" dur="1" fill="hold">
+                                        <p:cTn id="9" dur="1" fill="hold">
                                           <p:stCondLst>
                                             <p:cond delay="0"/>
                                           </p:stCondLst>
@@ -9312,7 +9946,7 @@
                                     </p:set>
                                     <p:animEffect transition="in" filter="fade">
                                       <p:cBhvr>
-                                        <p:cTn id="12" dur="500"/>
+                                        <p:cTn id="10" dur="500"/>
                                         <p:tgtEl>
                                           <p:spTgt spid="8"/>
                                         </p:tgtEl>
@@ -9324,30 +9958,21 @@
                             </p:childTnLst>
                           </p:cTn>
                         </p:par>
-                      </p:childTnLst>
-                    </p:cTn>
-                  </p:par>
-                  <p:par>
-                    <p:cTn id="13" fill="hold">
-                      <p:stCondLst>
-                        <p:cond delay="indefinite"/>
-                      </p:stCondLst>
-                      <p:childTnLst>
                         <p:par>
-                          <p:cTn id="14" fill="hold">
+                          <p:cTn id="11" fill="hold">
                             <p:stCondLst>
-                              <p:cond delay="0"/>
+                              <p:cond delay="500"/>
                             </p:stCondLst>
                             <p:childTnLst>
                               <p:par>
-                                <p:cTn id="15" presetID="31" presetClass="entr" presetSubtype="0" fill="hold" grpId="0" nodeType="clickEffect">
+                                <p:cTn id="12" presetID="31" presetClass="entr" presetSubtype="0" fill="hold" grpId="0" nodeType="afterEffect">
                                   <p:stCondLst>
                                     <p:cond delay="0"/>
                                   </p:stCondLst>
                                   <p:childTnLst>
                                     <p:set>
                                       <p:cBhvr>
-                                        <p:cTn id="16" dur="1" fill="hold">
+                                        <p:cTn id="13" dur="1" fill="hold">
                                           <p:stCondLst>
                                             <p:cond delay="0"/>
                                           </p:stCondLst>
@@ -9365,7 +9990,7 @@
                                     </p:set>
                                     <p:anim calcmode="lin" valueType="num">
                                       <p:cBhvr>
-                                        <p:cTn id="17" dur="1000" fill="hold"/>
+                                        <p:cTn id="14" dur="1000" fill="hold"/>
                                         <p:tgtEl>
                                           <p:spTgt spid="10"/>
                                         </p:tgtEl>
@@ -9388,7 +10013,7 @@
                                     </p:anim>
                                     <p:anim calcmode="lin" valueType="num">
                                       <p:cBhvr>
-                                        <p:cTn id="18" dur="1000" fill="hold"/>
+                                        <p:cTn id="15" dur="1000" fill="hold"/>
                                         <p:tgtEl>
                                           <p:spTgt spid="10"/>
                                         </p:tgtEl>
@@ -9411,7 +10036,7 @@
                                     </p:anim>
                                     <p:anim calcmode="lin" valueType="num">
                                       <p:cBhvr>
-                                        <p:cTn id="19" dur="1000" fill="hold"/>
+                                        <p:cTn id="16" dur="1000" fill="hold"/>
                                         <p:tgtEl>
                                           <p:spTgt spid="10"/>
                                         </p:tgtEl>
@@ -9434,7 +10059,7 @@
                                     </p:anim>
                                     <p:animEffect transition="in" filter="fade">
                                       <p:cBhvr>
-                                        <p:cTn id="20" dur="1000"/>
+                                        <p:cTn id="17" dur="1000"/>
                                         <p:tgtEl>
                                           <p:spTgt spid="10"/>
                                         </p:tgtEl>
@@ -9444,14 +10069,14 @@
                                 </p:cTn>
                               </p:par>
                               <p:par>
-                                <p:cTn id="21" presetID="31" presetClass="entr" presetSubtype="0" fill="hold" nodeType="withEffect">
+                                <p:cTn id="18" presetID="31" presetClass="entr" presetSubtype="0" fill="hold" nodeType="withEffect">
                                   <p:stCondLst>
                                     <p:cond delay="0"/>
                                   </p:stCondLst>
                                   <p:childTnLst>
                                     <p:set>
                                       <p:cBhvr>
-                                        <p:cTn id="22" dur="1" fill="hold">
+                                        <p:cTn id="19" dur="1" fill="hold">
                                           <p:stCondLst>
                                             <p:cond delay="0"/>
                                           </p:stCondLst>
@@ -9469,7 +10094,7 @@
                                     </p:set>
                                     <p:anim calcmode="lin" valueType="num">
                                       <p:cBhvr>
-                                        <p:cTn id="23" dur="1000" fill="hold"/>
+                                        <p:cTn id="20" dur="1000" fill="hold"/>
                                         <p:tgtEl>
                                           <p:spTgt spid="7"/>
                                         </p:tgtEl>
@@ -9492,7 +10117,7 @@
                                     </p:anim>
                                     <p:anim calcmode="lin" valueType="num">
                                       <p:cBhvr>
-                                        <p:cTn id="24" dur="1000" fill="hold"/>
+                                        <p:cTn id="21" dur="1000" fill="hold"/>
                                         <p:tgtEl>
                                           <p:spTgt spid="7"/>
                                         </p:tgtEl>
@@ -9515,7 +10140,7 @@
                                     </p:anim>
                                     <p:anim calcmode="lin" valueType="num">
                                       <p:cBhvr>
-                                        <p:cTn id="25" dur="1000" fill="hold"/>
+                                        <p:cTn id="22" dur="1000" fill="hold"/>
                                         <p:tgtEl>
                                           <p:spTgt spid="7"/>
                                         </p:tgtEl>
@@ -9538,7 +10163,7 @@
                                     </p:anim>
                                     <p:animEffect transition="in" filter="fade">
                                       <p:cBhvr>
-                                        <p:cTn id="26" dur="1000"/>
+                                        <p:cTn id="23" dur="1000"/>
                                         <p:tgtEl>
                                           <p:spTgt spid="7"/>
                                         </p:tgtEl>
@@ -9547,33 +10172,15 @@
                                   </p:childTnLst>
                                 </p:cTn>
                               </p:par>
-                            </p:childTnLst>
-                          </p:cTn>
-                        </p:par>
-                      </p:childTnLst>
-                    </p:cTn>
-                  </p:par>
-                  <p:par>
-                    <p:cTn id="27" fill="hold">
-                      <p:stCondLst>
-                        <p:cond delay="indefinite"/>
-                      </p:stCondLst>
-                      <p:childTnLst>
-                        <p:par>
-                          <p:cTn id="28" fill="hold">
-                            <p:stCondLst>
-                              <p:cond delay="0"/>
-                            </p:stCondLst>
-                            <p:childTnLst>
                               <p:par>
-                                <p:cTn id="29" presetID="31" presetClass="entr" presetSubtype="0" fill="hold" grpId="0" nodeType="clickEffect">
+                                <p:cTn id="24" presetID="31" presetClass="entr" presetSubtype="0" fill="hold" grpId="0" nodeType="withEffect">
                                   <p:stCondLst>
                                     <p:cond delay="0"/>
                                   </p:stCondLst>
                                   <p:childTnLst>
                                     <p:set>
                                       <p:cBhvr>
-                                        <p:cTn id="30" dur="1" fill="hold">
+                                        <p:cTn id="25" dur="1" fill="hold">
                                           <p:stCondLst>
                                             <p:cond delay="0"/>
                                           </p:stCondLst>
@@ -9591,7 +10198,7 @@
                                     </p:set>
                                     <p:anim calcmode="lin" valueType="num">
                                       <p:cBhvr>
-                                        <p:cTn id="31" dur="1000" fill="hold"/>
+                                        <p:cTn id="26" dur="1000" fill="hold"/>
                                         <p:tgtEl>
                                           <p:spTgt spid="11"/>
                                         </p:tgtEl>
@@ -9614,7 +10221,7 @@
                                     </p:anim>
                                     <p:anim calcmode="lin" valueType="num">
                                       <p:cBhvr>
-                                        <p:cTn id="32" dur="1000" fill="hold"/>
+                                        <p:cTn id="27" dur="1000" fill="hold"/>
                                         <p:tgtEl>
                                           <p:spTgt spid="11"/>
                                         </p:tgtEl>
@@ -9637,7 +10244,7 @@
                                     </p:anim>
                                     <p:anim calcmode="lin" valueType="num">
                                       <p:cBhvr>
-                                        <p:cTn id="33" dur="1000" fill="hold"/>
+                                        <p:cTn id="28" dur="1000" fill="hold"/>
                                         <p:tgtEl>
                                           <p:spTgt spid="11"/>
                                         </p:tgtEl>
@@ -9660,7 +10267,7 @@
                                     </p:anim>
                                     <p:animEffect transition="in" filter="fade">
                                       <p:cBhvr>
-                                        <p:cTn id="34" dur="1000"/>
+                                        <p:cTn id="29" dur="1000"/>
                                         <p:tgtEl>
                                           <p:spTgt spid="11"/>
                                         </p:tgtEl>
@@ -9670,14 +10277,14 @@
                                 </p:cTn>
                               </p:par>
                               <p:par>
-                                <p:cTn id="35" presetID="31" presetClass="entr" presetSubtype="0" fill="hold" nodeType="withEffect">
+                                <p:cTn id="30" presetID="31" presetClass="entr" presetSubtype="0" fill="hold" nodeType="withEffect">
                                   <p:stCondLst>
                                     <p:cond delay="0"/>
                                   </p:stCondLst>
                                   <p:childTnLst>
                                     <p:set>
                                       <p:cBhvr>
-                                        <p:cTn id="36" dur="1" fill="hold">
+                                        <p:cTn id="31" dur="1" fill="hold">
                                           <p:stCondLst>
                                             <p:cond delay="0"/>
                                           </p:stCondLst>
@@ -9695,7 +10302,7 @@
                                     </p:set>
                                     <p:anim calcmode="lin" valueType="num">
                                       <p:cBhvr>
-                                        <p:cTn id="37" dur="1000" fill="hold"/>
+                                        <p:cTn id="32" dur="1000" fill="hold"/>
                                         <p:tgtEl>
                                           <p:spTgt spid="9"/>
                                         </p:tgtEl>
@@ -9718,7 +10325,7 @@
                                     </p:anim>
                                     <p:anim calcmode="lin" valueType="num">
                                       <p:cBhvr>
-                                        <p:cTn id="38" dur="1000" fill="hold"/>
+                                        <p:cTn id="33" dur="1000" fill="hold"/>
                                         <p:tgtEl>
                                           <p:spTgt spid="9"/>
                                         </p:tgtEl>
@@ -9741,7 +10348,7 @@
                                     </p:anim>
                                     <p:anim calcmode="lin" valueType="num">
                                       <p:cBhvr>
-                                        <p:cTn id="39" dur="1000" fill="hold"/>
+                                        <p:cTn id="34" dur="1000" fill="hold"/>
                                         <p:tgtEl>
                                           <p:spTgt spid="9"/>
                                         </p:tgtEl>
@@ -9764,7 +10371,7 @@
                                     </p:anim>
                                     <p:animEffect transition="in" filter="fade">
                                       <p:cBhvr>
-                                        <p:cTn id="40" dur="1000"/>
+                                        <p:cTn id="35" dur="1000"/>
                                         <p:tgtEl>
                                           <p:spTgt spid="9"/>
                                         </p:tgtEl>
@@ -11547,11 +12154,7 @@
             </a:r>
             <a:r>
               <a:rPr lang="zh-TW" altLang="en-US" sz="2000" dirty="0" smtClean="0"/>
-              <a:t>得出</a:t>
-            </a:r>
-            <a:r>
-              <a:rPr lang="zh-TW" altLang="en-US" sz="2000" dirty="0" smtClean="0"/>
-              <a:t>兩個</a:t>
+              <a:t>得出兩個</a:t>
             </a:r>
             <a:r>
               <a:rPr lang="en-US" altLang="zh-TW" sz="2000" dirty="0" smtClean="0"/>
@@ -11567,15 +12170,7 @@
             </a:r>
             <a:r>
               <a:rPr lang="zh-TW" altLang="en-US" sz="2000" dirty="0" smtClean="0"/>
-              <a:t>，</a:t>
-            </a:r>
-            <a:r>
-              <a:rPr lang="zh-TW" altLang="en-US" sz="2000" dirty="0" smtClean="0"/>
-              <a:t>最後歸納</a:t>
-            </a:r>
-            <a:r>
-              <a:rPr lang="zh-TW" altLang="en-US" sz="2000" dirty="0" smtClean="0"/>
-              <a:t>出最後的</a:t>
+              <a:t>，最後歸納出最後的</a:t>
             </a:r>
             <a:r>
               <a:rPr lang="en-US" altLang="zh-TW" sz="2000" dirty="0" smtClean="0"/>
@@ -12024,8 +12619,8 @@
           </a:prstGeom>
         </p:spPr>
       </p:pic>
-      <mc:AlternateContent xmlns:mc="http://schemas.openxmlformats.org/markup-compatibility/2006">
-        <mc:Choice xmlns:a14="http://schemas.microsoft.com/office/drawing/2010/main" Requires="a14">
+      <mc:AlternateContent xmlns:mc="http://schemas.openxmlformats.org/markup-compatibility/2006" xmlns:a14="http://schemas.microsoft.com/office/drawing/2010/main">
+        <mc:Choice Requires="a14">
           <p:sp>
             <p:nvSpPr>
               <p:cNvPr id="12" name="文字方塊 11"/>
@@ -12048,6 +12643,7 @@
               </a:bodyPr>
               <a:lstStyle/>
               <a:p>
+                <a:pPr/>
                 <a14:m>
                   <m:oMathPara xmlns:m="http://schemas.openxmlformats.org/officeDocument/2006/math">
                     <m:oMathParaPr>
@@ -12452,7 +13048,7 @@
             </p:txBody>
           </p:sp>
         </mc:Choice>
-        <mc:Fallback>
+        <mc:Fallback xmlns="">
           <p:sp>
             <p:nvSpPr>
               <p:cNvPr id="12" name="文字方塊 11"/>
@@ -13281,8 +13877,8 @@
           </a:fontRef>
         </p:style>
       </p:cxnSp>
-      <mc:AlternateContent xmlns:mc="http://schemas.openxmlformats.org/markup-compatibility/2006">
-        <mc:Choice xmlns:a14="http://schemas.microsoft.com/office/drawing/2010/main" Requires="a14">
+      <mc:AlternateContent xmlns:mc="http://schemas.openxmlformats.org/markup-compatibility/2006" xmlns:a14="http://schemas.microsoft.com/office/drawing/2010/main">
+        <mc:Choice Requires="a14">
           <p:sp>
             <p:nvSpPr>
               <p:cNvPr id="11" name="文字方塊 10"/>
@@ -13667,7 +14263,7 @@
             </p:txBody>
           </p:sp>
         </mc:Choice>
-        <mc:Fallback>
+        <mc:Fallback xmlns="">
           <p:sp>
             <p:nvSpPr>
               <p:cNvPr id="11" name="文字方塊 10"/>
@@ -13824,86 +14420,7 @@
   <p:timing>
     <p:tnLst>
       <p:par>
-        <p:cTn id="1" dur="indefinite" restart="never" nodeType="tmRoot">
-          <p:childTnLst>
-            <p:seq concurrent="1" nextAc="seek">
-              <p:cTn id="2" dur="indefinite" nodeType="mainSeq">
-                <p:childTnLst>
-                  <p:par>
-                    <p:cTn id="3" fill="hold">
-                      <p:stCondLst>
-                        <p:cond delay="indefinite"/>
-                        <p:cond evt="onBegin" delay="0">
-                          <p:tn val="2"/>
-                        </p:cond>
-                      </p:stCondLst>
-                      <p:childTnLst>
-                        <p:par>
-                          <p:cTn id="4" fill="hold">
-                            <p:stCondLst>
-                              <p:cond delay="0"/>
-                            </p:stCondLst>
-                            <p:childTnLst>
-                              <p:par>
-                                <p:cTn id="5" presetID="6" presetClass="entr" presetSubtype="16" fill="hold" nodeType="withEffect">
-                                  <p:stCondLst>
-                                    <p:cond delay="0"/>
-                                  </p:stCondLst>
-                                  <p:childTnLst>
-                                    <p:set>
-                                      <p:cBhvr>
-                                        <p:cTn id="6" dur="1" fill="hold">
-                                          <p:stCondLst>
-                                            <p:cond delay="0"/>
-                                          </p:stCondLst>
-                                        </p:cTn>
-                                        <p:tgtEl>
-                                          <p:spTgt spid="4"/>
-                                        </p:tgtEl>
-                                        <p:attrNameLst>
-                                          <p:attrName>style.visibility</p:attrName>
-                                        </p:attrNameLst>
-                                      </p:cBhvr>
-                                      <p:to>
-                                        <p:strVal val="visible"/>
-                                      </p:to>
-                                    </p:set>
-                                    <p:animEffect transition="in" filter="circle(in)">
-                                      <p:cBhvr>
-                                        <p:cTn id="7" dur="2000"/>
-                                        <p:tgtEl>
-                                          <p:spTgt spid="4"/>
-                                        </p:tgtEl>
-                                      </p:cBhvr>
-                                    </p:animEffect>
-                                  </p:childTnLst>
-                                </p:cTn>
-                              </p:par>
-                            </p:childTnLst>
-                          </p:cTn>
-                        </p:par>
-                      </p:childTnLst>
-                    </p:cTn>
-                  </p:par>
-                </p:childTnLst>
-              </p:cTn>
-              <p:prevCondLst>
-                <p:cond evt="onPrev" delay="0">
-                  <p:tgtEl>
-                    <p:sldTgt/>
-                  </p:tgtEl>
-                </p:cond>
-              </p:prevCondLst>
-              <p:nextCondLst>
-                <p:cond evt="onNext" delay="0">
-                  <p:tgtEl>
-                    <p:sldTgt/>
-                  </p:tgtEl>
-                </p:cond>
-              </p:nextCondLst>
-            </p:seq>
-          </p:childTnLst>
-        </p:cTn>
+        <p:cTn id="1" dur="indefinite" restart="never" nodeType="tmRoot"/>
       </p:par>
     </p:tnLst>
   </p:timing>
